--- a/0 발표용 파워포인트/0320 3차발표/0320 project04 - 파워포인트 - 서희.pptx
+++ b/0 발표용 파워포인트/0320 3차발표/0320 project04 - 파워포인트 - 서희.pptx
@@ -5,10 +5,15 @@
     <p:sldMasterId id="2147483648" r:id="rId1"/>
   </p:sldMasterIdLst>
   <p:notesMasterIdLst>
-    <p:notesMasterId r:id="rId3"/>
+    <p:notesMasterId r:id="rId8"/>
   </p:notesMasterIdLst>
   <p:sldIdLst>
     <p:sldId id="256" r:id="rId2"/>
+    <p:sldId id="280" r:id="rId3"/>
+    <p:sldId id="292" r:id="rId4"/>
+    <p:sldId id="270" r:id="rId5"/>
+    <p:sldId id="279" r:id="rId6"/>
+    <p:sldId id="293" r:id="rId7"/>
   </p:sldIdLst>
   <p:sldSz cx="12192000" cy="6858000"/>
   <p:notesSz cx="6858000" cy="9144000"/>
@@ -109,7 +114,7 @@
   </p:defaultTextStyle>
   <p:extLst>
     <p:ext uri="{EFAFB233-063F-42B5-8137-9DF3F51BA10A}">
-      <p15:sldGuideLst xmlns:p15="http://schemas.microsoft.com/office/powerpoint/2012/main" xmlns="">
+      <p15:sldGuideLst xmlns:p15="http://schemas.microsoft.com/office/powerpoint/2012/main">
         <p15:guide id="1" orient="horz" pos="2160">
           <p15:clr>
             <a:srgbClr val="A4A3A4"/>
@@ -208,7 +213,7 @@
           <a:p>
             <a:fld id="{EFE7F2A0-C7D9-4DBD-AE3B-C1A712DCE501}" type="datetimeFigureOut">
               <a:rPr lang="ko-KR" altLang="en-US" smtClean="0"/>
-              <a:t>2020-02-28</a:t>
+              <a:t>2020-03-19</a:t>
             </a:fld>
             <a:endParaRPr lang="ko-KR" altLang="en-US"/>
           </a:p>
@@ -272,38 +277,37 @@
           <a:p>
             <a:pPr lvl="0"/>
             <a:r>
-              <a:rPr lang="ko-KR" altLang="en-US" smtClean="0"/>
+              <a:rPr lang="ko-KR" altLang="en-US"/>
               <a:t>마스터 텍스트 스타일을 편집합니다</a:t>
             </a:r>
           </a:p>
           <a:p>
             <a:pPr lvl="1"/>
             <a:r>
-              <a:rPr lang="ko-KR" altLang="en-US" smtClean="0"/>
+              <a:rPr lang="ko-KR" altLang="en-US"/>
               <a:t>둘째 수준</a:t>
             </a:r>
           </a:p>
           <a:p>
             <a:pPr lvl="2"/>
             <a:r>
-              <a:rPr lang="ko-KR" altLang="en-US" smtClean="0"/>
+              <a:rPr lang="ko-KR" altLang="en-US"/>
               <a:t>셋째 수준</a:t>
             </a:r>
           </a:p>
           <a:p>
             <a:pPr lvl="3"/>
             <a:r>
-              <a:rPr lang="ko-KR" altLang="en-US" smtClean="0"/>
+              <a:rPr lang="ko-KR" altLang="en-US"/>
               <a:t>넷째 수준</a:t>
             </a:r>
           </a:p>
           <a:p>
             <a:pPr lvl="4"/>
             <a:r>
-              <a:rPr lang="ko-KR" altLang="en-US" smtClean="0"/>
+              <a:rPr lang="ko-KR" altLang="en-US"/>
               <a:t>다섯째 수준</a:t>
             </a:r>
-            <a:endParaRPr lang="ko-KR" altLang="en-US"/>
           </a:p>
         </p:txBody>
       </p:sp>
@@ -518,10 +522,9 @@
           </a:lstStyle>
           <a:p>
             <a:r>
-              <a:rPr lang="ko-KR" altLang="en-US" smtClean="0"/>
+              <a:rPr lang="ko-KR" altLang="en-US"/>
               <a:t>마스터 제목 스타일 편집</a:t>
             </a:r>
-            <a:endParaRPr lang="ko-KR" altLang="en-US"/>
           </a:p>
         </p:txBody>
       </p:sp>
@@ -583,10 +586,9 @@
           </a:lstStyle>
           <a:p>
             <a:r>
-              <a:rPr lang="ko-KR" altLang="en-US" smtClean="0"/>
+              <a:rPr lang="ko-KR" altLang="en-US"/>
               <a:t>마스터 부제목 스타일 편집</a:t>
             </a:r>
-            <a:endParaRPr lang="ko-KR" altLang="en-US"/>
           </a:p>
         </p:txBody>
       </p:sp>
@@ -607,7 +609,7 @@
           <a:p>
             <a:fld id="{272C3D53-FEDF-49EC-8F65-FFFC138B637E}" type="datetimeFigureOut">
               <a:rPr lang="ko-KR" altLang="en-US" smtClean="0"/>
-              <a:t>2020-02-28</a:t>
+              <a:t>2020-03-19</a:t>
             </a:fld>
             <a:endParaRPr lang="ko-KR" altLang="en-US"/>
           </a:p>
@@ -701,10 +703,9 @@
           <a:lstStyle/>
           <a:p>
             <a:r>
-              <a:rPr lang="ko-KR" altLang="en-US" smtClean="0"/>
+              <a:rPr lang="ko-KR" altLang="en-US"/>
               <a:t>마스터 제목 스타일 편집</a:t>
             </a:r>
-            <a:endParaRPr lang="ko-KR" altLang="en-US"/>
           </a:p>
         </p:txBody>
       </p:sp>
@@ -725,38 +726,37 @@
           <a:p>
             <a:pPr lvl="0"/>
             <a:r>
-              <a:rPr lang="ko-KR" altLang="en-US" smtClean="0"/>
+              <a:rPr lang="ko-KR" altLang="en-US"/>
               <a:t>마스터 텍스트 스타일을 편집합니다</a:t>
             </a:r>
           </a:p>
           <a:p>
             <a:pPr lvl="1"/>
             <a:r>
-              <a:rPr lang="ko-KR" altLang="en-US" smtClean="0"/>
+              <a:rPr lang="ko-KR" altLang="en-US"/>
               <a:t>둘째 수준</a:t>
             </a:r>
           </a:p>
           <a:p>
             <a:pPr lvl="2"/>
             <a:r>
-              <a:rPr lang="ko-KR" altLang="en-US" smtClean="0"/>
+              <a:rPr lang="ko-KR" altLang="en-US"/>
               <a:t>셋째 수준</a:t>
             </a:r>
           </a:p>
           <a:p>
             <a:pPr lvl="3"/>
             <a:r>
-              <a:rPr lang="ko-KR" altLang="en-US" smtClean="0"/>
+              <a:rPr lang="ko-KR" altLang="en-US"/>
               <a:t>넷째 수준</a:t>
             </a:r>
           </a:p>
           <a:p>
             <a:pPr lvl="4"/>
             <a:r>
-              <a:rPr lang="ko-KR" altLang="en-US" smtClean="0"/>
+              <a:rPr lang="ko-KR" altLang="en-US"/>
               <a:t>다섯째 수준</a:t>
             </a:r>
-            <a:endParaRPr lang="ko-KR" altLang="en-US"/>
           </a:p>
         </p:txBody>
       </p:sp>
@@ -777,7 +777,7 @@
           <a:p>
             <a:fld id="{272C3D53-FEDF-49EC-8F65-FFFC138B637E}" type="datetimeFigureOut">
               <a:rPr lang="ko-KR" altLang="en-US" smtClean="0"/>
-              <a:t>2020-02-28</a:t>
+              <a:t>2020-03-19</a:t>
             </a:fld>
             <a:endParaRPr lang="ko-KR" altLang="en-US"/>
           </a:p>
@@ -876,10 +876,9 @@
           <a:lstStyle/>
           <a:p>
             <a:r>
-              <a:rPr lang="ko-KR" altLang="en-US" smtClean="0"/>
+              <a:rPr lang="ko-KR" altLang="en-US"/>
               <a:t>마스터 제목 스타일 편집</a:t>
             </a:r>
-            <a:endParaRPr lang="ko-KR" altLang="en-US"/>
           </a:p>
         </p:txBody>
       </p:sp>
@@ -905,38 +904,37 @@
           <a:p>
             <a:pPr lvl="0"/>
             <a:r>
-              <a:rPr lang="ko-KR" altLang="en-US" smtClean="0"/>
+              <a:rPr lang="ko-KR" altLang="en-US"/>
               <a:t>마스터 텍스트 스타일을 편집합니다</a:t>
             </a:r>
           </a:p>
           <a:p>
             <a:pPr lvl="1"/>
             <a:r>
-              <a:rPr lang="ko-KR" altLang="en-US" smtClean="0"/>
+              <a:rPr lang="ko-KR" altLang="en-US"/>
               <a:t>둘째 수준</a:t>
             </a:r>
           </a:p>
           <a:p>
             <a:pPr lvl="2"/>
             <a:r>
-              <a:rPr lang="ko-KR" altLang="en-US" smtClean="0"/>
+              <a:rPr lang="ko-KR" altLang="en-US"/>
               <a:t>셋째 수준</a:t>
             </a:r>
           </a:p>
           <a:p>
             <a:pPr lvl="3"/>
             <a:r>
-              <a:rPr lang="ko-KR" altLang="en-US" smtClean="0"/>
+              <a:rPr lang="ko-KR" altLang="en-US"/>
               <a:t>넷째 수준</a:t>
             </a:r>
           </a:p>
           <a:p>
             <a:pPr lvl="4"/>
             <a:r>
-              <a:rPr lang="ko-KR" altLang="en-US" smtClean="0"/>
+              <a:rPr lang="ko-KR" altLang="en-US"/>
               <a:t>다섯째 수준</a:t>
             </a:r>
-            <a:endParaRPr lang="ko-KR" altLang="en-US"/>
           </a:p>
         </p:txBody>
       </p:sp>
@@ -957,7 +955,7 @@
           <a:p>
             <a:fld id="{272C3D53-FEDF-49EC-8F65-FFFC138B637E}" type="datetimeFigureOut">
               <a:rPr lang="ko-KR" altLang="en-US" smtClean="0"/>
-              <a:t>2020-02-28</a:t>
+              <a:t>2020-03-19</a:t>
             </a:fld>
             <a:endParaRPr lang="ko-KR" altLang="en-US"/>
           </a:p>
@@ -1051,10 +1049,9 @@
           <a:lstStyle/>
           <a:p>
             <a:r>
-              <a:rPr lang="ko-KR" altLang="en-US" smtClean="0"/>
+              <a:rPr lang="ko-KR" altLang="en-US"/>
               <a:t>마스터 제목 스타일 편집</a:t>
             </a:r>
-            <a:endParaRPr lang="ko-KR" altLang="en-US"/>
           </a:p>
         </p:txBody>
       </p:sp>
@@ -1075,38 +1072,37 @@
           <a:p>
             <a:pPr lvl="0"/>
             <a:r>
-              <a:rPr lang="ko-KR" altLang="en-US" smtClean="0"/>
+              <a:rPr lang="ko-KR" altLang="en-US"/>
               <a:t>마스터 텍스트 스타일을 편집합니다</a:t>
             </a:r>
           </a:p>
           <a:p>
             <a:pPr lvl="1"/>
             <a:r>
-              <a:rPr lang="ko-KR" altLang="en-US" smtClean="0"/>
+              <a:rPr lang="ko-KR" altLang="en-US"/>
               <a:t>둘째 수준</a:t>
             </a:r>
           </a:p>
           <a:p>
             <a:pPr lvl="2"/>
             <a:r>
-              <a:rPr lang="ko-KR" altLang="en-US" smtClean="0"/>
+              <a:rPr lang="ko-KR" altLang="en-US"/>
               <a:t>셋째 수준</a:t>
             </a:r>
           </a:p>
           <a:p>
             <a:pPr lvl="3"/>
             <a:r>
-              <a:rPr lang="ko-KR" altLang="en-US" smtClean="0"/>
+              <a:rPr lang="ko-KR" altLang="en-US"/>
               <a:t>넷째 수준</a:t>
             </a:r>
           </a:p>
           <a:p>
             <a:pPr lvl="4"/>
             <a:r>
-              <a:rPr lang="ko-KR" altLang="en-US" smtClean="0"/>
+              <a:rPr lang="ko-KR" altLang="en-US"/>
               <a:t>다섯째 수준</a:t>
             </a:r>
-            <a:endParaRPr lang="ko-KR" altLang="en-US"/>
           </a:p>
         </p:txBody>
       </p:sp>
@@ -1127,7 +1123,7 @@
           <a:p>
             <a:fld id="{272C3D53-FEDF-49EC-8F65-FFFC138B637E}" type="datetimeFigureOut">
               <a:rPr lang="ko-KR" altLang="en-US" smtClean="0"/>
-              <a:t>2020-02-28</a:t>
+              <a:t>2020-03-19</a:t>
             </a:fld>
             <a:endParaRPr lang="ko-KR" altLang="en-US"/>
           </a:p>
@@ -1230,10 +1226,9 @@
           </a:lstStyle>
           <a:p>
             <a:r>
-              <a:rPr lang="ko-KR" altLang="en-US" smtClean="0"/>
+              <a:rPr lang="ko-KR" altLang="en-US"/>
               <a:t>마스터 제목 스타일 편집</a:t>
             </a:r>
-            <a:endParaRPr lang="ko-KR" altLang="en-US"/>
           </a:p>
         </p:txBody>
       </p:sp>
@@ -1350,7 +1345,7 @@
           <a:p>
             <a:pPr lvl="0"/>
             <a:r>
-              <a:rPr lang="ko-KR" altLang="en-US" smtClean="0"/>
+              <a:rPr lang="ko-KR" altLang="en-US"/>
               <a:t>마스터 텍스트 스타일을 편집합니다</a:t>
             </a:r>
           </a:p>
@@ -1373,7 +1368,7 @@
           <a:p>
             <a:fld id="{272C3D53-FEDF-49EC-8F65-FFFC138B637E}" type="datetimeFigureOut">
               <a:rPr lang="ko-KR" altLang="en-US" smtClean="0"/>
-              <a:t>2020-02-28</a:t>
+              <a:t>2020-03-19</a:t>
             </a:fld>
             <a:endParaRPr lang="ko-KR" altLang="en-US"/>
           </a:p>
@@ -1467,10 +1462,9 @@
           <a:lstStyle/>
           <a:p>
             <a:r>
-              <a:rPr lang="ko-KR" altLang="en-US" smtClean="0"/>
+              <a:rPr lang="ko-KR" altLang="en-US"/>
               <a:t>마스터 제목 스타일 편집</a:t>
             </a:r>
-            <a:endParaRPr lang="ko-KR" altLang="en-US"/>
           </a:p>
         </p:txBody>
       </p:sp>
@@ -1496,38 +1490,37 @@
           <a:p>
             <a:pPr lvl="0"/>
             <a:r>
-              <a:rPr lang="ko-KR" altLang="en-US" smtClean="0"/>
+              <a:rPr lang="ko-KR" altLang="en-US"/>
               <a:t>마스터 텍스트 스타일을 편집합니다</a:t>
             </a:r>
           </a:p>
           <a:p>
             <a:pPr lvl="1"/>
             <a:r>
-              <a:rPr lang="ko-KR" altLang="en-US" smtClean="0"/>
+              <a:rPr lang="ko-KR" altLang="en-US"/>
               <a:t>둘째 수준</a:t>
             </a:r>
           </a:p>
           <a:p>
             <a:pPr lvl="2"/>
             <a:r>
-              <a:rPr lang="ko-KR" altLang="en-US" smtClean="0"/>
+              <a:rPr lang="ko-KR" altLang="en-US"/>
               <a:t>셋째 수준</a:t>
             </a:r>
           </a:p>
           <a:p>
             <a:pPr lvl="3"/>
             <a:r>
-              <a:rPr lang="ko-KR" altLang="en-US" smtClean="0"/>
+              <a:rPr lang="ko-KR" altLang="en-US"/>
               <a:t>넷째 수준</a:t>
             </a:r>
           </a:p>
           <a:p>
             <a:pPr lvl="4"/>
             <a:r>
-              <a:rPr lang="ko-KR" altLang="en-US" smtClean="0"/>
+              <a:rPr lang="ko-KR" altLang="en-US"/>
               <a:t>다섯째 수준</a:t>
             </a:r>
-            <a:endParaRPr lang="ko-KR" altLang="en-US"/>
           </a:p>
         </p:txBody>
       </p:sp>
@@ -1553,38 +1546,37 @@
           <a:p>
             <a:pPr lvl="0"/>
             <a:r>
-              <a:rPr lang="ko-KR" altLang="en-US" smtClean="0"/>
+              <a:rPr lang="ko-KR" altLang="en-US"/>
               <a:t>마스터 텍스트 스타일을 편집합니다</a:t>
             </a:r>
           </a:p>
           <a:p>
             <a:pPr lvl="1"/>
             <a:r>
-              <a:rPr lang="ko-KR" altLang="en-US" smtClean="0"/>
+              <a:rPr lang="ko-KR" altLang="en-US"/>
               <a:t>둘째 수준</a:t>
             </a:r>
           </a:p>
           <a:p>
             <a:pPr lvl="2"/>
             <a:r>
-              <a:rPr lang="ko-KR" altLang="en-US" smtClean="0"/>
+              <a:rPr lang="ko-KR" altLang="en-US"/>
               <a:t>셋째 수준</a:t>
             </a:r>
           </a:p>
           <a:p>
             <a:pPr lvl="3"/>
             <a:r>
-              <a:rPr lang="ko-KR" altLang="en-US" smtClean="0"/>
+              <a:rPr lang="ko-KR" altLang="en-US"/>
               <a:t>넷째 수준</a:t>
             </a:r>
           </a:p>
           <a:p>
             <a:pPr lvl="4"/>
             <a:r>
-              <a:rPr lang="ko-KR" altLang="en-US" smtClean="0"/>
+              <a:rPr lang="ko-KR" altLang="en-US"/>
               <a:t>다섯째 수준</a:t>
             </a:r>
-            <a:endParaRPr lang="ko-KR" altLang="en-US"/>
           </a:p>
         </p:txBody>
       </p:sp>
@@ -1605,7 +1597,7 @@
           <a:p>
             <a:fld id="{272C3D53-FEDF-49EC-8F65-FFFC138B637E}" type="datetimeFigureOut">
               <a:rPr lang="ko-KR" altLang="en-US" smtClean="0"/>
-              <a:t>2020-02-28</a:t>
+              <a:t>2020-03-19</a:t>
             </a:fld>
             <a:endParaRPr lang="ko-KR" altLang="en-US"/>
           </a:p>
@@ -1704,10 +1696,9 @@
           <a:lstStyle/>
           <a:p>
             <a:r>
-              <a:rPr lang="ko-KR" altLang="en-US" smtClean="0"/>
+              <a:rPr lang="ko-KR" altLang="en-US"/>
               <a:t>마스터 제목 스타일 편집</a:t>
             </a:r>
-            <a:endParaRPr lang="ko-KR" altLang="en-US"/>
           </a:p>
         </p:txBody>
       </p:sp>
@@ -1770,7 +1761,7 @@
           <a:p>
             <a:pPr lvl="0"/>
             <a:r>
-              <a:rPr lang="ko-KR" altLang="en-US" smtClean="0"/>
+              <a:rPr lang="ko-KR" altLang="en-US"/>
               <a:t>마스터 텍스트 스타일을 편집합니다</a:t>
             </a:r>
           </a:p>
@@ -1798,38 +1789,37 @@
           <a:p>
             <a:pPr lvl="0"/>
             <a:r>
-              <a:rPr lang="ko-KR" altLang="en-US" smtClean="0"/>
+              <a:rPr lang="ko-KR" altLang="en-US"/>
               <a:t>마스터 텍스트 스타일을 편집합니다</a:t>
             </a:r>
           </a:p>
           <a:p>
             <a:pPr lvl="1"/>
             <a:r>
-              <a:rPr lang="ko-KR" altLang="en-US" smtClean="0"/>
+              <a:rPr lang="ko-KR" altLang="en-US"/>
               <a:t>둘째 수준</a:t>
             </a:r>
           </a:p>
           <a:p>
             <a:pPr lvl="2"/>
             <a:r>
-              <a:rPr lang="ko-KR" altLang="en-US" smtClean="0"/>
+              <a:rPr lang="ko-KR" altLang="en-US"/>
               <a:t>셋째 수준</a:t>
             </a:r>
           </a:p>
           <a:p>
             <a:pPr lvl="3"/>
             <a:r>
-              <a:rPr lang="ko-KR" altLang="en-US" smtClean="0"/>
+              <a:rPr lang="ko-KR" altLang="en-US"/>
               <a:t>넷째 수준</a:t>
             </a:r>
           </a:p>
           <a:p>
             <a:pPr lvl="4"/>
             <a:r>
-              <a:rPr lang="ko-KR" altLang="en-US" smtClean="0"/>
+              <a:rPr lang="ko-KR" altLang="en-US"/>
               <a:t>다섯째 수준</a:t>
             </a:r>
-            <a:endParaRPr lang="ko-KR" altLang="en-US"/>
           </a:p>
         </p:txBody>
       </p:sp>
@@ -1892,7 +1882,7 @@
           <a:p>
             <a:pPr lvl="0"/>
             <a:r>
-              <a:rPr lang="ko-KR" altLang="en-US" smtClean="0"/>
+              <a:rPr lang="ko-KR" altLang="en-US"/>
               <a:t>마스터 텍스트 스타일을 편집합니다</a:t>
             </a:r>
           </a:p>
@@ -1920,38 +1910,37 @@
           <a:p>
             <a:pPr lvl="0"/>
             <a:r>
-              <a:rPr lang="ko-KR" altLang="en-US" smtClean="0"/>
+              <a:rPr lang="ko-KR" altLang="en-US"/>
               <a:t>마스터 텍스트 스타일을 편집합니다</a:t>
             </a:r>
           </a:p>
           <a:p>
             <a:pPr lvl="1"/>
             <a:r>
-              <a:rPr lang="ko-KR" altLang="en-US" smtClean="0"/>
+              <a:rPr lang="ko-KR" altLang="en-US"/>
               <a:t>둘째 수준</a:t>
             </a:r>
           </a:p>
           <a:p>
             <a:pPr lvl="2"/>
             <a:r>
-              <a:rPr lang="ko-KR" altLang="en-US" smtClean="0"/>
+              <a:rPr lang="ko-KR" altLang="en-US"/>
               <a:t>셋째 수준</a:t>
             </a:r>
           </a:p>
           <a:p>
             <a:pPr lvl="3"/>
             <a:r>
-              <a:rPr lang="ko-KR" altLang="en-US" smtClean="0"/>
+              <a:rPr lang="ko-KR" altLang="en-US"/>
               <a:t>넷째 수준</a:t>
             </a:r>
           </a:p>
           <a:p>
             <a:pPr lvl="4"/>
             <a:r>
-              <a:rPr lang="ko-KR" altLang="en-US" smtClean="0"/>
+              <a:rPr lang="ko-KR" altLang="en-US"/>
               <a:t>다섯째 수준</a:t>
             </a:r>
-            <a:endParaRPr lang="ko-KR" altLang="en-US"/>
           </a:p>
         </p:txBody>
       </p:sp>
@@ -1972,7 +1961,7 @@
           <a:p>
             <a:fld id="{272C3D53-FEDF-49EC-8F65-FFFC138B637E}" type="datetimeFigureOut">
               <a:rPr lang="ko-KR" altLang="en-US" smtClean="0"/>
-              <a:t>2020-02-28</a:t>
+              <a:t>2020-03-19</a:t>
             </a:fld>
             <a:endParaRPr lang="ko-KR" altLang="en-US"/>
           </a:p>
@@ -2066,10 +2055,9 @@
           <a:lstStyle/>
           <a:p>
             <a:r>
-              <a:rPr lang="ko-KR" altLang="en-US" smtClean="0"/>
+              <a:rPr lang="ko-KR" altLang="en-US"/>
               <a:t>마스터 제목 스타일 편집</a:t>
             </a:r>
-            <a:endParaRPr lang="ko-KR" altLang="en-US"/>
           </a:p>
         </p:txBody>
       </p:sp>
@@ -2090,7 +2078,7 @@
           <a:p>
             <a:fld id="{272C3D53-FEDF-49EC-8F65-FFFC138B637E}" type="datetimeFigureOut">
               <a:rPr lang="ko-KR" altLang="en-US" smtClean="0"/>
-              <a:t>2020-02-28</a:t>
+              <a:t>2020-03-19</a:t>
             </a:fld>
             <a:endParaRPr lang="ko-KR" altLang="en-US"/>
           </a:p>
@@ -2185,7 +2173,7 @@
           <a:p>
             <a:fld id="{272C3D53-FEDF-49EC-8F65-FFFC138B637E}" type="datetimeFigureOut">
               <a:rPr lang="ko-KR" altLang="en-US" smtClean="0"/>
-              <a:t>2020-02-28</a:t>
+              <a:t>2020-03-19</a:t>
             </a:fld>
             <a:endParaRPr lang="ko-KR" altLang="en-US"/>
           </a:p>
@@ -2288,10 +2276,9 @@
           </a:lstStyle>
           <a:p>
             <a:r>
-              <a:rPr lang="ko-KR" altLang="en-US" smtClean="0"/>
+              <a:rPr lang="ko-KR" altLang="en-US"/>
               <a:t>마스터 제목 스타일 편집</a:t>
             </a:r>
-            <a:endParaRPr lang="ko-KR" altLang="en-US"/>
           </a:p>
         </p:txBody>
       </p:sp>
@@ -2345,38 +2332,37 @@
           <a:p>
             <a:pPr lvl="0"/>
             <a:r>
-              <a:rPr lang="ko-KR" altLang="en-US" smtClean="0"/>
+              <a:rPr lang="ko-KR" altLang="en-US"/>
               <a:t>마스터 텍스트 스타일을 편집합니다</a:t>
             </a:r>
           </a:p>
           <a:p>
             <a:pPr lvl="1"/>
             <a:r>
-              <a:rPr lang="ko-KR" altLang="en-US" smtClean="0"/>
+              <a:rPr lang="ko-KR" altLang="en-US"/>
               <a:t>둘째 수준</a:t>
             </a:r>
           </a:p>
           <a:p>
             <a:pPr lvl="2"/>
             <a:r>
-              <a:rPr lang="ko-KR" altLang="en-US" smtClean="0"/>
+              <a:rPr lang="ko-KR" altLang="en-US"/>
               <a:t>셋째 수준</a:t>
             </a:r>
           </a:p>
           <a:p>
             <a:pPr lvl="3"/>
             <a:r>
-              <a:rPr lang="ko-KR" altLang="en-US" smtClean="0"/>
+              <a:rPr lang="ko-KR" altLang="en-US"/>
               <a:t>넷째 수준</a:t>
             </a:r>
           </a:p>
           <a:p>
             <a:pPr lvl="4"/>
             <a:r>
-              <a:rPr lang="ko-KR" altLang="en-US" smtClean="0"/>
+              <a:rPr lang="ko-KR" altLang="en-US"/>
               <a:t>다섯째 수준</a:t>
             </a:r>
-            <a:endParaRPr lang="ko-KR" altLang="en-US"/>
           </a:p>
         </p:txBody>
       </p:sp>
@@ -2439,7 +2425,7 @@
           <a:p>
             <a:pPr lvl="0"/>
             <a:r>
-              <a:rPr lang="ko-KR" altLang="en-US" smtClean="0"/>
+              <a:rPr lang="ko-KR" altLang="en-US"/>
               <a:t>마스터 텍스트 스타일을 편집합니다</a:t>
             </a:r>
           </a:p>
@@ -2462,7 +2448,7 @@
           <a:p>
             <a:fld id="{272C3D53-FEDF-49EC-8F65-FFFC138B637E}" type="datetimeFigureOut">
               <a:rPr lang="ko-KR" altLang="en-US" smtClean="0"/>
-              <a:t>2020-02-28</a:t>
+              <a:t>2020-03-19</a:t>
             </a:fld>
             <a:endParaRPr lang="ko-KR" altLang="en-US"/>
           </a:p>
@@ -2565,10 +2551,9 @@
           </a:lstStyle>
           <a:p>
             <a:r>
-              <a:rPr lang="ko-KR" altLang="en-US" smtClean="0"/>
+              <a:rPr lang="ko-KR" altLang="en-US"/>
               <a:t>마스터 제목 스타일 편집</a:t>
             </a:r>
-            <a:endParaRPr lang="ko-KR" altLang="en-US"/>
           </a:p>
         </p:txBody>
       </p:sp>
@@ -2692,7 +2677,7 @@
           <a:p>
             <a:pPr lvl="0"/>
             <a:r>
-              <a:rPr lang="ko-KR" altLang="en-US" smtClean="0"/>
+              <a:rPr lang="ko-KR" altLang="en-US"/>
               <a:t>마스터 텍스트 스타일을 편집합니다</a:t>
             </a:r>
           </a:p>
@@ -2715,7 +2700,7 @@
           <a:p>
             <a:fld id="{272C3D53-FEDF-49EC-8F65-FFFC138B637E}" type="datetimeFigureOut">
               <a:rPr lang="ko-KR" altLang="en-US" smtClean="0"/>
-              <a:t>2020-02-28</a:t>
+              <a:t>2020-03-19</a:t>
             </a:fld>
             <a:endParaRPr lang="ko-KR" altLang="en-US"/>
           </a:p>
@@ -2824,10 +2809,9 @@
           <a:lstStyle/>
           <a:p>
             <a:r>
-              <a:rPr lang="ko-KR" altLang="en-US" smtClean="0"/>
+              <a:rPr lang="ko-KR" altLang="en-US"/>
               <a:t>마스터 제목 스타일 편집</a:t>
             </a:r>
-            <a:endParaRPr lang="ko-KR" altLang="en-US"/>
           </a:p>
         </p:txBody>
       </p:sp>
@@ -2858,38 +2842,37 @@
           <a:p>
             <a:pPr lvl="0"/>
             <a:r>
-              <a:rPr lang="ko-KR" altLang="en-US" smtClean="0"/>
+              <a:rPr lang="ko-KR" altLang="en-US"/>
               <a:t>마스터 텍스트 스타일을 편집합니다</a:t>
             </a:r>
           </a:p>
           <a:p>
             <a:pPr lvl="1"/>
             <a:r>
-              <a:rPr lang="ko-KR" altLang="en-US" smtClean="0"/>
+              <a:rPr lang="ko-KR" altLang="en-US"/>
               <a:t>둘째 수준</a:t>
             </a:r>
           </a:p>
           <a:p>
             <a:pPr lvl="2"/>
             <a:r>
-              <a:rPr lang="ko-KR" altLang="en-US" smtClean="0"/>
+              <a:rPr lang="ko-KR" altLang="en-US"/>
               <a:t>셋째 수준</a:t>
             </a:r>
           </a:p>
           <a:p>
             <a:pPr lvl="3"/>
             <a:r>
-              <a:rPr lang="ko-KR" altLang="en-US" smtClean="0"/>
+              <a:rPr lang="ko-KR" altLang="en-US"/>
               <a:t>넷째 수준</a:t>
             </a:r>
           </a:p>
           <a:p>
             <a:pPr lvl="4"/>
             <a:r>
-              <a:rPr lang="ko-KR" altLang="en-US" smtClean="0"/>
+              <a:rPr lang="ko-KR" altLang="en-US"/>
               <a:t>다섯째 수준</a:t>
             </a:r>
-            <a:endParaRPr lang="ko-KR" altLang="en-US"/>
           </a:p>
         </p:txBody>
       </p:sp>
@@ -2928,7 +2911,7 @@
           <a:p>
             <a:fld id="{272C3D53-FEDF-49EC-8F65-FFFC138B637E}" type="datetimeFigureOut">
               <a:rPr lang="ko-KR" altLang="en-US" smtClean="0"/>
-              <a:t>2020-02-28</a:t>
+              <a:t>2020-03-19</a:t>
             </a:fld>
             <a:endParaRPr lang="ko-KR" altLang="en-US"/>
           </a:p>
@@ -3349,11 +3332,11 @@
           <a:lstStyle/>
           <a:p>
             <a:r>
-              <a:rPr lang="ko-KR" altLang="en-US" dirty="0" smtClean="0"/>
+              <a:rPr lang="ko-KR" altLang="en-US" dirty="0"/>
               <a:t>화면 설계서</a:t>
             </a:r>
             <a:r>
-              <a:rPr lang="en-US" altLang="ko-KR" dirty="0" smtClean="0"/>
+              <a:rPr lang="en-US" altLang="ko-KR" dirty="0"/>
               <a:t>!!!!</a:t>
             </a:r>
             <a:endParaRPr lang="ko-KR" altLang="en-US" dirty="0"/>
@@ -3376,33 +3359,32 @@
           <a:lstStyle/>
           <a:p>
             <a:r>
-              <a:rPr lang="ko-KR" altLang="en-US" dirty="0" smtClean="0"/>
+              <a:rPr lang="ko-KR" altLang="en-US" dirty="0"/>
               <a:t>프로젝트</a:t>
             </a:r>
             <a:r>
               <a:rPr lang="en-US" altLang="ko-KR" dirty="0"/>
               <a:t>3</a:t>
             </a:r>
-            <a:endParaRPr lang="en-US" altLang="ko-KR" dirty="0" smtClean="0"/>
           </a:p>
           <a:p>
             <a:r>
-              <a:rPr lang="ko-KR" altLang="en-US" dirty="0" err="1" smtClean="0"/>
+              <a:rPr lang="ko-KR" altLang="en-US" dirty="0" err="1"/>
               <a:t>크라우드</a:t>
             </a:r>
             <a:r>
-              <a:rPr lang="ko-KR" altLang="en-US" dirty="0" smtClean="0"/>
+              <a:rPr lang="ko-KR" altLang="en-US" dirty="0"/>
               <a:t> </a:t>
             </a:r>
             <a:r>
-              <a:rPr lang="en-US" altLang="ko-KR" dirty="0" smtClean="0"/>
+              <a:rPr lang="en-US" altLang="ko-KR" dirty="0"/>
               <a:t>fun</a:t>
             </a:r>
             <a:r>
-              <a:rPr lang="ko-KR" altLang="en-US" dirty="0" err="1" smtClean="0"/>
+              <a:rPr lang="ko-KR" altLang="en-US" dirty="0" err="1"/>
               <a:t>딩딩디리이딩디이딩딩</a:t>
             </a:r>
-            <a:endParaRPr lang="en-US" altLang="ko-KR" dirty="0" smtClean="0"/>
+            <a:endParaRPr lang="en-US" altLang="ko-KR" dirty="0"/>
           </a:p>
           <a:p>
             <a:r>
@@ -3410,7 +3392,7 @@
               <a:t>2</a:t>
             </a:r>
             <a:r>
-              <a:rPr lang="ko-KR" altLang="en-US" dirty="0" err="1" smtClean="0"/>
+              <a:rPr lang="ko-KR" altLang="en-US" dirty="0" err="1"/>
               <a:t>조오오오오오으아아으아으아으아ㅡ아으ㅏ으아</a:t>
             </a:r>
             <a:endParaRPr lang="ko-KR" altLang="en-US" dirty="0"/>
@@ -3421,6 +3403,5631 @@
     <p:extLst>
       <p:ext uri="{BB962C8B-B14F-4D97-AF65-F5344CB8AC3E}">
         <p14:creationId xmlns:p14="http://schemas.microsoft.com/office/powerpoint/2010/main" val="465175567"/>
+      </p:ext>
+    </p:extLst>
+  </p:cSld>
+  <p:clrMapOvr>
+    <a:masterClrMapping/>
+  </p:clrMapOvr>
+</p:sld>
+</file>
+
+<file path=ppt/slides/slide2.xml><?xml version="1.0" encoding="utf-8"?>
+<p:sld xmlns:a="http://schemas.openxmlformats.org/drawingml/2006/main" xmlns:r="http://schemas.openxmlformats.org/officeDocument/2006/relationships" xmlns:p="http://schemas.openxmlformats.org/presentationml/2006/main">
+  <p:cSld>
+    <p:spTree>
+      <p:nvGrpSpPr>
+        <p:cNvPr id="1" name=""/>
+        <p:cNvGrpSpPr/>
+        <p:nvPr/>
+      </p:nvGrpSpPr>
+      <p:grpSpPr>
+        <a:xfrm>
+          <a:off x="0" y="0"/>
+          <a:ext cx="0" cy="0"/>
+          <a:chOff x="0" y="0"/>
+          <a:chExt cx="0" cy="0"/>
+        </a:xfrm>
+      </p:grpSpPr>
+      <p:pic>
+        <p:nvPicPr>
+          <p:cNvPr id="5" name="그림 4"/>
+          <p:cNvPicPr>
+            <a:picLocks noChangeAspect="1"/>
+          </p:cNvPicPr>
+          <p:nvPr/>
+        </p:nvPicPr>
+        <p:blipFill>
+          <a:blip r:embed="rId2"/>
+          <a:stretch>
+            <a:fillRect/>
+          </a:stretch>
+        </p:blipFill>
+        <p:spPr>
+          <a:xfrm>
+            <a:off x="1543870" y="502508"/>
+            <a:ext cx="8826827" cy="4786184"/>
+          </a:xfrm>
+          <a:prstGeom prst="rect">
+            <a:avLst/>
+          </a:prstGeom>
+        </p:spPr>
+      </p:pic>
+    </p:spTree>
+    <p:extLst>
+      <p:ext uri="{BB962C8B-B14F-4D97-AF65-F5344CB8AC3E}">
+        <p14:creationId xmlns:p14="http://schemas.microsoft.com/office/powerpoint/2010/main" val="2551200516"/>
+      </p:ext>
+    </p:extLst>
+  </p:cSld>
+  <p:clrMapOvr>
+    <a:masterClrMapping/>
+  </p:clrMapOvr>
+</p:sld>
+</file>
+
+<file path=ppt/slides/slide3.xml><?xml version="1.0" encoding="utf-8"?>
+<p:sld xmlns:a="http://schemas.openxmlformats.org/drawingml/2006/main" xmlns:r="http://schemas.openxmlformats.org/officeDocument/2006/relationships" xmlns:p="http://schemas.openxmlformats.org/presentationml/2006/main">
+  <p:cSld>
+    <p:spTree>
+      <p:nvGrpSpPr>
+        <p:cNvPr id="1" name=""/>
+        <p:cNvGrpSpPr/>
+        <p:nvPr/>
+      </p:nvGrpSpPr>
+      <p:grpSpPr>
+        <a:xfrm>
+          <a:off x="0" y="0"/>
+          <a:ext cx="0" cy="0"/>
+          <a:chOff x="0" y="0"/>
+          <a:chExt cx="0" cy="0"/>
+        </a:xfrm>
+      </p:grpSpPr>
+      <p:pic>
+        <p:nvPicPr>
+          <p:cNvPr id="6" name="그림 5"/>
+          <p:cNvPicPr>
+            <a:picLocks noChangeAspect="1"/>
+          </p:cNvPicPr>
+          <p:nvPr/>
+        </p:nvPicPr>
+        <p:blipFill>
+          <a:blip r:embed="rId2"/>
+          <a:stretch>
+            <a:fillRect/>
+          </a:stretch>
+        </p:blipFill>
+        <p:spPr>
+          <a:xfrm>
+            <a:off x="321468" y="1496827"/>
+            <a:ext cx="3437261" cy="2877464"/>
+          </a:xfrm>
+          <a:prstGeom prst="rect">
+            <a:avLst/>
+          </a:prstGeom>
+        </p:spPr>
+      </p:pic>
+      <p:grpSp>
+        <p:nvGrpSpPr>
+          <p:cNvPr id="2" name="그룹 1"/>
+          <p:cNvGrpSpPr/>
+          <p:nvPr/>
+        </p:nvGrpSpPr>
+        <p:grpSpPr>
+          <a:xfrm>
+            <a:off x="4389498" y="1492029"/>
+            <a:ext cx="2983367" cy="3835515"/>
+            <a:chOff x="4768438" y="925955"/>
+            <a:chExt cx="2731181" cy="3514240"/>
+          </a:xfrm>
+        </p:grpSpPr>
+        <p:pic>
+          <p:nvPicPr>
+            <p:cNvPr id="7" name="그림 6"/>
+            <p:cNvPicPr>
+              <a:picLocks noChangeAspect="1"/>
+            </p:cNvPicPr>
+            <p:nvPr/>
+          </p:nvPicPr>
+          <p:blipFill>
+            <a:blip r:embed="rId3"/>
+            <a:stretch>
+              <a:fillRect/>
+            </a:stretch>
+          </p:blipFill>
+          <p:spPr>
+            <a:xfrm>
+              <a:off x="4768438" y="925955"/>
+              <a:ext cx="2519497" cy="128489"/>
+            </a:xfrm>
+            <a:prstGeom prst="rect">
+              <a:avLst/>
+            </a:prstGeom>
+          </p:spPr>
+        </p:pic>
+        <p:pic>
+          <p:nvPicPr>
+            <p:cNvPr id="8" name="그림 7"/>
+            <p:cNvPicPr>
+              <a:picLocks noChangeAspect="1"/>
+            </p:cNvPicPr>
+            <p:nvPr/>
+          </p:nvPicPr>
+          <p:blipFill>
+            <a:blip r:embed="rId4"/>
+            <a:stretch>
+              <a:fillRect/>
+            </a:stretch>
+          </p:blipFill>
+          <p:spPr>
+            <a:xfrm>
+              <a:off x="4768438" y="1416909"/>
+              <a:ext cx="2731181" cy="3023286"/>
+            </a:xfrm>
+            <a:prstGeom prst="rect">
+              <a:avLst/>
+            </a:prstGeom>
+          </p:spPr>
+        </p:pic>
+      </p:grpSp>
+      <p:pic>
+        <p:nvPicPr>
+          <p:cNvPr id="9" name="그림 8"/>
+          <p:cNvPicPr>
+            <a:picLocks noChangeAspect="1"/>
+          </p:cNvPicPr>
+          <p:nvPr/>
+        </p:nvPicPr>
+        <p:blipFill>
+          <a:blip r:embed="rId5"/>
+          <a:stretch>
+            <a:fillRect/>
+          </a:stretch>
+        </p:blipFill>
+        <p:spPr>
+          <a:xfrm>
+            <a:off x="8355358" y="1492029"/>
+            <a:ext cx="3367659" cy="3840313"/>
+          </a:xfrm>
+          <a:prstGeom prst="rect">
+            <a:avLst/>
+          </a:prstGeom>
+        </p:spPr>
+      </p:pic>
+      <p:sp>
+        <p:nvSpPr>
+          <p:cNvPr id="3" name="TextBox 2"/>
+          <p:cNvSpPr txBox="1"/>
+          <p:nvPr/>
+        </p:nvSpPr>
+        <p:spPr>
+          <a:xfrm>
+            <a:off x="1021492" y="4819135"/>
+            <a:ext cx="1367682" cy="369332"/>
+          </a:xfrm>
+          <a:prstGeom prst="rect">
+            <a:avLst/>
+          </a:prstGeom>
+          <a:noFill/>
+        </p:spPr>
+        <p:txBody>
+          <a:bodyPr wrap="none" rtlCol="0">
+            <a:spAutoFit/>
+          </a:bodyPr>
+          <a:lstStyle/>
+          <a:p>
+            <a:r>
+              <a:rPr lang="en-US" altLang="ko-KR" dirty="0" err="1" smtClean="0"/>
+              <a:t>userinfo.jsp</a:t>
+            </a:r>
+            <a:endParaRPr lang="ko-KR" altLang="en-US" dirty="0"/>
+          </a:p>
+        </p:txBody>
+      </p:sp>
+      <p:sp>
+        <p:nvSpPr>
+          <p:cNvPr id="10" name="TextBox 9"/>
+          <p:cNvSpPr txBox="1"/>
+          <p:nvPr/>
+        </p:nvSpPr>
+        <p:spPr>
+          <a:xfrm>
+            <a:off x="9340962" y="5498762"/>
+            <a:ext cx="1882567" cy="369332"/>
+          </a:xfrm>
+          <a:prstGeom prst="rect">
+            <a:avLst/>
+          </a:prstGeom>
+          <a:noFill/>
+        </p:spPr>
+        <p:txBody>
+          <a:bodyPr wrap="none" rtlCol="0">
+            <a:spAutoFit/>
+          </a:bodyPr>
+          <a:lstStyle/>
+          <a:p>
+            <a:r>
+              <a:rPr lang="en-US" altLang="ko-KR" dirty="0" smtClean="0"/>
+              <a:t>Userinfo_db.java</a:t>
+            </a:r>
+            <a:endParaRPr lang="ko-KR" altLang="en-US" dirty="0"/>
+          </a:p>
+        </p:txBody>
+      </p:sp>
+      <p:sp>
+        <p:nvSpPr>
+          <p:cNvPr id="11" name="TextBox 10"/>
+          <p:cNvSpPr txBox="1"/>
+          <p:nvPr/>
+        </p:nvSpPr>
+        <p:spPr>
+          <a:xfrm>
+            <a:off x="4848327" y="5498762"/>
+            <a:ext cx="1834477" cy="369332"/>
+          </a:xfrm>
+          <a:prstGeom prst="rect">
+            <a:avLst/>
+          </a:prstGeom>
+          <a:noFill/>
+        </p:spPr>
+        <p:txBody>
+          <a:bodyPr wrap="none" rtlCol="0">
+            <a:spAutoFit/>
+          </a:bodyPr>
+          <a:lstStyle/>
+          <a:p>
+            <a:r>
+              <a:rPr lang="en-US" altLang="ko-KR" dirty="0" smtClean="0"/>
+              <a:t>P4MEMBER.java</a:t>
+            </a:r>
+            <a:endParaRPr lang="ko-KR" altLang="en-US" dirty="0"/>
+          </a:p>
+        </p:txBody>
+      </p:sp>
+    </p:spTree>
+    <p:extLst>
+      <p:ext uri="{BB962C8B-B14F-4D97-AF65-F5344CB8AC3E}">
+        <p14:creationId xmlns:p14="http://schemas.microsoft.com/office/powerpoint/2010/main" val="1159883418"/>
+      </p:ext>
+    </p:extLst>
+  </p:cSld>
+  <p:clrMapOvr>
+    <a:masterClrMapping/>
+  </p:clrMapOvr>
+</p:sld>
+</file>
+
+<file path=ppt/slides/slide4.xml><?xml version="1.0" encoding="utf-8"?>
+<p:sld xmlns:a="http://schemas.openxmlformats.org/drawingml/2006/main" xmlns:r="http://schemas.openxmlformats.org/officeDocument/2006/relationships" xmlns:p="http://schemas.openxmlformats.org/presentationml/2006/main">
+  <p:cSld>
+    <p:spTree>
+      <p:nvGrpSpPr>
+        <p:cNvPr id="1" name=""/>
+        <p:cNvGrpSpPr/>
+        <p:nvPr/>
+      </p:nvGrpSpPr>
+      <p:grpSpPr>
+        <a:xfrm>
+          <a:off x="0" y="0"/>
+          <a:ext cx="0" cy="0"/>
+          <a:chOff x="0" y="0"/>
+          <a:chExt cx="0" cy="0"/>
+        </a:xfrm>
+      </p:grpSpPr>
+      <p:graphicFrame>
+        <p:nvGraphicFramePr>
+          <p:cNvPr id="97" name="표 6"/>
+          <p:cNvGraphicFramePr/>
+          <p:nvPr/>
+        </p:nvGraphicFramePr>
+        <p:xfrm>
+          <a:off x="9309044" y="197402"/>
+          <a:ext cx="2815494" cy="320040"/>
+        </p:xfrm>
+        <a:graphic>
+          <a:graphicData uri="http://schemas.openxmlformats.org/drawingml/2006/table">
+            <a:tbl>
+              <a:tblPr/>
+              <a:tblGrid>
+                <a:gridCol w="1407747">
+                  <a:extLst>
+                    <a:ext uri="{9D8B030D-6E8A-4147-A177-3AD203B41FA5}">
+                      <a16:colId xmlns="" xmlns:a16="http://schemas.microsoft.com/office/drawing/2014/main" val="20000"/>
+                    </a:ext>
+                  </a:extLst>
+                </a:gridCol>
+                <a:gridCol w="1407747">
+                  <a:extLst>
+                    <a:ext uri="{9D8B030D-6E8A-4147-A177-3AD203B41FA5}">
+                      <a16:colId xmlns="" xmlns:a16="http://schemas.microsoft.com/office/drawing/2014/main" val="20001"/>
+                    </a:ext>
+                  </a:extLst>
+                </a:gridCol>
+              </a:tblGrid>
+              <a:tr h="265071">
+                <a:tc>
+                  <a:txBody>
+                    <a:bodyPr/>
+                    <a:lstStyle/>
+                    <a:p>
+                      <a:pPr algn="ctr">
+                        <a:defRPr sz="1800"/>
+                      </a:pPr>
+                      <a:r>
+                        <a:rPr sz="1500"/>
+                        <a:t>화면 번호</a:t>
+                      </a:r>
+                    </a:p>
+                  </a:txBody>
+                  <a:tcPr marL="45720" marR="45720" anchor="ctr" horzOverflow="overflow">
+                    <a:lnL w="12700">
+                      <a:solidFill>
+                        <a:srgbClr val="000000"/>
+                      </a:solidFill>
+                    </a:lnL>
+                    <a:lnR w="12700">
+                      <a:solidFill>
+                        <a:srgbClr val="000000"/>
+                      </a:solidFill>
+                    </a:lnR>
+                    <a:lnT w="12700">
+                      <a:solidFill>
+                        <a:srgbClr val="000000"/>
+                      </a:solidFill>
+                    </a:lnT>
+                    <a:lnB w="12700">
+                      <a:solidFill>
+                        <a:srgbClr val="000000"/>
+                      </a:solidFill>
+                    </a:lnB>
+                    <a:solidFill>
+                      <a:srgbClr val="D9D9D9"/>
+                    </a:solidFill>
+                  </a:tcPr>
+                </a:tc>
+                <a:tc>
+                  <a:txBody>
+                    <a:bodyPr/>
+                    <a:lstStyle/>
+                    <a:p>
+                      <a:pPr algn="ctr">
+                        <a:defRPr sz="1000">
+                          <a:latin typeface="Arial"/>
+                          <a:ea typeface="Arial"/>
+                          <a:cs typeface="Arial"/>
+                          <a:sym typeface="Arial"/>
+                        </a:defRPr>
+                      </a:pPr>
+                      <a:endParaRPr/>
+                    </a:p>
+                  </a:txBody>
+                  <a:tcPr marL="9525" marR="9525" marT="9525" marB="9525" anchor="ctr" horzOverflow="overflow">
+                    <a:lnL w="12700">
+                      <a:solidFill>
+                        <a:srgbClr val="000000"/>
+                      </a:solidFill>
+                    </a:lnL>
+                    <a:lnR w="12700">
+                      <a:solidFill>
+                        <a:srgbClr val="000000"/>
+                      </a:solidFill>
+                    </a:lnR>
+                    <a:lnT w="12700">
+                      <a:solidFill>
+                        <a:srgbClr val="000000"/>
+                      </a:solidFill>
+                    </a:lnT>
+                    <a:lnB w="12700">
+                      <a:solidFill>
+                        <a:srgbClr val="000000"/>
+                      </a:solidFill>
+                    </a:lnB>
+                    <a:solidFill>
+                      <a:srgbClr val="FFFFFF"/>
+                    </a:solidFill>
+                  </a:tcPr>
+                </a:tc>
+                <a:extLst>
+                  <a:ext uri="{0D108BD9-81ED-4DB2-BD59-A6C34878D82A}">
+                    <a16:rowId xmlns="" xmlns:a16="http://schemas.microsoft.com/office/drawing/2014/main" val="10000"/>
+                  </a:ext>
+                </a:extLst>
+              </a:tr>
+            </a:tbl>
+          </a:graphicData>
+        </a:graphic>
+      </p:graphicFrame>
+      <p:graphicFrame>
+        <p:nvGraphicFramePr>
+          <p:cNvPr id="99" name="표 13"/>
+          <p:cNvGraphicFramePr/>
+          <p:nvPr>
+            <p:extLst>
+              <p:ext uri="{D42A27DB-BD31-4B8C-83A1-F6EECF244321}">
+                <p14:modId xmlns:p14="http://schemas.microsoft.com/office/powerpoint/2010/main" val="1769624871"/>
+              </p:ext>
+            </p:extLst>
+          </p:nvPr>
+        </p:nvGraphicFramePr>
+        <p:xfrm>
+          <a:off x="8509686" y="1289960"/>
+          <a:ext cx="3491813" cy="5349990"/>
+        </p:xfrm>
+        <a:graphic>
+          <a:graphicData uri="http://schemas.openxmlformats.org/drawingml/2006/table">
+            <a:tbl>
+              <a:tblPr firstRow="1"/>
+              <a:tblGrid>
+                <a:gridCol w="342705">
+                  <a:extLst>
+                    <a:ext uri="{9D8B030D-6E8A-4147-A177-3AD203B41FA5}">
+                      <a16:colId xmlns="" xmlns:a16="http://schemas.microsoft.com/office/drawing/2014/main" val="20000"/>
+                    </a:ext>
+                  </a:extLst>
+                </a:gridCol>
+                <a:gridCol w="3149108">
+                  <a:extLst>
+                    <a:ext uri="{9D8B030D-6E8A-4147-A177-3AD203B41FA5}">
+                      <a16:colId xmlns="" xmlns:a16="http://schemas.microsoft.com/office/drawing/2014/main" val="20001"/>
+                    </a:ext>
+                  </a:extLst>
+                </a:gridCol>
+              </a:tblGrid>
+              <a:tr h="378460">
+                <a:tc>
+                  <a:txBody>
+                    <a:bodyPr/>
+                    <a:lstStyle/>
+                    <a:p>
+                      <a:pPr algn="ctr">
+                        <a:defRPr sz="1800" b="0">
+                          <a:solidFill>
+                            <a:srgbClr val="000000"/>
+                          </a:solidFill>
+                        </a:defRPr>
+                      </a:pPr>
+                      <a:r>
+                        <a:rPr sz="1500" b="1"/>
+                        <a:t>#</a:t>
+                      </a:r>
+                    </a:p>
+                  </a:txBody>
+                  <a:tcPr marL="45720" marR="45720" anchor="ctr" horzOverflow="overflow">
+                    <a:lnL w="12700">
+                      <a:solidFill>
+                        <a:srgbClr val="000000"/>
+                      </a:solidFill>
+                    </a:lnL>
+                    <a:lnR w="12700">
+                      <a:solidFill>
+                        <a:srgbClr val="000000"/>
+                      </a:solidFill>
+                    </a:lnR>
+                    <a:lnT w="12700">
+                      <a:solidFill>
+                        <a:srgbClr val="000000"/>
+                      </a:solidFill>
+                    </a:lnT>
+                    <a:lnB w="12700">
+                      <a:solidFill>
+                        <a:srgbClr val="000000"/>
+                      </a:solidFill>
+                    </a:lnB>
+                    <a:solidFill>
+                      <a:srgbClr val="D9D9D9"/>
+                    </a:solidFill>
+                  </a:tcPr>
+                </a:tc>
+                <a:tc>
+                  <a:txBody>
+                    <a:bodyPr/>
+                    <a:lstStyle/>
+                    <a:p>
+                      <a:pPr algn="ctr">
+                        <a:defRPr sz="1800" b="0">
+                          <a:solidFill>
+                            <a:srgbClr val="000000"/>
+                          </a:solidFill>
+                        </a:defRPr>
+                      </a:pPr>
+                      <a:r>
+                        <a:rPr sz="1500" b="1"/>
+                        <a:t>기능명</a:t>
+                      </a:r>
+                    </a:p>
+                  </a:txBody>
+                  <a:tcPr marL="45720" marR="45720" anchor="ctr" horzOverflow="overflow">
+                    <a:lnL w="12700">
+                      <a:solidFill>
+                        <a:srgbClr val="000000"/>
+                      </a:solidFill>
+                    </a:lnL>
+                    <a:lnR w="12700">
+                      <a:solidFill>
+                        <a:srgbClr val="000000"/>
+                      </a:solidFill>
+                    </a:lnR>
+                    <a:lnT w="12700">
+                      <a:solidFill>
+                        <a:srgbClr val="000000"/>
+                      </a:solidFill>
+                    </a:lnT>
+                    <a:lnB w="12700">
+                      <a:solidFill>
+                        <a:srgbClr val="000000"/>
+                      </a:solidFill>
+                    </a:lnB>
+                    <a:solidFill>
+                      <a:srgbClr val="D9D9D9"/>
+                    </a:solidFill>
+                  </a:tcPr>
+                </a:tc>
+                <a:extLst>
+                  <a:ext uri="{0D108BD9-81ED-4DB2-BD59-A6C34878D82A}">
+                    <a16:rowId xmlns="" xmlns:a16="http://schemas.microsoft.com/office/drawing/2014/main" val="10000"/>
+                  </a:ext>
+                </a:extLst>
+              </a:tr>
+              <a:tr h="947993">
+                <a:tc>
+                  <a:txBody>
+                    <a:bodyPr/>
+                    <a:lstStyle/>
+                    <a:p>
+                      <a:pPr algn="ctr">
+                        <a:defRPr sz="1800"/>
+                      </a:pPr>
+                      <a:r>
+                        <a:rPr sz="1500"/>
+                        <a:t>1</a:t>
+                      </a:r>
+                    </a:p>
+                  </a:txBody>
+                  <a:tcPr marL="45720" marR="45720" anchor="ctr" horzOverflow="overflow">
+                    <a:lnL w="12700">
+                      <a:solidFill>
+                        <a:srgbClr val="000000"/>
+                      </a:solidFill>
+                    </a:lnL>
+                    <a:lnR w="12700">
+                      <a:solidFill>
+                        <a:srgbClr val="000000"/>
+                      </a:solidFill>
+                    </a:lnR>
+                    <a:lnT w="12700">
+                      <a:solidFill>
+                        <a:srgbClr val="000000"/>
+                      </a:solidFill>
+                    </a:lnT>
+                    <a:lnB w="12700">
+                      <a:solidFill>
+                        <a:srgbClr val="000000"/>
+                      </a:solidFill>
+                    </a:lnB>
+                    <a:solidFill>
+                      <a:srgbClr val="FFFFFF"/>
+                    </a:solidFill>
+                  </a:tcPr>
+                </a:tc>
+                <a:tc>
+                  <a:txBody>
+                    <a:bodyPr/>
+                    <a:lstStyle/>
+                    <a:p>
+                      <a:pPr algn="l">
+                        <a:defRPr sz="1500"/>
+                      </a:pPr>
+                      <a:r>
+                        <a:rPr lang="ko-KR" altLang="en-US" dirty="0"/>
+                        <a:t>신고자 </a:t>
+                      </a:r>
+                      <a:r>
+                        <a:rPr lang="en-US" altLang="ko-KR" dirty="0"/>
+                        <a:t>ID</a:t>
+                      </a:r>
+                    </a:p>
+                    <a:p>
+                      <a:pPr algn="l">
+                        <a:defRPr sz="1500"/>
+                      </a:pPr>
+                      <a:r>
+                        <a:rPr lang="en-US" altLang="ko-KR" dirty="0"/>
+                        <a:t>-</a:t>
+                      </a:r>
+                      <a:r>
+                        <a:rPr lang="ko-KR" altLang="en-US" dirty="0"/>
+                        <a:t> </a:t>
+                      </a:r>
+                      <a:r>
+                        <a:rPr lang="ko-KR" altLang="en-US" sz="1200" dirty="0"/>
+                        <a:t>클릭시 신고 횟수</a:t>
+                      </a:r>
+                      <a:r>
+                        <a:rPr lang="en-US" altLang="ko-KR" sz="1200" dirty="0"/>
+                        <a:t>, </a:t>
+                      </a:r>
+                      <a:r>
+                        <a:rPr lang="ko-KR" altLang="en-US" sz="1200" dirty="0"/>
+                        <a:t>개인정보 팝업</a:t>
+                      </a:r>
+                      <a:endParaRPr sz="1200" dirty="0"/>
+                    </a:p>
+                  </a:txBody>
+                  <a:tcPr marL="45720" marR="45720" horzOverflow="overflow">
+                    <a:lnL w="12700">
+                      <a:solidFill>
+                        <a:srgbClr val="000000"/>
+                      </a:solidFill>
+                    </a:lnL>
+                    <a:lnR w="12700">
+                      <a:solidFill>
+                        <a:srgbClr val="000000"/>
+                      </a:solidFill>
+                    </a:lnR>
+                    <a:lnT w="12700">
+                      <a:solidFill>
+                        <a:srgbClr val="000000"/>
+                      </a:solidFill>
+                    </a:lnT>
+                    <a:lnB w="12700">
+                      <a:solidFill>
+                        <a:srgbClr val="000000"/>
+                      </a:solidFill>
+                    </a:lnB>
+                    <a:solidFill>
+                      <a:srgbClr val="FFFFFF"/>
+                    </a:solidFill>
+                  </a:tcPr>
+                </a:tc>
+                <a:extLst>
+                  <a:ext uri="{0D108BD9-81ED-4DB2-BD59-A6C34878D82A}">
+                    <a16:rowId xmlns="" xmlns:a16="http://schemas.microsoft.com/office/drawing/2014/main" val="10001"/>
+                  </a:ext>
+                </a:extLst>
+              </a:tr>
+              <a:tr h="1179558">
+                <a:tc>
+                  <a:txBody>
+                    <a:bodyPr/>
+                    <a:lstStyle/>
+                    <a:p>
+                      <a:pPr algn="ctr">
+                        <a:defRPr sz="1800"/>
+                      </a:pPr>
+                      <a:r>
+                        <a:rPr sz="1500"/>
+                        <a:t>2</a:t>
+                      </a:r>
+                    </a:p>
+                  </a:txBody>
+                  <a:tcPr marL="45720" marR="45720" anchor="ctr" horzOverflow="overflow">
+                    <a:lnL w="12700">
+                      <a:solidFill>
+                        <a:srgbClr val="000000"/>
+                      </a:solidFill>
+                    </a:lnL>
+                    <a:lnR w="12700">
+                      <a:solidFill>
+                        <a:srgbClr val="000000"/>
+                      </a:solidFill>
+                    </a:lnR>
+                    <a:lnT w="12700">
+                      <a:solidFill>
+                        <a:srgbClr val="000000"/>
+                      </a:solidFill>
+                    </a:lnT>
+                    <a:lnB w="12700">
+                      <a:solidFill>
+                        <a:srgbClr val="000000"/>
+                      </a:solidFill>
+                    </a:lnB>
+                    <a:solidFill>
+                      <a:srgbClr val="FFFFFF"/>
+                    </a:solidFill>
+                  </a:tcPr>
+                </a:tc>
+                <a:tc>
+                  <a:txBody>
+                    <a:bodyPr/>
+                    <a:lstStyle/>
+                    <a:p>
+                      <a:pPr algn="l">
+                        <a:defRPr sz="1500"/>
+                      </a:pPr>
+                      <a:r>
+                        <a:rPr lang="ko-KR" altLang="en-US" dirty="0"/>
+                        <a:t>내용보기</a:t>
+                      </a:r>
+                      <a:endParaRPr lang="en-US" altLang="ko-KR" dirty="0"/>
+                    </a:p>
+                    <a:p>
+                      <a:pPr marL="285750" indent="-285750" algn="l">
+                        <a:buFontTx/>
+                        <a:buChar char="-"/>
+                        <a:defRPr sz="1500"/>
+                      </a:pPr>
+                      <a:r>
+                        <a:rPr lang="ko-KR" altLang="en-US" sz="1200" dirty="0"/>
+                        <a:t>클릭시 내용 팝업</a:t>
+                      </a:r>
+                      <a:endParaRPr sz="1200" dirty="0"/>
+                    </a:p>
+                  </a:txBody>
+                  <a:tcPr marL="45720" marR="45720" horzOverflow="overflow">
+                    <a:lnL w="12700">
+                      <a:solidFill>
+                        <a:srgbClr val="000000"/>
+                      </a:solidFill>
+                    </a:lnL>
+                    <a:lnR w="12700">
+                      <a:solidFill>
+                        <a:srgbClr val="000000"/>
+                      </a:solidFill>
+                    </a:lnR>
+                    <a:lnT w="12700">
+                      <a:solidFill>
+                        <a:srgbClr val="000000"/>
+                      </a:solidFill>
+                    </a:lnT>
+                    <a:lnB w="12700">
+                      <a:solidFill>
+                        <a:srgbClr val="000000"/>
+                      </a:solidFill>
+                    </a:lnB>
+                    <a:solidFill>
+                      <a:srgbClr val="FFFFFF"/>
+                    </a:solidFill>
+                  </a:tcPr>
+                </a:tc>
+                <a:extLst>
+                  <a:ext uri="{0D108BD9-81ED-4DB2-BD59-A6C34878D82A}">
+                    <a16:rowId xmlns="" xmlns:a16="http://schemas.microsoft.com/office/drawing/2014/main" val="10002"/>
+                  </a:ext>
+                </a:extLst>
+              </a:tr>
+              <a:tr h="947993">
+                <a:tc>
+                  <a:txBody>
+                    <a:bodyPr/>
+                    <a:lstStyle/>
+                    <a:p>
+                      <a:pPr algn="ctr">
+                        <a:defRPr sz="1800"/>
+                      </a:pPr>
+                      <a:r>
+                        <a:rPr sz="1500"/>
+                        <a:t>3</a:t>
+                      </a:r>
+                    </a:p>
+                  </a:txBody>
+                  <a:tcPr marL="45720" marR="45720" anchor="ctr" horzOverflow="overflow">
+                    <a:lnL w="12700">
+                      <a:solidFill>
+                        <a:srgbClr val="000000"/>
+                      </a:solidFill>
+                    </a:lnL>
+                    <a:lnR w="12700">
+                      <a:solidFill>
+                        <a:srgbClr val="000000"/>
+                      </a:solidFill>
+                    </a:lnR>
+                    <a:lnT w="12700">
+                      <a:solidFill>
+                        <a:srgbClr val="000000"/>
+                      </a:solidFill>
+                    </a:lnT>
+                    <a:lnB w="12700">
+                      <a:solidFill>
+                        <a:srgbClr val="000000"/>
+                      </a:solidFill>
+                    </a:lnB>
+                    <a:solidFill>
+                      <a:srgbClr val="FFFFFF"/>
+                    </a:solidFill>
+                  </a:tcPr>
+                </a:tc>
+                <a:tc>
+                  <a:txBody>
+                    <a:bodyPr/>
+                    <a:lstStyle/>
+                    <a:p>
+                      <a:pPr algn="l">
+                        <a:defRPr sz="1500"/>
+                      </a:pPr>
+                      <a:r>
+                        <a:rPr lang="ko-KR" altLang="en-US" dirty="0"/>
+                        <a:t>처리상태</a:t>
+                      </a:r>
+                      <a:endParaRPr lang="en-US" altLang="ko-KR" dirty="0"/>
+                    </a:p>
+                    <a:p>
+                      <a:pPr algn="l">
+                        <a:defRPr sz="1500"/>
+                      </a:pPr>
+                      <a:r>
+                        <a:rPr lang="en-US" altLang="ko-KR" sz="1200" dirty="0"/>
+                        <a:t>- </a:t>
+                      </a:r>
+                      <a:r>
+                        <a:rPr lang="ko-KR" altLang="en-US" sz="1200" dirty="0"/>
+                        <a:t>클릭하여 처리상태 변경</a:t>
+                      </a:r>
+                      <a:r>
+                        <a:rPr lang="en-US" altLang="ko-KR" sz="1200" dirty="0"/>
+                        <a:t>, </a:t>
+                      </a:r>
+                      <a:r>
+                        <a:rPr lang="ko-KR" altLang="en-US" sz="1200" dirty="0"/>
+                        <a:t>담당자 지정 가능</a:t>
+                      </a:r>
+                      <a:endParaRPr sz="1200" dirty="0"/>
+                    </a:p>
+                  </a:txBody>
+                  <a:tcPr marL="45720" marR="45720" horzOverflow="overflow">
+                    <a:lnL w="12700">
+                      <a:solidFill>
+                        <a:srgbClr val="000000"/>
+                      </a:solidFill>
+                    </a:lnL>
+                    <a:lnR w="12700">
+                      <a:solidFill>
+                        <a:srgbClr val="000000"/>
+                      </a:solidFill>
+                    </a:lnR>
+                    <a:lnT w="12700">
+                      <a:solidFill>
+                        <a:srgbClr val="000000"/>
+                      </a:solidFill>
+                    </a:lnT>
+                    <a:lnB w="12700">
+                      <a:solidFill>
+                        <a:srgbClr val="000000"/>
+                      </a:solidFill>
+                    </a:lnB>
+                    <a:solidFill>
+                      <a:srgbClr val="FFFFFF"/>
+                    </a:solidFill>
+                  </a:tcPr>
+                </a:tc>
+                <a:extLst>
+                  <a:ext uri="{0D108BD9-81ED-4DB2-BD59-A6C34878D82A}">
+                    <a16:rowId xmlns="" xmlns:a16="http://schemas.microsoft.com/office/drawing/2014/main" val="10003"/>
+                  </a:ext>
+                </a:extLst>
+              </a:tr>
+              <a:tr h="947993">
+                <a:tc>
+                  <a:txBody>
+                    <a:bodyPr/>
+                    <a:lstStyle/>
+                    <a:p>
+                      <a:pPr algn="ctr">
+                        <a:defRPr sz="1800"/>
+                      </a:pPr>
+                      <a:r>
+                        <a:rPr sz="1500"/>
+                        <a:t>4</a:t>
+                      </a:r>
+                    </a:p>
+                  </a:txBody>
+                  <a:tcPr marL="45720" marR="45720" anchor="ctr" horzOverflow="overflow">
+                    <a:lnL w="12700">
+                      <a:solidFill>
+                        <a:srgbClr val="000000"/>
+                      </a:solidFill>
+                    </a:lnL>
+                    <a:lnR w="12700">
+                      <a:solidFill>
+                        <a:srgbClr val="000000"/>
+                      </a:solidFill>
+                    </a:lnR>
+                    <a:lnT w="12700">
+                      <a:solidFill>
+                        <a:srgbClr val="000000"/>
+                      </a:solidFill>
+                    </a:lnT>
+                    <a:lnB w="12700">
+                      <a:solidFill>
+                        <a:srgbClr val="000000"/>
+                      </a:solidFill>
+                    </a:lnB>
+                    <a:solidFill>
+                      <a:srgbClr val="FFFFFF"/>
+                    </a:solidFill>
+                  </a:tcPr>
+                </a:tc>
+                <a:tc>
+                  <a:txBody>
+                    <a:bodyPr/>
+                    <a:lstStyle/>
+                    <a:p>
+                      <a:pPr algn="l">
+                        <a:defRPr sz="1500"/>
+                      </a:pPr>
+                      <a:endParaRPr/>
+                    </a:p>
+                  </a:txBody>
+                  <a:tcPr marL="45720" marR="45720" horzOverflow="overflow">
+                    <a:lnL w="12700">
+                      <a:solidFill>
+                        <a:srgbClr val="000000"/>
+                      </a:solidFill>
+                    </a:lnL>
+                    <a:lnR w="12700">
+                      <a:solidFill>
+                        <a:srgbClr val="000000"/>
+                      </a:solidFill>
+                    </a:lnR>
+                    <a:lnT w="12700">
+                      <a:solidFill>
+                        <a:srgbClr val="000000"/>
+                      </a:solidFill>
+                    </a:lnT>
+                    <a:lnB w="12700">
+                      <a:solidFill>
+                        <a:srgbClr val="000000"/>
+                      </a:solidFill>
+                    </a:lnB>
+                    <a:solidFill>
+                      <a:srgbClr val="FFFFFF"/>
+                    </a:solidFill>
+                  </a:tcPr>
+                </a:tc>
+                <a:extLst>
+                  <a:ext uri="{0D108BD9-81ED-4DB2-BD59-A6C34878D82A}">
+                    <a16:rowId xmlns="" xmlns:a16="http://schemas.microsoft.com/office/drawing/2014/main" val="10004"/>
+                  </a:ext>
+                </a:extLst>
+              </a:tr>
+              <a:tr h="947993">
+                <a:tc>
+                  <a:txBody>
+                    <a:bodyPr/>
+                    <a:lstStyle/>
+                    <a:p>
+                      <a:pPr algn="ctr">
+                        <a:defRPr sz="1800"/>
+                      </a:pPr>
+                      <a:r>
+                        <a:rPr sz="1500"/>
+                        <a:t>5</a:t>
+                      </a:r>
+                    </a:p>
+                  </a:txBody>
+                  <a:tcPr marL="45720" marR="45720" anchor="ctr" horzOverflow="overflow">
+                    <a:lnL w="12700">
+                      <a:solidFill>
+                        <a:srgbClr val="000000"/>
+                      </a:solidFill>
+                    </a:lnL>
+                    <a:lnR w="12700">
+                      <a:solidFill>
+                        <a:srgbClr val="000000"/>
+                      </a:solidFill>
+                    </a:lnR>
+                    <a:lnT w="12700">
+                      <a:solidFill>
+                        <a:srgbClr val="000000"/>
+                      </a:solidFill>
+                    </a:lnT>
+                    <a:lnB w="12700">
+                      <a:solidFill>
+                        <a:srgbClr val="000000"/>
+                      </a:solidFill>
+                    </a:lnB>
+                    <a:solidFill>
+                      <a:srgbClr val="FFFFFF"/>
+                    </a:solidFill>
+                  </a:tcPr>
+                </a:tc>
+                <a:tc>
+                  <a:txBody>
+                    <a:bodyPr/>
+                    <a:lstStyle/>
+                    <a:p>
+                      <a:pPr algn="l">
+                        <a:defRPr sz="1500"/>
+                      </a:pPr>
+                      <a:endParaRPr dirty="0"/>
+                    </a:p>
+                  </a:txBody>
+                  <a:tcPr marL="45720" marR="45720" horzOverflow="overflow">
+                    <a:lnL w="12700">
+                      <a:solidFill>
+                        <a:srgbClr val="000000"/>
+                      </a:solidFill>
+                    </a:lnL>
+                    <a:lnR w="12700">
+                      <a:solidFill>
+                        <a:srgbClr val="000000"/>
+                      </a:solidFill>
+                    </a:lnR>
+                    <a:lnT w="12700">
+                      <a:solidFill>
+                        <a:srgbClr val="000000"/>
+                      </a:solidFill>
+                    </a:lnT>
+                    <a:lnB w="12700">
+                      <a:solidFill>
+                        <a:srgbClr val="000000"/>
+                      </a:solidFill>
+                    </a:lnB>
+                    <a:solidFill>
+                      <a:srgbClr val="FFFFFF"/>
+                    </a:solidFill>
+                  </a:tcPr>
+                </a:tc>
+                <a:extLst>
+                  <a:ext uri="{0D108BD9-81ED-4DB2-BD59-A6C34878D82A}">
+                    <a16:rowId xmlns="" xmlns:a16="http://schemas.microsoft.com/office/drawing/2014/main" val="10005"/>
+                  </a:ext>
+                </a:extLst>
+              </a:tr>
+            </a:tbl>
+          </a:graphicData>
+        </a:graphic>
+      </p:graphicFrame>
+      <p:sp>
+        <p:nvSpPr>
+          <p:cNvPr id="100" name="직사각형 39"/>
+          <p:cNvSpPr/>
+          <p:nvPr/>
+        </p:nvSpPr>
+        <p:spPr>
+          <a:xfrm>
+            <a:off x="149989" y="1289960"/>
+            <a:ext cx="8032096" cy="5349997"/>
+          </a:xfrm>
+          <a:prstGeom prst="rect">
+            <a:avLst/>
+          </a:prstGeom>
+          <a:solidFill>
+            <a:srgbClr val="FFFFFF"/>
+          </a:solidFill>
+          <a:ln w="12700">
+            <a:solidFill>
+              <a:srgbClr val="000000"/>
+            </a:solidFill>
+            <a:miter/>
+          </a:ln>
+        </p:spPr>
+        <p:txBody>
+          <a:bodyPr lIns="45719" rIns="45719" anchor="ctr"/>
+          <a:lstStyle/>
+          <a:p>
+            <a:pPr algn="ctr">
+              <a:defRPr sz="1500"/>
+            </a:pPr>
+            <a:endParaRPr dirty="0"/>
+          </a:p>
+        </p:txBody>
+      </p:sp>
+      <p:graphicFrame>
+        <p:nvGraphicFramePr>
+          <p:cNvPr id="101" name="표 57"/>
+          <p:cNvGraphicFramePr/>
+          <p:nvPr>
+            <p:extLst>
+              <p:ext uri="{D42A27DB-BD31-4B8C-83A1-F6EECF244321}">
+                <p14:modId xmlns:p14="http://schemas.microsoft.com/office/powerpoint/2010/main" val="4105722984"/>
+              </p:ext>
+            </p:extLst>
+          </p:nvPr>
+        </p:nvGraphicFramePr>
+        <p:xfrm>
+          <a:off x="131600" y="115758"/>
+          <a:ext cx="3425332" cy="822960"/>
+        </p:xfrm>
+        <a:graphic>
+          <a:graphicData uri="http://schemas.openxmlformats.org/drawingml/2006/table">
+            <a:tbl>
+              <a:tblPr firstRow="1"/>
+              <a:tblGrid>
+                <a:gridCol w="1521031">
+                  <a:extLst>
+                    <a:ext uri="{9D8B030D-6E8A-4147-A177-3AD203B41FA5}">
+                      <a16:colId xmlns="" xmlns:a16="http://schemas.microsoft.com/office/drawing/2014/main" val="20000"/>
+                    </a:ext>
+                  </a:extLst>
+                </a:gridCol>
+                <a:gridCol w="1904301">
+                  <a:extLst>
+                    <a:ext uri="{9D8B030D-6E8A-4147-A177-3AD203B41FA5}">
+                      <a16:colId xmlns="" xmlns:a16="http://schemas.microsoft.com/office/drawing/2014/main" val="20001"/>
+                    </a:ext>
+                  </a:extLst>
+                </a:gridCol>
+              </a:tblGrid>
+              <a:tr h="271237">
+                <a:tc>
+                  <a:txBody>
+                    <a:bodyPr/>
+                    <a:lstStyle/>
+                    <a:p>
+                      <a:pPr algn="ctr">
+                        <a:defRPr sz="1800" b="0">
+                          <a:solidFill>
+                            <a:srgbClr val="000000"/>
+                          </a:solidFill>
+                        </a:defRPr>
+                      </a:pPr>
+                      <a:r>
+                        <a:rPr sz="1200"/>
+                        <a:t>화면코드</a:t>
+                      </a:r>
+                    </a:p>
+                  </a:txBody>
+                  <a:tcPr marL="45720" marR="45720" anchor="ctr" horzOverflow="overflow">
+                    <a:lnL w="12700">
+                      <a:solidFill>
+                        <a:srgbClr val="000000"/>
+                      </a:solidFill>
+                    </a:lnL>
+                    <a:lnR w="12700">
+                      <a:solidFill>
+                        <a:srgbClr val="000000"/>
+                      </a:solidFill>
+                    </a:lnR>
+                    <a:lnT w="12700">
+                      <a:solidFill>
+                        <a:srgbClr val="000000"/>
+                      </a:solidFill>
+                    </a:lnT>
+                    <a:lnB w="12700">
+                      <a:solidFill>
+                        <a:srgbClr val="000000"/>
+                      </a:solidFill>
+                    </a:lnB>
+                    <a:solidFill>
+                      <a:srgbClr val="D9D9D9"/>
+                    </a:solidFill>
+                  </a:tcPr>
+                </a:tc>
+                <a:tc>
+                  <a:txBody>
+                    <a:bodyPr/>
+                    <a:lstStyle/>
+                    <a:p>
+                      <a:pPr marL="0" marR="0" lvl="0" indent="0" algn="ctr" defTabSz="914400" rtl="0" eaLnBrk="1" fontAlgn="auto" latinLnBrk="1" hangingPunct="1">
+                        <a:lnSpc>
+                          <a:spcPct val="100000"/>
+                        </a:lnSpc>
+                        <a:spcBef>
+                          <a:spcPts val="0"/>
+                        </a:spcBef>
+                        <a:spcAft>
+                          <a:spcPts val="0"/>
+                        </a:spcAft>
+                        <a:buClrTx/>
+                        <a:buSzTx/>
+                        <a:buFontTx/>
+                        <a:buNone/>
+                        <a:tabLst/>
+                        <a:defRPr sz="1000" b="0">
+                          <a:solidFill>
+                            <a:srgbClr val="000000"/>
+                          </a:solidFill>
+                          <a:latin typeface="Arial"/>
+                          <a:ea typeface="Arial"/>
+                          <a:cs typeface="Arial"/>
+                          <a:sym typeface="Arial"/>
+                        </a:defRPr>
+                      </a:pPr>
+                      <a:r>
+                        <a:rPr lang="en-US" altLang="ko-KR" sz="1200" b="0" u="none" strike="noStrike" cap="none" dirty="0" err="1">
+                          <a:solidFill>
+                            <a:schemeClr val="dk1"/>
+                          </a:solidFill>
+                        </a:rPr>
+                        <a:t>admin_w_sh_</a:t>
+                      </a:r>
+                      <a:r>
+                        <a:rPr lang="en-US" altLang="ko-KR" sz="1200" b="0" u="none" strike="noStrike" kern="1200" cap="none" dirty="0" err="1">
+                          <a:solidFill>
+                            <a:schemeClr val="tx1"/>
+                          </a:solidFill>
+                          <a:latin typeface="+mn-lt"/>
+                          <a:ea typeface="+mn-ea"/>
+                          <a:cs typeface="+mn-cs"/>
+                          <a:sym typeface="Arial"/>
+                        </a:rPr>
+                        <a:t>d</a:t>
+                      </a:r>
+                      <a:r>
+                        <a:rPr lang="en-US" altLang="ko-KR" sz="1200" b="0" kern="1200" dirty="0" err="1">
+                          <a:solidFill>
+                            <a:schemeClr val="tx1"/>
+                          </a:solidFill>
+                          <a:latin typeface="+mn-lt"/>
+                          <a:ea typeface="+mn-ea"/>
+                          <a:cs typeface="+mn-cs"/>
+                          <a:sym typeface="Arial"/>
+                        </a:rPr>
+                        <a:t>eclaration</a:t>
+                      </a:r>
+                      <a:endParaRPr lang="en-US" altLang="ko-KR" sz="1200" b="0" u="none" strike="noStrike" cap="none" dirty="0">
+                        <a:solidFill>
+                          <a:schemeClr val="dk1"/>
+                        </a:solidFill>
+                      </a:endParaRPr>
+                    </a:p>
+                  </a:txBody>
+                  <a:tcPr marL="9525" marR="9525" marT="9525" marB="9525" anchor="ctr" horzOverflow="overflow">
+                    <a:lnL w="12700">
+                      <a:solidFill>
+                        <a:srgbClr val="000000"/>
+                      </a:solidFill>
+                    </a:lnL>
+                    <a:lnR w="12700">
+                      <a:solidFill>
+                        <a:srgbClr val="000000"/>
+                      </a:solidFill>
+                    </a:lnR>
+                    <a:lnT w="12700">
+                      <a:solidFill>
+                        <a:srgbClr val="000000"/>
+                      </a:solidFill>
+                    </a:lnT>
+                    <a:lnB w="12700">
+                      <a:solidFill>
+                        <a:srgbClr val="000000"/>
+                      </a:solidFill>
+                    </a:lnB>
+                    <a:solidFill>
+                      <a:srgbClr val="FFFFFF"/>
+                    </a:solidFill>
+                  </a:tcPr>
+                </a:tc>
+                <a:extLst>
+                  <a:ext uri="{0D108BD9-81ED-4DB2-BD59-A6C34878D82A}">
+                    <a16:rowId xmlns="" xmlns:a16="http://schemas.microsoft.com/office/drawing/2014/main" val="10000"/>
+                  </a:ext>
+                </a:extLst>
+              </a:tr>
+              <a:tr h="271237">
+                <a:tc rowSpan="2">
+                  <a:txBody>
+                    <a:bodyPr/>
+                    <a:lstStyle/>
+                    <a:p>
+                      <a:pPr algn="ctr">
+                        <a:defRPr sz="1800"/>
+                      </a:pPr>
+                      <a:r>
+                        <a:rPr sz="1200"/>
+                        <a:t>화면명</a:t>
+                      </a:r>
+                    </a:p>
+                  </a:txBody>
+                  <a:tcPr marL="45720" marR="45720" anchor="ctr" horzOverflow="overflow">
+                    <a:lnL w="12700">
+                      <a:solidFill>
+                        <a:srgbClr val="000000"/>
+                      </a:solidFill>
+                    </a:lnL>
+                    <a:lnR w="12700">
+                      <a:solidFill>
+                        <a:srgbClr val="000000"/>
+                      </a:solidFill>
+                    </a:lnR>
+                    <a:lnT w="12700">
+                      <a:solidFill>
+                        <a:srgbClr val="000000"/>
+                      </a:solidFill>
+                    </a:lnT>
+                    <a:lnB w="12700">
+                      <a:solidFill>
+                        <a:srgbClr val="000000"/>
+                      </a:solidFill>
+                    </a:lnB>
+                    <a:solidFill>
+                      <a:srgbClr val="D9D9D9"/>
+                    </a:solidFill>
+                  </a:tcPr>
+                </a:tc>
+                <a:tc>
+                  <a:txBody>
+                    <a:bodyPr/>
+                    <a:lstStyle/>
+                    <a:p>
+                      <a:pPr algn="ctr">
+                        <a:defRPr sz="1500">
+                          <a:solidFill>
+                            <a:srgbClr val="0070C0"/>
+                          </a:solidFill>
+                        </a:defRPr>
+                      </a:pPr>
+                      <a:r>
+                        <a:rPr lang="ko-KR" altLang="en-US" sz="1200" dirty="0">
+                          <a:solidFill>
+                            <a:schemeClr val="tx1"/>
+                          </a:solidFill>
+                        </a:rPr>
+                        <a:t>신고내용처리</a:t>
+                      </a:r>
+                      <a:endParaRPr sz="1200" dirty="0">
+                        <a:solidFill>
+                          <a:schemeClr val="tx1"/>
+                        </a:solidFill>
+                      </a:endParaRPr>
+                    </a:p>
+                  </a:txBody>
+                  <a:tcPr marL="45720" marR="45720" anchor="ctr" horzOverflow="overflow">
+                    <a:lnL w="12700">
+                      <a:solidFill>
+                        <a:srgbClr val="000000"/>
+                      </a:solidFill>
+                    </a:lnL>
+                    <a:lnR w="12700">
+                      <a:solidFill>
+                        <a:srgbClr val="000000"/>
+                      </a:solidFill>
+                    </a:lnR>
+                    <a:lnT w="12700">
+                      <a:solidFill>
+                        <a:srgbClr val="000000"/>
+                      </a:solidFill>
+                    </a:lnT>
+                    <a:lnB w="12700">
+                      <a:solidFill>
+                        <a:srgbClr val="000000"/>
+                      </a:solidFill>
+                    </a:lnB>
+                    <a:solidFill>
+                      <a:srgbClr val="FFFFFF"/>
+                    </a:solidFill>
+                  </a:tcPr>
+                </a:tc>
+                <a:extLst>
+                  <a:ext uri="{0D108BD9-81ED-4DB2-BD59-A6C34878D82A}">
+                    <a16:rowId xmlns="" xmlns:a16="http://schemas.microsoft.com/office/drawing/2014/main" val="10001"/>
+                  </a:ext>
+                </a:extLst>
+              </a:tr>
+              <a:tr h="271237">
+                <a:tc vMerge="1">
+                  <a:txBody>
+                    <a:bodyPr/>
+                    <a:lstStyle/>
+                    <a:p>
+                      <a:endParaRPr lang="ko-KR"/>
+                    </a:p>
+                  </a:txBody>
+                  <a:tcPr/>
+                </a:tc>
+                <a:tc>
+                  <a:txBody>
+                    <a:bodyPr/>
+                    <a:lstStyle/>
+                    <a:p>
+                      <a:pPr algn="ctr">
+                        <a:defRPr sz="1500">
+                          <a:solidFill>
+                            <a:srgbClr val="0070C0"/>
+                          </a:solidFill>
+                        </a:defRPr>
+                      </a:pPr>
+                      <a:r>
+                        <a:rPr lang="ko-KR" altLang="en-US" sz="1200" dirty="0">
+                          <a:solidFill>
+                            <a:schemeClr val="tx1"/>
+                          </a:solidFill>
+                        </a:rPr>
+                        <a:t>신고내용처리</a:t>
+                      </a:r>
+                      <a:endParaRPr sz="1200" dirty="0"/>
+                    </a:p>
+                  </a:txBody>
+                  <a:tcPr marL="45720" marR="45720" anchor="ctr" horzOverflow="overflow">
+                    <a:lnL w="12700">
+                      <a:solidFill>
+                        <a:srgbClr val="000000"/>
+                      </a:solidFill>
+                    </a:lnL>
+                    <a:lnR w="12700">
+                      <a:solidFill>
+                        <a:srgbClr val="000000"/>
+                      </a:solidFill>
+                    </a:lnR>
+                    <a:lnT w="12700">
+                      <a:solidFill>
+                        <a:srgbClr val="000000"/>
+                      </a:solidFill>
+                    </a:lnT>
+                    <a:lnB w="12700">
+                      <a:solidFill>
+                        <a:srgbClr val="000000"/>
+                      </a:solidFill>
+                    </a:lnB>
+                    <a:solidFill>
+                      <a:srgbClr val="FFFFFF"/>
+                    </a:solidFill>
+                  </a:tcPr>
+                </a:tc>
+                <a:extLst>
+                  <a:ext uri="{0D108BD9-81ED-4DB2-BD59-A6C34878D82A}">
+                    <a16:rowId xmlns="" xmlns:a16="http://schemas.microsoft.com/office/drawing/2014/main" val="10002"/>
+                  </a:ext>
+                </a:extLst>
+              </a:tr>
+            </a:tbl>
+          </a:graphicData>
+        </a:graphic>
+      </p:graphicFrame>
+      <p:sp>
+        <p:nvSpPr>
+          <p:cNvPr id="18" name="직사각형 39">
+            <a:extLst>
+              <a:ext uri="{FF2B5EF4-FFF2-40B4-BE49-F238E27FC236}">
+                <a16:creationId xmlns="" xmlns:a16="http://schemas.microsoft.com/office/drawing/2014/main" id="{BFF2CE10-3DBB-413C-B4DD-E02EF6F745FD}"/>
+              </a:ext>
+            </a:extLst>
+          </p:cNvPr>
+          <p:cNvSpPr/>
+          <p:nvPr/>
+        </p:nvSpPr>
+        <p:spPr>
+          <a:xfrm>
+            <a:off x="296335" y="1608932"/>
+            <a:ext cx="1818638" cy="239463"/>
+          </a:xfrm>
+          <a:prstGeom prst="rect">
+            <a:avLst/>
+          </a:prstGeom>
+          <a:solidFill>
+            <a:srgbClr val="FFFFFF"/>
+          </a:solidFill>
+          <a:ln w="12700">
+            <a:solidFill>
+              <a:schemeClr val="bg1"/>
+            </a:solidFill>
+            <a:miter/>
+          </a:ln>
+        </p:spPr>
+        <p:txBody>
+          <a:bodyPr lIns="45719" rIns="45719" anchor="ctr"/>
+          <a:lstStyle/>
+          <a:p>
+            <a:pPr algn="ctr">
+              <a:defRPr sz="1500"/>
+            </a:pPr>
+            <a:r>
+              <a:rPr lang="ko-KR" altLang="en-US" sz="1500" dirty="0"/>
+              <a:t>신고 내용 처리</a:t>
+            </a:r>
+            <a:endParaRPr sz="1500" dirty="0"/>
+          </a:p>
+        </p:txBody>
+      </p:sp>
+      <p:graphicFrame>
+        <p:nvGraphicFramePr>
+          <p:cNvPr id="2" name="Table 2">
+            <a:extLst>
+              <a:ext uri="{FF2B5EF4-FFF2-40B4-BE49-F238E27FC236}">
+                <a16:creationId xmlns="" xmlns:a16="http://schemas.microsoft.com/office/drawing/2014/main" id="{F042947F-E2EA-4695-A5DB-FE7B15ACE70D}"/>
+              </a:ext>
+            </a:extLst>
+          </p:cNvPr>
+          <p:cNvGraphicFramePr>
+            <a:graphicFrameLocks noGrp="1"/>
+          </p:cNvGraphicFramePr>
+          <p:nvPr>
+            <p:extLst>
+              <p:ext uri="{D42A27DB-BD31-4B8C-83A1-F6EECF244321}">
+                <p14:modId xmlns:p14="http://schemas.microsoft.com/office/powerpoint/2010/main" val="80165467"/>
+              </p:ext>
+            </p:extLst>
+          </p:nvPr>
+        </p:nvGraphicFramePr>
+        <p:xfrm>
+          <a:off x="577260" y="2335102"/>
+          <a:ext cx="7177555" cy="3784344"/>
+        </p:xfrm>
+        <a:graphic>
+          <a:graphicData uri="http://schemas.openxmlformats.org/drawingml/2006/table">
+            <a:tbl>
+              <a:tblPr firstRow="1" bandRow="1">
+                <a:tableStyleId>{5C22544A-7EE6-4342-B048-85BDC9FD1C3A}</a:tableStyleId>
+              </a:tblPr>
+              <a:tblGrid>
+                <a:gridCol w="372309">
+                  <a:extLst>
+                    <a:ext uri="{9D8B030D-6E8A-4147-A177-3AD203B41FA5}">
+                      <a16:colId xmlns="" xmlns:a16="http://schemas.microsoft.com/office/drawing/2014/main" val="1760814799"/>
+                    </a:ext>
+                  </a:extLst>
+                </a:gridCol>
+                <a:gridCol w="1285631">
+                  <a:extLst>
+                    <a:ext uri="{9D8B030D-6E8A-4147-A177-3AD203B41FA5}">
+                      <a16:colId xmlns="" xmlns:a16="http://schemas.microsoft.com/office/drawing/2014/main" val="3455707604"/>
+                    </a:ext>
+                  </a:extLst>
+                </a:gridCol>
+                <a:gridCol w="1058333">
+                  <a:extLst>
+                    <a:ext uri="{9D8B030D-6E8A-4147-A177-3AD203B41FA5}">
+                      <a16:colId xmlns="" xmlns:a16="http://schemas.microsoft.com/office/drawing/2014/main" val="543956147"/>
+                    </a:ext>
+                  </a:extLst>
+                </a:gridCol>
+                <a:gridCol w="2413000">
+                  <a:extLst>
+                    <a:ext uri="{9D8B030D-6E8A-4147-A177-3AD203B41FA5}">
+                      <a16:colId xmlns="" xmlns:a16="http://schemas.microsoft.com/office/drawing/2014/main" val="2137818610"/>
+                    </a:ext>
+                  </a:extLst>
+                </a:gridCol>
+                <a:gridCol w="965200">
+                  <a:extLst>
+                    <a:ext uri="{9D8B030D-6E8A-4147-A177-3AD203B41FA5}">
+                      <a16:colId xmlns="" xmlns:a16="http://schemas.microsoft.com/office/drawing/2014/main" val="2781862812"/>
+                    </a:ext>
+                  </a:extLst>
+                </a:gridCol>
+                <a:gridCol w="1083082">
+                  <a:extLst>
+                    <a:ext uri="{9D8B030D-6E8A-4147-A177-3AD203B41FA5}">
+                      <a16:colId xmlns="" xmlns:a16="http://schemas.microsoft.com/office/drawing/2014/main" val="1029790223"/>
+                    </a:ext>
+                  </a:extLst>
+                </a:gridCol>
+              </a:tblGrid>
+              <a:tr h="473043">
+                <a:tc>
+                  <a:txBody>
+                    <a:bodyPr/>
+                    <a:lstStyle/>
+                    <a:p>
+                      <a:pPr algn="ctr" latinLnBrk="1"/>
+                      <a:endParaRPr lang="ko-KR" altLang="en-US" sz="1500">
+                        <a:solidFill>
+                          <a:schemeClr val="tx1"/>
+                        </a:solidFill>
+                      </a:endParaRPr>
+                    </a:p>
+                  </a:txBody>
+                  <a:tcPr anchor="ctr">
+                    <a:lnL w="12700" cap="flat" cmpd="sng" algn="ctr">
+                      <a:solidFill>
+                        <a:schemeClr val="tx1"/>
+                      </a:solidFill>
+                      <a:prstDash val="solid"/>
+                      <a:round/>
+                      <a:headEnd type="none" w="med" len="med"/>
+                      <a:tailEnd type="none" w="med" len="med"/>
+                    </a:lnL>
+                    <a:lnR w="12700" cap="flat" cmpd="sng" algn="ctr">
+                      <a:solidFill>
+                        <a:schemeClr val="tx1"/>
+                      </a:solidFill>
+                      <a:prstDash val="solid"/>
+                      <a:round/>
+                      <a:headEnd type="none" w="med" len="med"/>
+                      <a:tailEnd type="none" w="med" len="med"/>
+                    </a:lnR>
+                    <a:lnT w="12700" cap="flat" cmpd="sng" algn="ctr">
+                      <a:solidFill>
+                        <a:schemeClr val="tx1"/>
+                      </a:solidFill>
+                      <a:prstDash val="solid"/>
+                      <a:round/>
+                      <a:headEnd type="none" w="med" len="med"/>
+                      <a:tailEnd type="none" w="med" len="med"/>
+                    </a:lnT>
+                    <a:lnB w="12700" cap="flat" cmpd="sng" algn="ctr">
+                      <a:solidFill>
+                        <a:schemeClr val="tx1"/>
+                      </a:solidFill>
+                      <a:prstDash val="solid"/>
+                      <a:round/>
+                      <a:headEnd type="none" w="med" len="med"/>
+                      <a:tailEnd type="none" w="med" len="med"/>
+                    </a:lnB>
+                    <a:solidFill>
+                      <a:schemeClr val="bg1"/>
+                    </a:solidFill>
+                  </a:tcPr>
+                </a:tc>
+                <a:tc>
+                  <a:txBody>
+                    <a:bodyPr/>
+                    <a:lstStyle/>
+                    <a:p>
+                      <a:pPr algn="ctr" latinLnBrk="1"/>
+                      <a:r>
+                        <a:rPr lang="ko-KR" altLang="en-US" sz="1000" dirty="0">
+                          <a:solidFill>
+                            <a:schemeClr val="tx1"/>
+                          </a:solidFill>
+                        </a:rPr>
+                        <a:t>신고분류</a:t>
+                      </a:r>
+                    </a:p>
+                  </a:txBody>
+                  <a:tcPr anchor="ctr">
+                    <a:lnL w="12700" cap="flat" cmpd="sng" algn="ctr">
+                      <a:solidFill>
+                        <a:schemeClr val="tx1"/>
+                      </a:solidFill>
+                      <a:prstDash val="solid"/>
+                      <a:round/>
+                      <a:headEnd type="none" w="med" len="med"/>
+                      <a:tailEnd type="none" w="med" len="med"/>
+                    </a:lnL>
+                    <a:lnR w="12700" cap="flat" cmpd="sng" algn="ctr">
+                      <a:solidFill>
+                        <a:schemeClr val="tx1"/>
+                      </a:solidFill>
+                      <a:prstDash val="solid"/>
+                      <a:round/>
+                      <a:headEnd type="none" w="med" len="med"/>
+                      <a:tailEnd type="none" w="med" len="med"/>
+                    </a:lnR>
+                    <a:lnT w="12700" cap="flat" cmpd="sng" algn="ctr">
+                      <a:solidFill>
+                        <a:schemeClr val="tx1"/>
+                      </a:solidFill>
+                      <a:prstDash val="solid"/>
+                      <a:round/>
+                      <a:headEnd type="none" w="med" len="med"/>
+                      <a:tailEnd type="none" w="med" len="med"/>
+                    </a:lnT>
+                    <a:lnB w="12700" cap="flat" cmpd="sng" algn="ctr">
+                      <a:solidFill>
+                        <a:schemeClr val="tx1"/>
+                      </a:solidFill>
+                      <a:prstDash val="solid"/>
+                      <a:round/>
+                      <a:headEnd type="none" w="med" len="med"/>
+                      <a:tailEnd type="none" w="med" len="med"/>
+                    </a:lnB>
+                    <a:solidFill>
+                      <a:schemeClr val="bg1"/>
+                    </a:solidFill>
+                  </a:tcPr>
+                </a:tc>
+                <a:tc>
+                  <a:txBody>
+                    <a:bodyPr/>
+                    <a:lstStyle/>
+                    <a:p>
+                      <a:pPr algn="ctr" latinLnBrk="1"/>
+                      <a:r>
+                        <a:rPr lang="ko-KR" altLang="en-US" sz="1000" dirty="0">
+                          <a:solidFill>
+                            <a:schemeClr val="tx1"/>
+                          </a:solidFill>
+                        </a:rPr>
+                        <a:t>신고자 </a:t>
+                      </a:r>
+                      <a:r>
+                        <a:rPr lang="en-US" altLang="ko-KR" sz="1000" dirty="0">
+                          <a:solidFill>
+                            <a:schemeClr val="tx1"/>
+                          </a:solidFill>
+                        </a:rPr>
+                        <a:t>ID</a:t>
+                      </a:r>
+                      <a:endParaRPr lang="ko-KR" altLang="en-US" sz="1000" dirty="0">
+                        <a:solidFill>
+                          <a:schemeClr val="tx1"/>
+                        </a:solidFill>
+                      </a:endParaRPr>
+                    </a:p>
+                  </a:txBody>
+                  <a:tcPr anchor="ctr">
+                    <a:lnL w="12700" cap="flat" cmpd="sng" algn="ctr">
+                      <a:solidFill>
+                        <a:schemeClr val="tx1"/>
+                      </a:solidFill>
+                      <a:prstDash val="solid"/>
+                      <a:round/>
+                      <a:headEnd type="none" w="med" len="med"/>
+                      <a:tailEnd type="none" w="med" len="med"/>
+                    </a:lnL>
+                    <a:lnR w="12700" cap="flat" cmpd="sng" algn="ctr">
+                      <a:solidFill>
+                        <a:schemeClr val="tx1"/>
+                      </a:solidFill>
+                      <a:prstDash val="solid"/>
+                      <a:round/>
+                      <a:headEnd type="none" w="med" len="med"/>
+                      <a:tailEnd type="none" w="med" len="med"/>
+                    </a:lnR>
+                    <a:lnT w="12700" cap="flat" cmpd="sng" algn="ctr">
+                      <a:solidFill>
+                        <a:schemeClr val="tx1"/>
+                      </a:solidFill>
+                      <a:prstDash val="solid"/>
+                      <a:round/>
+                      <a:headEnd type="none" w="med" len="med"/>
+                      <a:tailEnd type="none" w="med" len="med"/>
+                    </a:lnT>
+                    <a:lnB w="12700" cap="flat" cmpd="sng" algn="ctr">
+                      <a:solidFill>
+                        <a:schemeClr val="tx1"/>
+                      </a:solidFill>
+                      <a:prstDash val="solid"/>
+                      <a:round/>
+                      <a:headEnd type="none" w="med" len="med"/>
+                      <a:tailEnd type="none" w="med" len="med"/>
+                    </a:lnB>
+                    <a:solidFill>
+                      <a:schemeClr val="bg1"/>
+                    </a:solidFill>
+                  </a:tcPr>
+                </a:tc>
+                <a:tc>
+                  <a:txBody>
+                    <a:bodyPr/>
+                    <a:lstStyle/>
+                    <a:p>
+                      <a:pPr algn="ctr" latinLnBrk="1"/>
+                      <a:r>
+                        <a:rPr lang="ko-KR" altLang="en-US" sz="1000" dirty="0">
+                          <a:solidFill>
+                            <a:schemeClr val="tx1"/>
+                          </a:solidFill>
+                        </a:rPr>
+                        <a:t>내용보기</a:t>
+                      </a:r>
+                    </a:p>
+                  </a:txBody>
+                  <a:tcPr anchor="ctr">
+                    <a:lnL w="12700" cap="flat" cmpd="sng" algn="ctr">
+                      <a:solidFill>
+                        <a:schemeClr val="tx1"/>
+                      </a:solidFill>
+                      <a:prstDash val="solid"/>
+                      <a:round/>
+                      <a:headEnd type="none" w="med" len="med"/>
+                      <a:tailEnd type="none" w="med" len="med"/>
+                    </a:lnL>
+                    <a:lnR w="12700" cap="flat" cmpd="sng" algn="ctr">
+                      <a:solidFill>
+                        <a:schemeClr val="tx1"/>
+                      </a:solidFill>
+                      <a:prstDash val="solid"/>
+                      <a:round/>
+                      <a:headEnd type="none" w="med" len="med"/>
+                      <a:tailEnd type="none" w="med" len="med"/>
+                    </a:lnR>
+                    <a:lnT w="12700" cap="flat" cmpd="sng" algn="ctr">
+                      <a:solidFill>
+                        <a:schemeClr val="tx1"/>
+                      </a:solidFill>
+                      <a:prstDash val="solid"/>
+                      <a:round/>
+                      <a:headEnd type="none" w="med" len="med"/>
+                      <a:tailEnd type="none" w="med" len="med"/>
+                    </a:lnT>
+                    <a:lnB w="12700" cap="flat" cmpd="sng" algn="ctr">
+                      <a:solidFill>
+                        <a:schemeClr val="tx1"/>
+                      </a:solidFill>
+                      <a:prstDash val="solid"/>
+                      <a:round/>
+                      <a:headEnd type="none" w="med" len="med"/>
+                      <a:tailEnd type="none" w="med" len="med"/>
+                    </a:lnB>
+                    <a:solidFill>
+                      <a:schemeClr val="bg1"/>
+                    </a:solidFill>
+                  </a:tcPr>
+                </a:tc>
+                <a:tc>
+                  <a:txBody>
+                    <a:bodyPr/>
+                    <a:lstStyle/>
+                    <a:p>
+                      <a:pPr algn="ctr" latinLnBrk="1"/>
+                      <a:r>
+                        <a:rPr lang="ko-KR" altLang="en-US" sz="1000" dirty="0">
+                          <a:solidFill>
+                            <a:schemeClr val="tx1"/>
+                          </a:solidFill>
+                        </a:rPr>
+                        <a:t>처리상태</a:t>
+                      </a:r>
+                    </a:p>
+                  </a:txBody>
+                  <a:tcPr anchor="ctr">
+                    <a:lnL w="12700" cap="flat" cmpd="sng" algn="ctr">
+                      <a:solidFill>
+                        <a:schemeClr val="tx1"/>
+                      </a:solidFill>
+                      <a:prstDash val="solid"/>
+                      <a:round/>
+                      <a:headEnd type="none" w="med" len="med"/>
+                      <a:tailEnd type="none" w="med" len="med"/>
+                    </a:lnL>
+                    <a:lnR w="12700" cap="flat" cmpd="sng" algn="ctr">
+                      <a:solidFill>
+                        <a:schemeClr val="tx1"/>
+                      </a:solidFill>
+                      <a:prstDash val="solid"/>
+                      <a:round/>
+                      <a:headEnd type="none" w="med" len="med"/>
+                      <a:tailEnd type="none" w="med" len="med"/>
+                    </a:lnR>
+                    <a:lnT w="12700" cap="flat" cmpd="sng" algn="ctr">
+                      <a:solidFill>
+                        <a:schemeClr val="tx1"/>
+                      </a:solidFill>
+                      <a:prstDash val="solid"/>
+                      <a:round/>
+                      <a:headEnd type="none" w="med" len="med"/>
+                      <a:tailEnd type="none" w="med" len="med"/>
+                    </a:lnT>
+                    <a:lnB w="12700" cap="flat" cmpd="sng" algn="ctr">
+                      <a:solidFill>
+                        <a:schemeClr val="tx1"/>
+                      </a:solidFill>
+                      <a:prstDash val="solid"/>
+                      <a:round/>
+                      <a:headEnd type="none" w="med" len="med"/>
+                      <a:tailEnd type="none" w="med" len="med"/>
+                    </a:lnB>
+                    <a:solidFill>
+                      <a:schemeClr val="bg1"/>
+                    </a:solidFill>
+                  </a:tcPr>
+                </a:tc>
+                <a:tc>
+                  <a:txBody>
+                    <a:bodyPr/>
+                    <a:lstStyle/>
+                    <a:p>
+                      <a:pPr algn="ctr" latinLnBrk="1"/>
+                      <a:r>
+                        <a:rPr lang="ko-KR" altLang="en-US" sz="1000" dirty="0">
+                          <a:solidFill>
+                            <a:schemeClr val="tx1"/>
+                          </a:solidFill>
+                        </a:rPr>
+                        <a:t>신고일시</a:t>
+                      </a:r>
+                    </a:p>
+                  </a:txBody>
+                  <a:tcPr anchor="ctr">
+                    <a:lnL w="12700" cap="flat" cmpd="sng" algn="ctr">
+                      <a:solidFill>
+                        <a:schemeClr val="tx1"/>
+                      </a:solidFill>
+                      <a:prstDash val="solid"/>
+                      <a:round/>
+                      <a:headEnd type="none" w="med" len="med"/>
+                      <a:tailEnd type="none" w="med" len="med"/>
+                    </a:lnL>
+                    <a:lnR w="12700" cap="flat" cmpd="sng" algn="ctr">
+                      <a:solidFill>
+                        <a:schemeClr val="tx1"/>
+                      </a:solidFill>
+                      <a:prstDash val="solid"/>
+                      <a:round/>
+                      <a:headEnd type="none" w="med" len="med"/>
+                      <a:tailEnd type="none" w="med" len="med"/>
+                    </a:lnR>
+                    <a:lnT w="12700" cap="flat" cmpd="sng" algn="ctr">
+                      <a:solidFill>
+                        <a:schemeClr val="tx1"/>
+                      </a:solidFill>
+                      <a:prstDash val="solid"/>
+                      <a:round/>
+                      <a:headEnd type="none" w="med" len="med"/>
+                      <a:tailEnd type="none" w="med" len="med"/>
+                    </a:lnT>
+                    <a:lnB w="12700" cap="flat" cmpd="sng" algn="ctr">
+                      <a:solidFill>
+                        <a:schemeClr val="tx1"/>
+                      </a:solidFill>
+                      <a:prstDash val="solid"/>
+                      <a:round/>
+                      <a:headEnd type="none" w="med" len="med"/>
+                      <a:tailEnd type="none" w="med" len="med"/>
+                    </a:lnB>
+                    <a:solidFill>
+                      <a:schemeClr val="bg1"/>
+                    </a:solidFill>
+                  </a:tcPr>
+                </a:tc>
+                <a:extLst>
+                  <a:ext uri="{0D108BD9-81ED-4DB2-BD59-A6C34878D82A}">
+                    <a16:rowId xmlns="" xmlns:a16="http://schemas.microsoft.com/office/drawing/2014/main" val="3239706259"/>
+                  </a:ext>
+                </a:extLst>
+              </a:tr>
+              <a:tr h="473043">
+                <a:tc>
+                  <a:txBody>
+                    <a:bodyPr/>
+                    <a:lstStyle/>
+                    <a:p>
+                      <a:pPr algn="ctr" latinLnBrk="1"/>
+                      <a:endParaRPr lang="ko-KR" altLang="en-US" sz="1500">
+                        <a:solidFill>
+                          <a:schemeClr val="tx1"/>
+                        </a:solidFill>
+                      </a:endParaRPr>
+                    </a:p>
+                  </a:txBody>
+                  <a:tcPr anchor="ctr">
+                    <a:lnL w="12700" cap="flat" cmpd="sng" algn="ctr">
+                      <a:solidFill>
+                        <a:schemeClr val="tx1"/>
+                      </a:solidFill>
+                      <a:prstDash val="solid"/>
+                      <a:round/>
+                      <a:headEnd type="none" w="med" len="med"/>
+                      <a:tailEnd type="none" w="med" len="med"/>
+                    </a:lnL>
+                    <a:lnR w="12700" cap="flat" cmpd="sng" algn="ctr">
+                      <a:solidFill>
+                        <a:schemeClr val="tx1"/>
+                      </a:solidFill>
+                      <a:prstDash val="solid"/>
+                      <a:round/>
+                      <a:headEnd type="none" w="med" len="med"/>
+                      <a:tailEnd type="none" w="med" len="med"/>
+                    </a:lnR>
+                    <a:lnT w="12700" cap="flat" cmpd="sng" algn="ctr">
+                      <a:solidFill>
+                        <a:schemeClr val="tx1"/>
+                      </a:solidFill>
+                      <a:prstDash val="solid"/>
+                      <a:round/>
+                      <a:headEnd type="none" w="med" len="med"/>
+                      <a:tailEnd type="none" w="med" len="med"/>
+                    </a:lnT>
+                    <a:lnB w="12700" cap="flat" cmpd="sng" algn="ctr">
+                      <a:solidFill>
+                        <a:schemeClr val="tx1"/>
+                      </a:solidFill>
+                      <a:prstDash val="solid"/>
+                      <a:round/>
+                      <a:headEnd type="none" w="med" len="med"/>
+                      <a:tailEnd type="none" w="med" len="med"/>
+                    </a:lnB>
+                    <a:solidFill>
+                      <a:schemeClr val="bg1"/>
+                    </a:solidFill>
+                  </a:tcPr>
+                </a:tc>
+                <a:tc>
+                  <a:txBody>
+                    <a:bodyPr/>
+                    <a:lstStyle/>
+                    <a:p>
+                      <a:pPr algn="ctr" latinLnBrk="1"/>
+                      <a:r>
+                        <a:rPr lang="ko-KR" altLang="en-US" sz="1000" dirty="0">
+                          <a:solidFill>
+                            <a:schemeClr val="tx1"/>
+                          </a:solidFill>
+                        </a:rPr>
+                        <a:t>허위 상품</a:t>
+                      </a:r>
+                    </a:p>
+                  </a:txBody>
+                  <a:tcPr anchor="ctr">
+                    <a:lnL w="12700" cap="flat" cmpd="sng" algn="ctr">
+                      <a:solidFill>
+                        <a:schemeClr val="tx1"/>
+                      </a:solidFill>
+                      <a:prstDash val="solid"/>
+                      <a:round/>
+                      <a:headEnd type="none" w="med" len="med"/>
+                      <a:tailEnd type="none" w="med" len="med"/>
+                    </a:lnL>
+                    <a:lnR w="12700" cap="flat" cmpd="sng" algn="ctr">
+                      <a:solidFill>
+                        <a:schemeClr val="tx1"/>
+                      </a:solidFill>
+                      <a:prstDash val="solid"/>
+                      <a:round/>
+                      <a:headEnd type="none" w="med" len="med"/>
+                      <a:tailEnd type="none" w="med" len="med"/>
+                    </a:lnR>
+                    <a:lnT w="12700" cap="flat" cmpd="sng" algn="ctr">
+                      <a:solidFill>
+                        <a:schemeClr val="tx1"/>
+                      </a:solidFill>
+                      <a:prstDash val="solid"/>
+                      <a:round/>
+                      <a:headEnd type="none" w="med" len="med"/>
+                      <a:tailEnd type="none" w="med" len="med"/>
+                    </a:lnT>
+                    <a:lnB w="12700" cap="flat" cmpd="sng" algn="ctr">
+                      <a:solidFill>
+                        <a:schemeClr val="tx1"/>
+                      </a:solidFill>
+                      <a:prstDash val="solid"/>
+                      <a:round/>
+                      <a:headEnd type="none" w="med" len="med"/>
+                      <a:tailEnd type="none" w="med" len="med"/>
+                    </a:lnB>
+                    <a:solidFill>
+                      <a:schemeClr val="bg1"/>
+                    </a:solidFill>
+                  </a:tcPr>
+                </a:tc>
+                <a:tc>
+                  <a:txBody>
+                    <a:bodyPr/>
+                    <a:lstStyle/>
+                    <a:p>
+                      <a:pPr algn="ctr" latinLnBrk="1"/>
+                      <a:r>
+                        <a:rPr lang="en-US" altLang="ko-KR" sz="1000" dirty="0">
+                          <a:solidFill>
+                            <a:schemeClr val="tx1"/>
+                          </a:solidFill>
+                        </a:rPr>
+                        <a:t>tjgml5151</a:t>
+                      </a:r>
+                      <a:endParaRPr lang="ko-KR" altLang="en-US" sz="1000" dirty="0">
+                        <a:solidFill>
+                          <a:schemeClr val="tx1"/>
+                        </a:solidFill>
+                      </a:endParaRPr>
+                    </a:p>
+                  </a:txBody>
+                  <a:tcPr anchor="ctr">
+                    <a:lnL w="12700" cap="flat" cmpd="sng" algn="ctr">
+                      <a:solidFill>
+                        <a:schemeClr val="tx1"/>
+                      </a:solidFill>
+                      <a:prstDash val="solid"/>
+                      <a:round/>
+                      <a:headEnd type="none" w="med" len="med"/>
+                      <a:tailEnd type="none" w="med" len="med"/>
+                    </a:lnL>
+                    <a:lnR w="12700" cap="flat" cmpd="sng" algn="ctr">
+                      <a:solidFill>
+                        <a:schemeClr val="tx1"/>
+                      </a:solidFill>
+                      <a:prstDash val="solid"/>
+                      <a:round/>
+                      <a:headEnd type="none" w="med" len="med"/>
+                      <a:tailEnd type="none" w="med" len="med"/>
+                    </a:lnR>
+                    <a:lnT w="12700" cap="flat" cmpd="sng" algn="ctr">
+                      <a:solidFill>
+                        <a:schemeClr val="tx1"/>
+                      </a:solidFill>
+                      <a:prstDash val="solid"/>
+                      <a:round/>
+                      <a:headEnd type="none" w="med" len="med"/>
+                      <a:tailEnd type="none" w="med" len="med"/>
+                    </a:lnT>
+                    <a:lnB w="12700" cap="flat" cmpd="sng" algn="ctr">
+                      <a:solidFill>
+                        <a:schemeClr val="tx1"/>
+                      </a:solidFill>
+                      <a:prstDash val="solid"/>
+                      <a:round/>
+                      <a:headEnd type="none" w="med" len="med"/>
+                      <a:tailEnd type="none" w="med" len="med"/>
+                    </a:lnB>
+                    <a:solidFill>
+                      <a:schemeClr val="bg1"/>
+                    </a:solidFill>
+                  </a:tcPr>
+                </a:tc>
+                <a:tc>
+                  <a:txBody>
+                    <a:bodyPr/>
+                    <a:lstStyle/>
+                    <a:p>
+                      <a:pPr algn="ctr" latinLnBrk="1"/>
+                      <a:r>
+                        <a:rPr lang="ko-KR" altLang="en-US" sz="1000" dirty="0">
+                          <a:solidFill>
+                            <a:schemeClr val="tx1"/>
+                          </a:solidFill>
+                        </a:rPr>
+                        <a:t>허위 상품 신고 합니다</a:t>
+                      </a:r>
+                    </a:p>
+                  </a:txBody>
+                  <a:tcPr anchor="ctr">
+                    <a:lnL w="12700" cap="flat" cmpd="sng" algn="ctr">
+                      <a:solidFill>
+                        <a:schemeClr val="tx1"/>
+                      </a:solidFill>
+                      <a:prstDash val="solid"/>
+                      <a:round/>
+                      <a:headEnd type="none" w="med" len="med"/>
+                      <a:tailEnd type="none" w="med" len="med"/>
+                    </a:lnL>
+                    <a:lnR w="12700" cap="flat" cmpd="sng" algn="ctr">
+                      <a:solidFill>
+                        <a:schemeClr val="tx1"/>
+                      </a:solidFill>
+                      <a:prstDash val="solid"/>
+                      <a:round/>
+                      <a:headEnd type="none" w="med" len="med"/>
+                      <a:tailEnd type="none" w="med" len="med"/>
+                    </a:lnR>
+                    <a:lnT w="12700" cap="flat" cmpd="sng" algn="ctr">
+                      <a:solidFill>
+                        <a:schemeClr val="tx1"/>
+                      </a:solidFill>
+                      <a:prstDash val="solid"/>
+                      <a:round/>
+                      <a:headEnd type="none" w="med" len="med"/>
+                      <a:tailEnd type="none" w="med" len="med"/>
+                    </a:lnT>
+                    <a:lnB w="12700" cap="flat" cmpd="sng" algn="ctr">
+                      <a:solidFill>
+                        <a:schemeClr val="tx1"/>
+                      </a:solidFill>
+                      <a:prstDash val="solid"/>
+                      <a:round/>
+                      <a:headEnd type="none" w="med" len="med"/>
+                      <a:tailEnd type="none" w="med" len="med"/>
+                    </a:lnB>
+                    <a:solidFill>
+                      <a:schemeClr val="bg1"/>
+                    </a:solidFill>
+                  </a:tcPr>
+                </a:tc>
+                <a:tc>
+                  <a:txBody>
+                    <a:bodyPr/>
+                    <a:lstStyle/>
+                    <a:p>
+                      <a:pPr algn="ctr" latinLnBrk="1"/>
+                      <a:r>
+                        <a:rPr lang="ko-KR" altLang="en-US" sz="1000" dirty="0">
+                          <a:solidFill>
+                            <a:schemeClr val="tx1"/>
+                          </a:solidFill>
+                        </a:rPr>
+                        <a:t>처리완료</a:t>
+                      </a:r>
+                    </a:p>
+                  </a:txBody>
+                  <a:tcPr anchor="ctr">
+                    <a:lnL w="12700" cap="flat" cmpd="sng" algn="ctr">
+                      <a:solidFill>
+                        <a:schemeClr val="tx1"/>
+                      </a:solidFill>
+                      <a:prstDash val="solid"/>
+                      <a:round/>
+                      <a:headEnd type="none" w="med" len="med"/>
+                      <a:tailEnd type="none" w="med" len="med"/>
+                    </a:lnL>
+                    <a:lnR w="12700" cap="flat" cmpd="sng" algn="ctr">
+                      <a:solidFill>
+                        <a:schemeClr val="tx1"/>
+                      </a:solidFill>
+                      <a:prstDash val="solid"/>
+                      <a:round/>
+                      <a:headEnd type="none" w="med" len="med"/>
+                      <a:tailEnd type="none" w="med" len="med"/>
+                    </a:lnR>
+                    <a:lnT w="12700" cap="flat" cmpd="sng" algn="ctr">
+                      <a:solidFill>
+                        <a:schemeClr val="tx1"/>
+                      </a:solidFill>
+                      <a:prstDash val="solid"/>
+                      <a:round/>
+                      <a:headEnd type="none" w="med" len="med"/>
+                      <a:tailEnd type="none" w="med" len="med"/>
+                    </a:lnT>
+                    <a:lnB w="12700" cap="flat" cmpd="sng" algn="ctr">
+                      <a:solidFill>
+                        <a:schemeClr val="tx1"/>
+                      </a:solidFill>
+                      <a:prstDash val="solid"/>
+                      <a:round/>
+                      <a:headEnd type="none" w="med" len="med"/>
+                      <a:tailEnd type="none" w="med" len="med"/>
+                    </a:lnB>
+                    <a:solidFill>
+                      <a:schemeClr val="bg1"/>
+                    </a:solidFill>
+                  </a:tcPr>
+                </a:tc>
+                <a:tc>
+                  <a:txBody>
+                    <a:bodyPr/>
+                    <a:lstStyle/>
+                    <a:p>
+                      <a:pPr algn="ctr" latinLnBrk="1"/>
+                      <a:r>
+                        <a:rPr lang="en-US" altLang="ko-KR" sz="1000" dirty="0">
+                          <a:solidFill>
+                            <a:schemeClr val="tx1"/>
+                          </a:solidFill>
+                        </a:rPr>
+                        <a:t>2020-02-12</a:t>
+                      </a:r>
+                      <a:endParaRPr lang="ko-KR" altLang="en-US" sz="1000" dirty="0">
+                        <a:solidFill>
+                          <a:schemeClr val="tx1"/>
+                        </a:solidFill>
+                      </a:endParaRPr>
+                    </a:p>
+                  </a:txBody>
+                  <a:tcPr anchor="ctr">
+                    <a:lnL w="12700" cap="flat" cmpd="sng" algn="ctr">
+                      <a:solidFill>
+                        <a:schemeClr val="tx1"/>
+                      </a:solidFill>
+                      <a:prstDash val="solid"/>
+                      <a:round/>
+                      <a:headEnd type="none" w="med" len="med"/>
+                      <a:tailEnd type="none" w="med" len="med"/>
+                    </a:lnL>
+                    <a:lnR w="12700" cap="flat" cmpd="sng" algn="ctr">
+                      <a:solidFill>
+                        <a:schemeClr val="tx1"/>
+                      </a:solidFill>
+                      <a:prstDash val="solid"/>
+                      <a:round/>
+                      <a:headEnd type="none" w="med" len="med"/>
+                      <a:tailEnd type="none" w="med" len="med"/>
+                    </a:lnR>
+                    <a:lnT w="12700" cap="flat" cmpd="sng" algn="ctr">
+                      <a:solidFill>
+                        <a:schemeClr val="tx1"/>
+                      </a:solidFill>
+                      <a:prstDash val="solid"/>
+                      <a:round/>
+                      <a:headEnd type="none" w="med" len="med"/>
+                      <a:tailEnd type="none" w="med" len="med"/>
+                    </a:lnT>
+                    <a:lnB w="12700" cap="flat" cmpd="sng" algn="ctr">
+                      <a:solidFill>
+                        <a:schemeClr val="tx1"/>
+                      </a:solidFill>
+                      <a:prstDash val="solid"/>
+                      <a:round/>
+                      <a:headEnd type="none" w="med" len="med"/>
+                      <a:tailEnd type="none" w="med" len="med"/>
+                    </a:lnB>
+                    <a:solidFill>
+                      <a:schemeClr val="bg1"/>
+                    </a:solidFill>
+                  </a:tcPr>
+                </a:tc>
+                <a:extLst>
+                  <a:ext uri="{0D108BD9-81ED-4DB2-BD59-A6C34878D82A}">
+                    <a16:rowId xmlns="" xmlns:a16="http://schemas.microsoft.com/office/drawing/2014/main" val="1173372422"/>
+                  </a:ext>
+                </a:extLst>
+              </a:tr>
+              <a:tr h="473043">
+                <a:tc>
+                  <a:txBody>
+                    <a:bodyPr/>
+                    <a:lstStyle/>
+                    <a:p>
+                      <a:pPr algn="ctr" latinLnBrk="1"/>
+                      <a:endParaRPr lang="ko-KR" altLang="en-US" sz="1500">
+                        <a:solidFill>
+                          <a:schemeClr val="tx1"/>
+                        </a:solidFill>
+                      </a:endParaRPr>
+                    </a:p>
+                  </a:txBody>
+                  <a:tcPr anchor="ctr">
+                    <a:lnL w="12700" cap="flat" cmpd="sng" algn="ctr">
+                      <a:solidFill>
+                        <a:schemeClr val="tx1"/>
+                      </a:solidFill>
+                      <a:prstDash val="solid"/>
+                      <a:round/>
+                      <a:headEnd type="none" w="med" len="med"/>
+                      <a:tailEnd type="none" w="med" len="med"/>
+                    </a:lnL>
+                    <a:lnR w="12700" cap="flat" cmpd="sng" algn="ctr">
+                      <a:solidFill>
+                        <a:schemeClr val="tx1"/>
+                      </a:solidFill>
+                      <a:prstDash val="solid"/>
+                      <a:round/>
+                      <a:headEnd type="none" w="med" len="med"/>
+                      <a:tailEnd type="none" w="med" len="med"/>
+                    </a:lnR>
+                    <a:lnT w="12700" cap="flat" cmpd="sng" algn="ctr">
+                      <a:solidFill>
+                        <a:schemeClr val="tx1"/>
+                      </a:solidFill>
+                      <a:prstDash val="solid"/>
+                      <a:round/>
+                      <a:headEnd type="none" w="med" len="med"/>
+                      <a:tailEnd type="none" w="med" len="med"/>
+                    </a:lnT>
+                    <a:lnB w="12700" cap="flat" cmpd="sng" algn="ctr">
+                      <a:solidFill>
+                        <a:schemeClr val="tx1"/>
+                      </a:solidFill>
+                      <a:prstDash val="solid"/>
+                      <a:round/>
+                      <a:headEnd type="none" w="med" len="med"/>
+                      <a:tailEnd type="none" w="med" len="med"/>
+                    </a:lnB>
+                    <a:solidFill>
+                      <a:schemeClr val="bg1"/>
+                    </a:solidFill>
+                  </a:tcPr>
+                </a:tc>
+                <a:tc>
+                  <a:txBody>
+                    <a:bodyPr/>
+                    <a:lstStyle/>
+                    <a:p>
+                      <a:pPr algn="ctr" latinLnBrk="1"/>
+                      <a:r>
+                        <a:rPr lang="ko-KR" altLang="en-US" sz="1000" dirty="0">
+                          <a:solidFill>
+                            <a:schemeClr val="tx1"/>
+                          </a:solidFill>
+                        </a:rPr>
+                        <a:t>부적절 상품</a:t>
+                      </a:r>
+                    </a:p>
+                  </a:txBody>
+                  <a:tcPr anchor="ctr">
+                    <a:lnL w="12700" cap="flat" cmpd="sng" algn="ctr">
+                      <a:solidFill>
+                        <a:schemeClr val="tx1"/>
+                      </a:solidFill>
+                      <a:prstDash val="solid"/>
+                      <a:round/>
+                      <a:headEnd type="none" w="med" len="med"/>
+                      <a:tailEnd type="none" w="med" len="med"/>
+                    </a:lnL>
+                    <a:lnR w="12700" cap="flat" cmpd="sng" algn="ctr">
+                      <a:solidFill>
+                        <a:schemeClr val="tx1"/>
+                      </a:solidFill>
+                      <a:prstDash val="solid"/>
+                      <a:round/>
+                      <a:headEnd type="none" w="med" len="med"/>
+                      <a:tailEnd type="none" w="med" len="med"/>
+                    </a:lnR>
+                    <a:lnT w="12700" cap="flat" cmpd="sng" algn="ctr">
+                      <a:solidFill>
+                        <a:schemeClr val="tx1"/>
+                      </a:solidFill>
+                      <a:prstDash val="solid"/>
+                      <a:round/>
+                      <a:headEnd type="none" w="med" len="med"/>
+                      <a:tailEnd type="none" w="med" len="med"/>
+                    </a:lnT>
+                    <a:lnB w="12700" cap="flat" cmpd="sng" algn="ctr">
+                      <a:solidFill>
+                        <a:schemeClr val="tx1"/>
+                      </a:solidFill>
+                      <a:prstDash val="solid"/>
+                      <a:round/>
+                      <a:headEnd type="none" w="med" len="med"/>
+                      <a:tailEnd type="none" w="med" len="med"/>
+                    </a:lnB>
+                    <a:solidFill>
+                      <a:schemeClr val="bg1"/>
+                    </a:solidFill>
+                  </a:tcPr>
+                </a:tc>
+                <a:tc>
+                  <a:txBody>
+                    <a:bodyPr/>
+                    <a:lstStyle/>
+                    <a:p>
+                      <a:pPr algn="ctr" latinLnBrk="1"/>
+                      <a:r>
+                        <a:rPr lang="en-US" altLang="ko-KR" sz="1000" dirty="0">
+                          <a:solidFill>
+                            <a:schemeClr val="tx1"/>
+                          </a:solidFill>
+                        </a:rPr>
+                        <a:t>gusxo3553</a:t>
+                      </a:r>
+                      <a:endParaRPr lang="ko-KR" altLang="en-US" sz="1000" dirty="0">
+                        <a:solidFill>
+                          <a:schemeClr val="tx1"/>
+                        </a:solidFill>
+                      </a:endParaRPr>
+                    </a:p>
+                  </a:txBody>
+                  <a:tcPr anchor="ctr">
+                    <a:lnL w="12700" cap="flat" cmpd="sng" algn="ctr">
+                      <a:solidFill>
+                        <a:schemeClr val="tx1"/>
+                      </a:solidFill>
+                      <a:prstDash val="solid"/>
+                      <a:round/>
+                      <a:headEnd type="none" w="med" len="med"/>
+                      <a:tailEnd type="none" w="med" len="med"/>
+                    </a:lnL>
+                    <a:lnR w="12700" cap="flat" cmpd="sng" algn="ctr">
+                      <a:solidFill>
+                        <a:schemeClr val="tx1"/>
+                      </a:solidFill>
+                      <a:prstDash val="solid"/>
+                      <a:round/>
+                      <a:headEnd type="none" w="med" len="med"/>
+                      <a:tailEnd type="none" w="med" len="med"/>
+                    </a:lnR>
+                    <a:lnT w="12700" cap="flat" cmpd="sng" algn="ctr">
+                      <a:solidFill>
+                        <a:schemeClr val="tx1"/>
+                      </a:solidFill>
+                      <a:prstDash val="solid"/>
+                      <a:round/>
+                      <a:headEnd type="none" w="med" len="med"/>
+                      <a:tailEnd type="none" w="med" len="med"/>
+                    </a:lnT>
+                    <a:lnB w="12700" cap="flat" cmpd="sng" algn="ctr">
+                      <a:solidFill>
+                        <a:schemeClr val="tx1"/>
+                      </a:solidFill>
+                      <a:prstDash val="solid"/>
+                      <a:round/>
+                      <a:headEnd type="none" w="med" len="med"/>
+                      <a:tailEnd type="none" w="med" len="med"/>
+                    </a:lnB>
+                    <a:solidFill>
+                      <a:schemeClr val="bg1"/>
+                    </a:solidFill>
+                  </a:tcPr>
+                </a:tc>
+                <a:tc>
+                  <a:txBody>
+                    <a:bodyPr/>
+                    <a:lstStyle/>
+                    <a:p>
+                      <a:pPr algn="ctr" latinLnBrk="1"/>
+                      <a:r>
+                        <a:rPr lang="ko-KR" altLang="en-US" sz="1000" dirty="0">
+                          <a:solidFill>
+                            <a:schemeClr val="tx1"/>
+                          </a:solidFill>
+                        </a:rPr>
+                        <a:t>반려동물을 팔아도 됩니까</a:t>
+                      </a:r>
+                      <a:r>
+                        <a:rPr lang="en-US" altLang="ko-KR" sz="1000" dirty="0">
+                          <a:solidFill>
+                            <a:schemeClr val="tx1"/>
+                          </a:solidFill>
+                        </a:rPr>
+                        <a:t>?</a:t>
+                      </a:r>
+                      <a:endParaRPr lang="ko-KR" altLang="en-US" sz="1000" dirty="0">
+                        <a:solidFill>
+                          <a:schemeClr val="tx1"/>
+                        </a:solidFill>
+                      </a:endParaRPr>
+                    </a:p>
+                  </a:txBody>
+                  <a:tcPr anchor="ctr">
+                    <a:lnL w="12700" cap="flat" cmpd="sng" algn="ctr">
+                      <a:solidFill>
+                        <a:schemeClr val="tx1"/>
+                      </a:solidFill>
+                      <a:prstDash val="solid"/>
+                      <a:round/>
+                      <a:headEnd type="none" w="med" len="med"/>
+                      <a:tailEnd type="none" w="med" len="med"/>
+                    </a:lnL>
+                    <a:lnR w="12700" cap="flat" cmpd="sng" algn="ctr">
+                      <a:solidFill>
+                        <a:schemeClr val="tx1"/>
+                      </a:solidFill>
+                      <a:prstDash val="solid"/>
+                      <a:round/>
+                      <a:headEnd type="none" w="med" len="med"/>
+                      <a:tailEnd type="none" w="med" len="med"/>
+                    </a:lnR>
+                    <a:lnT w="12700" cap="flat" cmpd="sng" algn="ctr">
+                      <a:solidFill>
+                        <a:schemeClr val="tx1"/>
+                      </a:solidFill>
+                      <a:prstDash val="solid"/>
+                      <a:round/>
+                      <a:headEnd type="none" w="med" len="med"/>
+                      <a:tailEnd type="none" w="med" len="med"/>
+                    </a:lnT>
+                    <a:lnB w="12700" cap="flat" cmpd="sng" algn="ctr">
+                      <a:solidFill>
+                        <a:schemeClr val="tx1"/>
+                      </a:solidFill>
+                      <a:prstDash val="solid"/>
+                      <a:round/>
+                      <a:headEnd type="none" w="med" len="med"/>
+                      <a:tailEnd type="none" w="med" len="med"/>
+                    </a:lnB>
+                    <a:solidFill>
+                      <a:schemeClr val="bg1"/>
+                    </a:solidFill>
+                  </a:tcPr>
+                </a:tc>
+                <a:tc>
+                  <a:txBody>
+                    <a:bodyPr/>
+                    <a:lstStyle/>
+                    <a:p>
+                      <a:pPr algn="ctr" latinLnBrk="1"/>
+                      <a:r>
+                        <a:rPr lang="ko-KR" altLang="en-US" sz="1000" dirty="0">
+                          <a:solidFill>
+                            <a:schemeClr val="tx1"/>
+                          </a:solidFill>
+                        </a:rPr>
+                        <a:t>처리중</a:t>
+                      </a:r>
+                      <a:endParaRPr lang="en-US" altLang="ko-KR" sz="1000" dirty="0">
+                        <a:solidFill>
+                          <a:schemeClr val="tx1"/>
+                        </a:solidFill>
+                      </a:endParaRPr>
+                    </a:p>
+                    <a:p>
+                      <a:pPr algn="ctr" latinLnBrk="1"/>
+                      <a:r>
+                        <a:rPr lang="ko-KR" altLang="en-US" sz="800" dirty="0">
+                          <a:solidFill>
+                            <a:schemeClr val="tx1"/>
+                          </a:solidFill>
+                        </a:rPr>
+                        <a:t>담당자 </a:t>
+                      </a:r>
+                      <a:r>
+                        <a:rPr lang="en-US" altLang="ko-KR" sz="800" dirty="0">
+                          <a:solidFill>
+                            <a:schemeClr val="tx1"/>
+                          </a:solidFill>
+                        </a:rPr>
+                        <a:t>: </a:t>
+                      </a:r>
+                      <a:r>
+                        <a:rPr lang="ko-KR" altLang="en-US" sz="800" dirty="0">
+                          <a:solidFill>
+                            <a:schemeClr val="tx1"/>
+                          </a:solidFill>
+                        </a:rPr>
+                        <a:t>홍길동</a:t>
+                      </a:r>
+                    </a:p>
+                  </a:txBody>
+                  <a:tcPr anchor="ctr">
+                    <a:lnL w="12700" cap="flat" cmpd="sng" algn="ctr">
+                      <a:solidFill>
+                        <a:schemeClr val="tx1"/>
+                      </a:solidFill>
+                      <a:prstDash val="solid"/>
+                      <a:round/>
+                      <a:headEnd type="none" w="med" len="med"/>
+                      <a:tailEnd type="none" w="med" len="med"/>
+                    </a:lnL>
+                    <a:lnR w="12700" cap="flat" cmpd="sng" algn="ctr">
+                      <a:solidFill>
+                        <a:schemeClr val="tx1"/>
+                      </a:solidFill>
+                      <a:prstDash val="solid"/>
+                      <a:round/>
+                      <a:headEnd type="none" w="med" len="med"/>
+                      <a:tailEnd type="none" w="med" len="med"/>
+                    </a:lnR>
+                    <a:lnT w="12700" cap="flat" cmpd="sng" algn="ctr">
+                      <a:solidFill>
+                        <a:schemeClr val="tx1"/>
+                      </a:solidFill>
+                      <a:prstDash val="solid"/>
+                      <a:round/>
+                      <a:headEnd type="none" w="med" len="med"/>
+                      <a:tailEnd type="none" w="med" len="med"/>
+                    </a:lnT>
+                    <a:lnB w="12700" cap="flat" cmpd="sng" algn="ctr">
+                      <a:solidFill>
+                        <a:schemeClr val="tx1"/>
+                      </a:solidFill>
+                      <a:prstDash val="solid"/>
+                      <a:round/>
+                      <a:headEnd type="none" w="med" len="med"/>
+                      <a:tailEnd type="none" w="med" len="med"/>
+                    </a:lnB>
+                    <a:solidFill>
+                      <a:schemeClr val="bg1"/>
+                    </a:solidFill>
+                  </a:tcPr>
+                </a:tc>
+                <a:tc>
+                  <a:txBody>
+                    <a:bodyPr/>
+                    <a:lstStyle/>
+                    <a:p>
+                      <a:pPr algn="ctr" latinLnBrk="1"/>
+                      <a:r>
+                        <a:rPr lang="en-US" altLang="ko-KR" sz="1000" dirty="0">
+                          <a:solidFill>
+                            <a:schemeClr val="tx1"/>
+                          </a:solidFill>
+                        </a:rPr>
+                        <a:t>2020-02-11</a:t>
+                      </a:r>
+                      <a:endParaRPr lang="ko-KR" altLang="en-US" sz="1000" dirty="0">
+                        <a:solidFill>
+                          <a:schemeClr val="tx1"/>
+                        </a:solidFill>
+                      </a:endParaRPr>
+                    </a:p>
+                  </a:txBody>
+                  <a:tcPr anchor="ctr">
+                    <a:lnL w="12700" cap="flat" cmpd="sng" algn="ctr">
+                      <a:solidFill>
+                        <a:schemeClr val="tx1"/>
+                      </a:solidFill>
+                      <a:prstDash val="solid"/>
+                      <a:round/>
+                      <a:headEnd type="none" w="med" len="med"/>
+                      <a:tailEnd type="none" w="med" len="med"/>
+                    </a:lnL>
+                    <a:lnR w="12700" cap="flat" cmpd="sng" algn="ctr">
+                      <a:solidFill>
+                        <a:schemeClr val="tx1"/>
+                      </a:solidFill>
+                      <a:prstDash val="solid"/>
+                      <a:round/>
+                      <a:headEnd type="none" w="med" len="med"/>
+                      <a:tailEnd type="none" w="med" len="med"/>
+                    </a:lnR>
+                    <a:lnT w="12700" cap="flat" cmpd="sng" algn="ctr">
+                      <a:solidFill>
+                        <a:schemeClr val="tx1"/>
+                      </a:solidFill>
+                      <a:prstDash val="solid"/>
+                      <a:round/>
+                      <a:headEnd type="none" w="med" len="med"/>
+                      <a:tailEnd type="none" w="med" len="med"/>
+                    </a:lnT>
+                    <a:lnB w="12700" cap="flat" cmpd="sng" algn="ctr">
+                      <a:solidFill>
+                        <a:schemeClr val="tx1"/>
+                      </a:solidFill>
+                      <a:prstDash val="solid"/>
+                      <a:round/>
+                      <a:headEnd type="none" w="med" len="med"/>
+                      <a:tailEnd type="none" w="med" len="med"/>
+                    </a:lnB>
+                    <a:solidFill>
+                      <a:schemeClr val="bg1"/>
+                    </a:solidFill>
+                  </a:tcPr>
+                </a:tc>
+                <a:extLst>
+                  <a:ext uri="{0D108BD9-81ED-4DB2-BD59-A6C34878D82A}">
+                    <a16:rowId xmlns="" xmlns:a16="http://schemas.microsoft.com/office/drawing/2014/main" val="815852332"/>
+                  </a:ext>
+                </a:extLst>
+              </a:tr>
+              <a:tr h="473043">
+                <a:tc>
+                  <a:txBody>
+                    <a:bodyPr/>
+                    <a:lstStyle/>
+                    <a:p>
+                      <a:pPr algn="ctr" latinLnBrk="1"/>
+                      <a:endParaRPr lang="ko-KR" altLang="en-US" sz="1500">
+                        <a:solidFill>
+                          <a:schemeClr val="tx1"/>
+                        </a:solidFill>
+                      </a:endParaRPr>
+                    </a:p>
+                  </a:txBody>
+                  <a:tcPr anchor="ctr">
+                    <a:lnL w="12700" cap="flat" cmpd="sng" algn="ctr">
+                      <a:solidFill>
+                        <a:schemeClr val="tx1"/>
+                      </a:solidFill>
+                      <a:prstDash val="solid"/>
+                      <a:round/>
+                      <a:headEnd type="none" w="med" len="med"/>
+                      <a:tailEnd type="none" w="med" len="med"/>
+                    </a:lnL>
+                    <a:lnR w="12700" cap="flat" cmpd="sng" algn="ctr">
+                      <a:solidFill>
+                        <a:schemeClr val="tx1"/>
+                      </a:solidFill>
+                      <a:prstDash val="solid"/>
+                      <a:round/>
+                      <a:headEnd type="none" w="med" len="med"/>
+                      <a:tailEnd type="none" w="med" len="med"/>
+                    </a:lnR>
+                    <a:lnT w="12700" cap="flat" cmpd="sng" algn="ctr">
+                      <a:solidFill>
+                        <a:schemeClr val="tx1"/>
+                      </a:solidFill>
+                      <a:prstDash val="solid"/>
+                      <a:round/>
+                      <a:headEnd type="none" w="med" len="med"/>
+                      <a:tailEnd type="none" w="med" len="med"/>
+                    </a:lnT>
+                    <a:lnB w="12700" cap="flat" cmpd="sng" algn="ctr">
+                      <a:solidFill>
+                        <a:schemeClr val="tx1"/>
+                      </a:solidFill>
+                      <a:prstDash val="solid"/>
+                      <a:round/>
+                      <a:headEnd type="none" w="med" len="med"/>
+                      <a:tailEnd type="none" w="med" len="med"/>
+                    </a:lnB>
+                    <a:solidFill>
+                      <a:schemeClr val="bg1"/>
+                    </a:solidFill>
+                  </a:tcPr>
+                </a:tc>
+                <a:tc>
+                  <a:txBody>
+                    <a:bodyPr/>
+                    <a:lstStyle/>
+                    <a:p>
+                      <a:pPr algn="ctr" latinLnBrk="1"/>
+                      <a:r>
+                        <a:rPr lang="ko-KR" altLang="en-US" sz="1000" dirty="0">
+                          <a:solidFill>
+                            <a:schemeClr val="tx1"/>
+                          </a:solidFill>
+                        </a:rPr>
+                        <a:t>불건전내용</a:t>
+                      </a:r>
+                      <a:r>
+                        <a:rPr lang="en-US" altLang="ko-KR" sz="1000" dirty="0">
+                          <a:solidFill>
+                            <a:schemeClr val="tx1"/>
+                          </a:solidFill>
+                        </a:rPr>
+                        <a:t>(</a:t>
+                      </a:r>
+                      <a:r>
+                        <a:rPr lang="ko-KR" altLang="en-US" sz="1000" dirty="0">
+                          <a:solidFill>
+                            <a:schemeClr val="tx1"/>
+                          </a:solidFill>
+                        </a:rPr>
+                        <a:t>욕설등</a:t>
+                      </a:r>
+                      <a:r>
+                        <a:rPr lang="en-US" altLang="ko-KR" sz="1000" dirty="0">
+                          <a:solidFill>
+                            <a:schemeClr val="tx1"/>
+                          </a:solidFill>
+                        </a:rPr>
+                        <a:t>)</a:t>
+                      </a:r>
+                      <a:endParaRPr lang="ko-KR" altLang="en-US" sz="1000" dirty="0">
+                        <a:solidFill>
+                          <a:schemeClr val="tx1"/>
+                        </a:solidFill>
+                      </a:endParaRPr>
+                    </a:p>
+                  </a:txBody>
+                  <a:tcPr anchor="ctr">
+                    <a:lnL w="12700" cap="flat" cmpd="sng" algn="ctr">
+                      <a:solidFill>
+                        <a:schemeClr val="tx1"/>
+                      </a:solidFill>
+                      <a:prstDash val="solid"/>
+                      <a:round/>
+                      <a:headEnd type="none" w="med" len="med"/>
+                      <a:tailEnd type="none" w="med" len="med"/>
+                    </a:lnL>
+                    <a:lnR w="12700" cap="flat" cmpd="sng" algn="ctr">
+                      <a:solidFill>
+                        <a:schemeClr val="tx1"/>
+                      </a:solidFill>
+                      <a:prstDash val="solid"/>
+                      <a:round/>
+                      <a:headEnd type="none" w="med" len="med"/>
+                      <a:tailEnd type="none" w="med" len="med"/>
+                    </a:lnR>
+                    <a:lnT w="12700" cap="flat" cmpd="sng" algn="ctr">
+                      <a:solidFill>
+                        <a:schemeClr val="tx1"/>
+                      </a:solidFill>
+                      <a:prstDash val="solid"/>
+                      <a:round/>
+                      <a:headEnd type="none" w="med" len="med"/>
+                      <a:tailEnd type="none" w="med" len="med"/>
+                    </a:lnT>
+                    <a:lnB w="12700" cap="flat" cmpd="sng" algn="ctr">
+                      <a:solidFill>
+                        <a:schemeClr val="tx1"/>
+                      </a:solidFill>
+                      <a:prstDash val="solid"/>
+                      <a:round/>
+                      <a:headEnd type="none" w="med" len="med"/>
+                      <a:tailEnd type="none" w="med" len="med"/>
+                    </a:lnB>
+                    <a:solidFill>
+                      <a:schemeClr val="bg1"/>
+                    </a:solidFill>
+                  </a:tcPr>
+                </a:tc>
+                <a:tc>
+                  <a:txBody>
+                    <a:bodyPr/>
+                    <a:lstStyle/>
+                    <a:p>
+                      <a:pPr algn="ctr" latinLnBrk="1"/>
+                      <a:r>
+                        <a:rPr lang="en-US" altLang="ko-KR" sz="1000" dirty="0">
+                          <a:solidFill>
+                            <a:schemeClr val="tx1"/>
+                          </a:solidFill>
+                        </a:rPr>
+                        <a:t>dydtmd6565</a:t>
+                      </a:r>
+                      <a:endParaRPr lang="ko-KR" altLang="en-US" sz="1000" dirty="0">
+                        <a:solidFill>
+                          <a:schemeClr val="tx1"/>
+                        </a:solidFill>
+                      </a:endParaRPr>
+                    </a:p>
+                  </a:txBody>
+                  <a:tcPr anchor="ctr">
+                    <a:lnL w="12700" cap="flat" cmpd="sng" algn="ctr">
+                      <a:solidFill>
+                        <a:schemeClr val="tx1"/>
+                      </a:solidFill>
+                      <a:prstDash val="solid"/>
+                      <a:round/>
+                      <a:headEnd type="none" w="med" len="med"/>
+                      <a:tailEnd type="none" w="med" len="med"/>
+                    </a:lnL>
+                    <a:lnR w="12700" cap="flat" cmpd="sng" algn="ctr">
+                      <a:solidFill>
+                        <a:schemeClr val="tx1"/>
+                      </a:solidFill>
+                      <a:prstDash val="solid"/>
+                      <a:round/>
+                      <a:headEnd type="none" w="med" len="med"/>
+                      <a:tailEnd type="none" w="med" len="med"/>
+                    </a:lnR>
+                    <a:lnT w="12700" cap="flat" cmpd="sng" algn="ctr">
+                      <a:solidFill>
+                        <a:schemeClr val="tx1"/>
+                      </a:solidFill>
+                      <a:prstDash val="solid"/>
+                      <a:round/>
+                      <a:headEnd type="none" w="med" len="med"/>
+                      <a:tailEnd type="none" w="med" len="med"/>
+                    </a:lnT>
+                    <a:lnB w="12700" cap="flat" cmpd="sng" algn="ctr">
+                      <a:solidFill>
+                        <a:schemeClr val="tx1"/>
+                      </a:solidFill>
+                      <a:prstDash val="solid"/>
+                      <a:round/>
+                      <a:headEnd type="none" w="med" len="med"/>
+                      <a:tailEnd type="none" w="med" len="med"/>
+                    </a:lnB>
+                    <a:solidFill>
+                      <a:schemeClr val="bg1"/>
+                    </a:solidFill>
+                  </a:tcPr>
+                </a:tc>
+                <a:tc>
+                  <a:txBody>
+                    <a:bodyPr/>
+                    <a:lstStyle/>
+                    <a:p>
+                      <a:pPr algn="ctr" latinLnBrk="1"/>
+                      <a:r>
+                        <a:rPr lang="ko-KR" altLang="en-US" sz="1000" dirty="0">
+                          <a:solidFill>
+                            <a:schemeClr val="tx1"/>
+                          </a:solidFill>
+                        </a:rPr>
+                        <a:t>욕설 회원 제재 바랍니다</a:t>
+                      </a:r>
+                    </a:p>
+                  </a:txBody>
+                  <a:tcPr anchor="ctr">
+                    <a:lnL w="12700" cap="flat" cmpd="sng" algn="ctr">
+                      <a:solidFill>
+                        <a:schemeClr val="tx1"/>
+                      </a:solidFill>
+                      <a:prstDash val="solid"/>
+                      <a:round/>
+                      <a:headEnd type="none" w="med" len="med"/>
+                      <a:tailEnd type="none" w="med" len="med"/>
+                    </a:lnL>
+                    <a:lnR w="12700" cap="flat" cmpd="sng" algn="ctr">
+                      <a:solidFill>
+                        <a:schemeClr val="tx1"/>
+                      </a:solidFill>
+                      <a:prstDash val="solid"/>
+                      <a:round/>
+                      <a:headEnd type="none" w="med" len="med"/>
+                      <a:tailEnd type="none" w="med" len="med"/>
+                    </a:lnR>
+                    <a:lnT w="12700" cap="flat" cmpd="sng" algn="ctr">
+                      <a:solidFill>
+                        <a:schemeClr val="tx1"/>
+                      </a:solidFill>
+                      <a:prstDash val="solid"/>
+                      <a:round/>
+                      <a:headEnd type="none" w="med" len="med"/>
+                      <a:tailEnd type="none" w="med" len="med"/>
+                    </a:lnT>
+                    <a:lnB w="12700" cap="flat" cmpd="sng" algn="ctr">
+                      <a:solidFill>
+                        <a:schemeClr val="tx1"/>
+                      </a:solidFill>
+                      <a:prstDash val="solid"/>
+                      <a:round/>
+                      <a:headEnd type="none" w="med" len="med"/>
+                      <a:tailEnd type="none" w="med" len="med"/>
+                    </a:lnB>
+                    <a:solidFill>
+                      <a:schemeClr val="bg1"/>
+                    </a:solidFill>
+                  </a:tcPr>
+                </a:tc>
+                <a:tc>
+                  <a:txBody>
+                    <a:bodyPr/>
+                    <a:lstStyle/>
+                    <a:p>
+                      <a:pPr algn="ctr" latinLnBrk="1"/>
+                      <a:r>
+                        <a:rPr lang="ko-KR" altLang="en-US" sz="1000" dirty="0">
+                          <a:solidFill>
+                            <a:schemeClr val="tx1"/>
+                          </a:solidFill>
+                        </a:rPr>
+                        <a:t>처리중</a:t>
+                      </a:r>
+                      <a:endParaRPr lang="en-US" altLang="ko-KR" sz="1000" dirty="0">
+                        <a:solidFill>
+                          <a:schemeClr val="tx1"/>
+                        </a:solidFill>
+                      </a:endParaRPr>
+                    </a:p>
+                    <a:p>
+                      <a:pPr algn="ctr" latinLnBrk="1"/>
+                      <a:r>
+                        <a:rPr lang="ko-KR" altLang="en-US" sz="800" dirty="0">
+                          <a:solidFill>
+                            <a:schemeClr val="tx1"/>
+                          </a:solidFill>
+                        </a:rPr>
+                        <a:t>담당자 </a:t>
+                      </a:r>
+                      <a:r>
+                        <a:rPr lang="en-US" altLang="ko-KR" sz="800" dirty="0">
+                          <a:solidFill>
+                            <a:schemeClr val="tx1"/>
+                          </a:solidFill>
+                        </a:rPr>
+                        <a:t>: </a:t>
+                      </a:r>
+                      <a:r>
+                        <a:rPr lang="ko-KR" altLang="en-US" sz="800" dirty="0">
+                          <a:solidFill>
+                            <a:schemeClr val="tx1"/>
+                          </a:solidFill>
+                        </a:rPr>
+                        <a:t>김길동</a:t>
+                      </a:r>
+                    </a:p>
+                  </a:txBody>
+                  <a:tcPr anchor="ctr">
+                    <a:lnL w="12700" cap="flat" cmpd="sng" algn="ctr">
+                      <a:solidFill>
+                        <a:schemeClr val="tx1"/>
+                      </a:solidFill>
+                      <a:prstDash val="solid"/>
+                      <a:round/>
+                      <a:headEnd type="none" w="med" len="med"/>
+                      <a:tailEnd type="none" w="med" len="med"/>
+                    </a:lnL>
+                    <a:lnR w="12700" cap="flat" cmpd="sng" algn="ctr">
+                      <a:solidFill>
+                        <a:schemeClr val="tx1"/>
+                      </a:solidFill>
+                      <a:prstDash val="solid"/>
+                      <a:round/>
+                      <a:headEnd type="none" w="med" len="med"/>
+                      <a:tailEnd type="none" w="med" len="med"/>
+                    </a:lnR>
+                    <a:lnT w="12700" cap="flat" cmpd="sng" algn="ctr">
+                      <a:solidFill>
+                        <a:schemeClr val="tx1"/>
+                      </a:solidFill>
+                      <a:prstDash val="solid"/>
+                      <a:round/>
+                      <a:headEnd type="none" w="med" len="med"/>
+                      <a:tailEnd type="none" w="med" len="med"/>
+                    </a:lnT>
+                    <a:lnB w="12700" cap="flat" cmpd="sng" algn="ctr">
+                      <a:solidFill>
+                        <a:schemeClr val="tx1"/>
+                      </a:solidFill>
+                      <a:prstDash val="solid"/>
+                      <a:round/>
+                      <a:headEnd type="none" w="med" len="med"/>
+                      <a:tailEnd type="none" w="med" len="med"/>
+                    </a:lnB>
+                    <a:solidFill>
+                      <a:schemeClr val="bg1"/>
+                    </a:solidFill>
+                  </a:tcPr>
+                </a:tc>
+                <a:tc>
+                  <a:txBody>
+                    <a:bodyPr/>
+                    <a:lstStyle/>
+                    <a:p>
+                      <a:pPr algn="ctr" latinLnBrk="1"/>
+                      <a:r>
+                        <a:rPr lang="en-US" altLang="ko-KR" sz="1000" dirty="0">
+                          <a:solidFill>
+                            <a:schemeClr val="tx1"/>
+                          </a:solidFill>
+                        </a:rPr>
+                        <a:t>2020-01-22</a:t>
+                      </a:r>
+                      <a:endParaRPr lang="ko-KR" altLang="en-US" sz="1000" dirty="0">
+                        <a:solidFill>
+                          <a:schemeClr val="tx1"/>
+                        </a:solidFill>
+                      </a:endParaRPr>
+                    </a:p>
+                  </a:txBody>
+                  <a:tcPr anchor="ctr">
+                    <a:lnL w="12700" cap="flat" cmpd="sng" algn="ctr">
+                      <a:solidFill>
+                        <a:schemeClr val="tx1"/>
+                      </a:solidFill>
+                      <a:prstDash val="solid"/>
+                      <a:round/>
+                      <a:headEnd type="none" w="med" len="med"/>
+                      <a:tailEnd type="none" w="med" len="med"/>
+                    </a:lnL>
+                    <a:lnR w="12700" cap="flat" cmpd="sng" algn="ctr">
+                      <a:solidFill>
+                        <a:schemeClr val="tx1"/>
+                      </a:solidFill>
+                      <a:prstDash val="solid"/>
+                      <a:round/>
+                      <a:headEnd type="none" w="med" len="med"/>
+                      <a:tailEnd type="none" w="med" len="med"/>
+                    </a:lnR>
+                    <a:lnT w="12700" cap="flat" cmpd="sng" algn="ctr">
+                      <a:solidFill>
+                        <a:schemeClr val="tx1"/>
+                      </a:solidFill>
+                      <a:prstDash val="solid"/>
+                      <a:round/>
+                      <a:headEnd type="none" w="med" len="med"/>
+                      <a:tailEnd type="none" w="med" len="med"/>
+                    </a:lnT>
+                    <a:lnB w="12700" cap="flat" cmpd="sng" algn="ctr">
+                      <a:solidFill>
+                        <a:schemeClr val="tx1"/>
+                      </a:solidFill>
+                      <a:prstDash val="solid"/>
+                      <a:round/>
+                      <a:headEnd type="none" w="med" len="med"/>
+                      <a:tailEnd type="none" w="med" len="med"/>
+                    </a:lnB>
+                    <a:solidFill>
+                      <a:schemeClr val="bg1"/>
+                    </a:solidFill>
+                  </a:tcPr>
+                </a:tc>
+                <a:extLst>
+                  <a:ext uri="{0D108BD9-81ED-4DB2-BD59-A6C34878D82A}">
+                    <a16:rowId xmlns="" xmlns:a16="http://schemas.microsoft.com/office/drawing/2014/main" val="192914674"/>
+                  </a:ext>
+                </a:extLst>
+              </a:tr>
+              <a:tr h="473043">
+                <a:tc>
+                  <a:txBody>
+                    <a:bodyPr/>
+                    <a:lstStyle/>
+                    <a:p>
+                      <a:pPr algn="ctr" latinLnBrk="1"/>
+                      <a:endParaRPr lang="ko-KR" altLang="en-US" sz="1500">
+                        <a:solidFill>
+                          <a:schemeClr val="tx1"/>
+                        </a:solidFill>
+                      </a:endParaRPr>
+                    </a:p>
+                  </a:txBody>
+                  <a:tcPr anchor="ctr">
+                    <a:lnL w="12700" cap="flat" cmpd="sng" algn="ctr">
+                      <a:solidFill>
+                        <a:schemeClr val="tx1"/>
+                      </a:solidFill>
+                      <a:prstDash val="solid"/>
+                      <a:round/>
+                      <a:headEnd type="none" w="med" len="med"/>
+                      <a:tailEnd type="none" w="med" len="med"/>
+                    </a:lnL>
+                    <a:lnR w="12700" cap="flat" cmpd="sng" algn="ctr">
+                      <a:solidFill>
+                        <a:schemeClr val="tx1"/>
+                      </a:solidFill>
+                      <a:prstDash val="solid"/>
+                      <a:round/>
+                      <a:headEnd type="none" w="med" len="med"/>
+                      <a:tailEnd type="none" w="med" len="med"/>
+                    </a:lnR>
+                    <a:lnT w="12700" cap="flat" cmpd="sng" algn="ctr">
+                      <a:solidFill>
+                        <a:schemeClr val="tx1"/>
+                      </a:solidFill>
+                      <a:prstDash val="solid"/>
+                      <a:round/>
+                      <a:headEnd type="none" w="med" len="med"/>
+                      <a:tailEnd type="none" w="med" len="med"/>
+                    </a:lnT>
+                    <a:lnB w="12700" cap="flat" cmpd="sng" algn="ctr">
+                      <a:solidFill>
+                        <a:schemeClr val="tx1"/>
+                      </a:solidFill>
+                      <a:prstDash val="solid"/>
+                      <a:round/>
+                      <a:headEnd type="none" w="med" len="med"/>
+                      <a:tailEnd type="none" w="med" len="med"/>
+                    </a:lnB>
+                    <a:solidFill>
+                      <a:schemeClr val="bg1"/>
+                    </a:solidFill>
+                  </a:tcPr>
+                </a:tc>
+                <a:tc>
+                  <a:txBody>
+                    <a:bodyPr/>
+                    <a:lstStyle/>
+                    <a:p>
+                      <a:pPr marL="0" marR="0" lvl="0" indent="0" algn="ctr" defTabSz="914400" rtl="0" eaLnBrk="1" fontAlgn="auto" latinLnBrk="1" hangingPunct="1">
+                        <a:lnSpc>
+                          <a:spcPct val="100000"/>
+                        </a:lnSpc>
+                        <a:spcBef>
+                          <a:spcPts val="0"/>
+                        </a:spcBef>
+                        <a:spcAft>
+                          <a:spcPts val="0"/>
+                        </a:spcAft>
+                        <a:buClrTx/>
+                        <a:buSzTx/>
+                        <a:buFontTx/>
+                        <a:buNone/>
+                        <a:tabLst/>
+                        <a:defRPr/>
+                      </a:pPr>
+                      <a:r>
+                        <a:rPr lang="ko-KR" altLang="en-US" sz="1000" dirty="0">
+                          <a:solidFill>
+                            <a:schemeClr val="tx1"/>
+                          </a:solidFill>
+                        </a:rPr>
+                        <a:t>부적절 상품</a:t>
+                      </a:r>
+                    </a:p>
+                  </a:txBody>
+                  <a:tcPr anchor="ctr">
+                    <a:lnL w="12700" cap="flat" cmpd="sng" algn="ctr">
+                      <a:solidFill>
+                        <a:schemeClr val="tx1"/>
+                      </a:solidFill>
+                      <a:prstDash val="solid"/>
+                      <a:round/>
+                      <a:headEnd type="none" w="med" len="med"/>
+                      <a:tailEnd type="none" w="med" len="med"/>
+                    </a:lnL>
+                    <a:lnR w="12700" cap="flat" cmpd="sng" algn="ctr">
+                      <a:solidFill>
+                        <a:schemeClr val="tx1"/>
+                      </a:solidFill>
+                      <a:prstDash val="solid"/>
+                      <a:round/>
+                      <a:headEnd type="none" w="med" len="med"/>
+                      <a:tailEnd type="none" w="med" len="med"/>
+                    </a:lnR>
+                    <a:lnT w="12700" cap="flat" cmpd="sng" algn="ctr">
+                      <a:solidFill>
+                        <a:schemeClr val="tx1"/>
+                      </a:solidFill>
+                      <a:prstDash val="solid"/>
+                      <a:round/>
+                      <a:headEnd type="none" w="med" len="med"/>
+                      <a:tailEnd type="none" w="med" len="med"/>
+                    </a:lnT>
+                    <a:lnB w="12700" cap="flat" cmpd="sng" algn="ctr">
+                      <a:solidFill>
+                        <a:schemeClr val="tx1"/>
+                      </a:solidFill>
+                      <a:prstDash val="solid"/>
+                      <a:round/>
+                      <a:headEnd type="none" w="med" len="med"/>
+                      <a:tailEnd type="none" w="med" len="med"/>
+                    </a:lnB>
+                    <a:solidFill>
+                      <a:schemeClr val="bg1"/>
+                    </a:solidFill>
+                  </a:tcPr>
+                </a:tc>
+                <a:tc>
+                  <a:txBody>
+                    <a:bodyPr/>
+                    <a:lstStyle/>
+                    <a:p>
+                      <a:pPr algn="ctr" latinLnBrk="1"/>
+                      <a:r>
+                        <a:rPr lang="en-US" altLang="ko-KR" sz="1000" dirty="0">
+                          <a:solidFill>
+                            <a:schemeClr val="tx1"/>
+                          </a:solidFill>
+                        </a:rPr>
+                        <a:t>gudwns3533</a:t>
+                      </a:r>
+                      <a:endParaRPr lang="ko-KR" altLang="en-US" sz="1000" dirty="0">
+                        <a:solidFill>
+                          <a:schemeClr val="tx1"/>
+                        </a:solidFill>
+                      </a:endParaRPr>
+                    </a:p>
+                  </a:txBody>
+                  <a:tcPr anchor="ctr">
+                    <a:lnL w="12700" cap="flat" cmpd="sng" algn="ctr">
+                      <a:solidFill>
+                        <a:schemeClr val="tx1"/>
+                      </a:solidFill>
+                      <a:prstDash val="solid"/>
+                      <a:round/>
+                      <a:headEnd type="none" w="med" len="med"/>
+                      <a:tailEnd type="none" w="med" len="med"/>
+                    </a:lnL>
+                    <a:lnR w="12700" cap="flat" cmpd="sng" algn="ctr">
+                      <a:solidFill>
+                        <a:schemeClr val="tx1"/>
+                      </a:solidFill>
+                      <a:prstDash val="solid"/>
+                      <a:round/>
+                      <a:headEnd type="none" w="med" len="med"/>
+                      <a:tailEnd type="none" w="med" len="med"/>
+                    </a:lnR>
+                    <a:lnT w="12700" cap="flat" cmpd="sng" algn="ctr">
+                      <a:solidFill>
+                        <a:schemeClr val="tx1"/>
+                      </a:solidFill>
+                      <a:prstDash val="solid"/>
+                      <a:round/>
+                      <a:headEnd type="none" w="med" len="med"/>
+                      <a:tailEnd type="none" w="med" len="med"/>
+                    </a:lnT>
+                    <a:lnB w="12700" cap="flat" cmpd="sng" algn="ctr">
+                      <a:solidFill>
+                        <a:schemeClr val="tx1"/>
+                      </a:solidFill>
+                      <a:prstDash val="solid"/>
+                      <a:round/>
+                      <a:headEnd type="none" w="med" len="med"/>
+                      <a:tailEnd type="none" w="med" len="med"/>
+                    </a:lnB>
+                    <a:solidFill>
+                      <a:schemeClr val="bg1"/>
+                    </a:solidFill>
+                  </a:tcPr>
+                </a:tc>
+                <a:tc>
+                  <a:txBody>
+                    <a:bodyPr/>
+                    <a:lstStyle/>
+                    <a:p>
+                      <a:pPr marL="0" marR="0" lvl="0" indent="0" algn="ctr" defTabSz="914400" rtl="0" eaLnBrk="1" fontAlgn="auto" latinLnBrk="1" hangingPunct="1">
+                        <a:lnSpc>
+                          <a:spcPct val="100000"/>
+                        </a:lnSpc>
+                        <a:spcBef>
+                          <a:spcPts val="0"/>
+                        </a:spcBef>
+                        <a:spcAft>
+                          <a:spcPts val="0"/>
+                        </a:spcAft>
+                        <a:buClrTx/>
+                        <a:buSzTx/>
+                        <a:buFontTx/>
+                        <a:buNone/>
+                        <a:tabLst/>
+                        <a:defRPr/>
+                      </a:pPr>
+                      <a:r>
+                        <a:rPr lang="ko-KR" altLang="en-US" sz="1000" dirty="0">
+                          <a:solidFill>
+                            <a:schemeClr val="tx1"/>
+                          </a:solidFill>
+                        </a:rPr>
+                        <a:t>시험 족보 거래 신고합니다</a:t>
+                      </a:r>
+                    </a:p>
+                  </a:txBody>
+                  <a:tcPr anchor="ctr">
+                    <a:lnL w="12700" cap="flat" cmpd="sng" algn="ctr">
+                      <a:solidFill>
+                        <a:schemeClr val="tx1"/>
+                      </a:solidFill>
+                      <a:prstDash val="solid"/>
+                      <a:round/>
+                      <a:headEnd type="none" w="med" len="med"/>
+                      <a:tailEnd type="none" w="med" len="med"/>
+                    </a:lnL>
+                    <a:lnR w="12700" cap="flat" cmpd="sng" algn="ctr">
+                      <a:solidFill>
+                        <a:schemeClr val="tx1"/>
+                      </a:solidFill>
+                      <a:prstDash val="solid"/>
+                      <a:round/>
+                      <a:headEnd type="none" w="med" len="med"/>
+                      <a:tailEnd type="none" w="med" len="med"/>
+                    </a:lnR>
+                    <a:lnT w="12700" cap="flat" cmpd="sng" algn="ctr">
+                      <a:solidFill>
+                        <a:schemeClr val="tx1"/>
+                      </a:solidFill>
+                      <a:prstDash val="solid"/>
+                      <a:round/>
+                      <a:headEnd type="none" w="med" len="med"/>
+                      <a:tailEnd type="none" w="med" len="med"/>
+                    </a:lnT>
+                    <a:lnB w="12700" cap="flat" cmpd="sng" algn="ctr">
+                      <a:solidFill>
+                        <a:schemeClr val="tx1"/>
+                      </a:solidFill>
+                      <a:prstDash val="solid"/>
+                      <a:round/>
+                      <a:headEnd type="none" w="med" len="med"/>
+                      <a:tailEnd type="none" w="med" len="med"/>
+                    </a:lnB>
+                    <a:solidFill>
+                      <a:schemeClr val="bg1"/>
+                    </a:solidFill>
+                  </a:tcPr>
+                </a:tc>
+                <a:tc>
+                  <a:txBody>
+                    <a:bodyPr/>
+                    <a:lstStyle/>
+                    <a:p>
+                      <a:pPr algn="ctr" latinLnBrk="1"/>
+                      <a:r>
+                        <a:rPr lang="ko-KR" altLang="en-US" sz="1000" dirty="0">
+                          <a:solidFill>
+                            <a:schemeClr val="tx1"/>
+                          </a:solidFill>
+                        </a:rPr>
+                        <a:t>처리완료</a:t>
+                      </a:r>
+                    </a:p>
+                  </a:txBody>
+                  <a:tcPr anchor="ctr">
+                    <a:lnL w="12700" cap="flat" cmpd="sng" algn="ctr">
+                      <a:solidFill>
+                        <a:schemeClr val="tx1"/>
+                      </a:solidFill>
+                      <a:prstDash val="solid"/>
+                      <a:round/>
+                      <a:headEnd type="none" w="med" len="med"/>
+                      <a:tailEnd type="none" w="med" len="med"/>
+                    </a:lnL>
+                    <a:lnR w="12700" cap="flat" cmpd="sng" algn="ctr">
+                      <a:solidFill>
+                        <a:schemeClr val="tx1"/>
+                      </a:solidFill>
+                      <a:prstDash val="solid"/>
+                      <a:round/>
+                      <a:headEnd type="none" w="med" len="med"/>
+                      <a:tailEnd type="none" w="med" len="med"/>
+                    </a:lnR>
+                    <a:lnT w="12700" cap="flat" cmpd="sng" algn="ctr">
+                      <a:solidFill>
+                        <a:schemeClr val="tx1"/>
+                      </a:solidFill>
+                      <a:prstDash val="solid"/>
+                      <a:round/>
+                      <a:headEnd type="none" w="med" len="med"/>
+                      <a:tailEnd type="none" w="med" len="med"/>
+                    </a:lnT>
+                    <a:lnB w="12700" cap="flat" cmpd="sng" algn="ctr">
+                      <a:solidFill>
+                        <a:schemeClr val="tx1"/>
+                      </a:solidFill>
+                      <a:prstDash val="solid"/>
+                      <a:round/>
+                      <a:headEnd type="none" w="med" len="med"/>
+                      <a:tailEnd type="none" w="med" len="med"/>
+                    </a:lnB>
+                    <a:solidFill>
+                      <a:schemeClr val="bg1"/>
+                    </a:solidFill>
+                  </a:tcPr>
+                </a:tc>
+                <a:tc>
+                  <a:txBody>
+                    <a:bodyPr/>
+                    <a:lstStyle/>
+                    <a:p>
+                      <a:pPr algn="ctr" latinLnBrk="1"/>
+                      <a:r>
+                        <a:rPr lang="en-US" altLang="ko-KR" sz="1000" dirty="0">
+                          <a:solidFill>
+                            <a:schemeClr val="tx1"/>
+                          </a:solidFill>
+                        </a:rPr>
+                        <a:t>2020-01-18</a:t>
+                      </a:r>
+                      <a:endParaRPr lang="ko-KR" altLang="en-US" sz="1000" dirty="0">
+                        <a:solidFill>
+                          <a:schemeClr val="tx1"/>
+                        </a:solidFill>
+                      </a:endParaRPr>
+                    </a:p>
+                  </a:txBody>
+                  <a:tcPr anchor="ctr">
+                    <a:lnL w="12700" cap="flat" cmpd="sng" algn="ctr">
+                      <a:solidFill>
+                        <a:schemeClr val="tx1"/>
+                      </a:solidFill>
+                      <a:prstDash val="solid"/>
+                      <a:round/>
+                      <a:headEnd type="none" w="med" len="med"/>
+                      <a:tailEnd type="none" w="med" len="med"/>
+                    </a:lnL>
+                    <a:lnR w="12700" cap="flat" cmpd="sng" algn="ctr">
+                      <a:solidFill>
+                        <a:schemeClr val="tx1"/>
+                      </a:solidFill>
+                      <a:prstDash val="solid"/>
+                      <a:round/>
+                      <a:headEnd type="none" w="med" len="med"/>
+                      <a:tailEnd type="none" w="med" len="med"/>
+                    </a:lnR>
+                    <a:lnT w="12700" cap="flat" cmpd="sng" algn="ctr">
+                      <a:solidFill>
+                        <a:schemeClr val="tx1"/>
+                      </a:solidFill>
+                      <a:prstDash val="solid"/>
+                      <a:round/>
+                      <a:headEnd type="none" w="med" len="med"/>
+                      <a:tailEnd type="none" w="med" len="med"/>
+                    </a:lnT>
+                    <a:lnB w="12700" cap="flat" cmpd="sng" algn="ctr">
+                      <a:solidFill>
+                        <a:schemeClr val="tx1"/>
+                      </a:solidFill>
+                      <a:prstDash val="solid"/>
+                      <a:round/>
+                      <a:headEnd type="none" w="med" len="med"/>
+                      <a:tailEnd type="none" w="med" len="med"/>
+                    </a:lnB>
+                    <a:solidFill>
+                      <a:schemeClr val="bg1"/>
+                    </a:solidFill>
+                  </a:tcPr>
+                </a:tc>
+                <a:extLst>
+                  <a:ext uri="{0D108BD9-81ED-4DB2-BD59-A6C34878D82A}">
+                    <a16:rowId xmlns="" xmlns:a16="http://schemas.microsoft.com/office/drawing/2014/main" val="1988899687"/>
+                  </a:ext>
+                </a:extLst>
+              </a:tr>
+              <a:tr h="473043">
+                <a:tc>
+                  <a:txBody>
+                    <a:bodyPr/>
+                    <a:lstStyle/>
+                    <a:p>
+                      <a:pPr algn="ctr" latinLnBrk="1"/>
+                      <a:endParaRPr lang="ko-KR" altLang="en-US" sz="1500">
+                        <a:solidFill>
+                          <a:schemeClr val="tx1"/>
+                        </a:solidFill>
+                      </a:endParaRPr>
+                    </a:p>
+                  </a:txBody>
+                  <a:tcPr anchor="ctr">
+                    <a:lnL w="12700" cap="flat" cmpd="sng" algn="ctr">
+                      <a:solidFill>
+                        <a:schemeClr val="tx1"/>
+                      </a:solidFill>
+                      <a:prstDash val="solid"/>
+                      <a:round/>
+                      <a:headEnd type="none" w="med" len="med"/>
+                      <a:tailEnd type="none" w="med" len="med"/>
+                    </a:lnL>
+                    <a:lnR w="12700" cap="flat" cmpd="sng" algn="ctr">
+                      <a:solidFill>
+                        <a:schemeClr val="tx1"/>
+                      </a:solidFill>
+                      <a:prstDash val="solid"/>
+                      <a:round/>
+                      <a:headEnd type="none" w="med" len="med"/>
+                      <a:tailEnd type="none" w="med" len="med"/>
+                    </a:lnR>
+                    <a:lnT w="12700" cap="flat" cmpd="sng" algn="ctr">
+                      <a:solidFill>
+                        <a:schemeClr val="tx1"/>
+                      </a:solidFill>
+                      <a:prstDash val="solid"/>
+                      <a:round/>
+                      <a:headEnd type="none" w="med" len="med"/>
+                      <a:tailEnd type="none" w="med" len="med"/>
+                    </a:lnT>
+                    <a:lnB w="12700" cap="flat" cmpd="sng" algn="ctr">
+                      <a:solidFill>
+                        <a:schemeClr val="tx1"/>
+                      </a:solidFill>
+                      <a:prstDash val="solid"/>
+                      <a:round/>
+                      <a:headEnd type="none" w="med" len="med"/>
+                      <a:tailEnd type="none" w="med" len="med"/>
+                    </a:lnB>
+                    <a:solidFill>
+                      <a:schemeClr val="bg1"/>
+                    </a:solidFill>
+                  </a:tcPr>
+                </a:tc>
+                <a:tc>
+                  <a:txBody>
+                    <a:bodyPr/>
+                    <a:lstStyle/>
+                    <a:p>
+                      <a:pPr marL="0" marR="0" lvl="0" indent="0" algn="ctr" defTabSz="914400" rtl="0" eaLnBrk="1" fontAlgn="auto" latinLnBrk="1" hangingPunct="1">
+                        <a:lnSpc>
+                          <a:spcPct val="100000"/>
+                        </a:lnSpc>
+                        <a:spcBef>
+                          <a:spcPts val="0"/>
+                        </a:spcBef>
+                        <a:spcAft>
+                          <a:spcPts val="0"/>
+                        </a:spcAft>
+                        <a:buClrTx/>
+                        <a:buSzTx/>
+                        <a:buFontTx/>
+                        <a:buNone/>
+                        <a:tabLst/>
+                        <a:defRPr/>
+                      </a:pPr>
+                      <a:r>
+                        <a:rPr lang="ko-KR" altLang="en-US" sz="1000" dirty="0">
+                          <a:solidFill>
+                            <a:schemeClr val="tx1"/>
+                          </a:solidFill>
+                        </a:rPr>
+                        <a:t>불건전내용</a:t>
+                      </a:r>
+                      <a:r>
+                        <a:rPr lang="en-US" altLang="ko-KR" sz="1000" dirty="0">
+                          <a:solidFill>
+                            <a:schemeClr val="tx1"/>
+                          </a:solidFill>
+                        </a:rPr>
+                        <a:t>(</a:t>
+                      </a:r>
+                      <a:r>
+                        <a:rPr lang="ko-KR" altLang="en-US" sz="1000" dirty="0">
+                          <a:solidFill>
+                            <a:schemeClr val="tx1"/>
+                          </a:solidFill>
+                        </a:rPr>
+                        <a:t>욕설등</a:t>
+                      </a:r>
+                      <a:r>
+                        <a:rPr lang="en-US" altLang="ko-KR" sz="1000" dirty="0">
+                          <a:solidFill>
+                            <a:schemeClr val="tx1"/>
+                          </a:solidFill>
+                        </a:rPr>
+                        <a:t>)</a:t>
+                      </a:r>
+                      <a:endParaRPr lang="ko-KR" altLang="en-US" sz="1000" dirty="0">
+                        <a:solidFill>
+                          <a:schemeClr val="tx1"/>
+                        </a:solidFill>
+                      </a:endParaRPr>
+                    </a:p>
+                  </a:txBody>
+                  <a:tcPr anchor="ctr">
+                    <a:lnL w="12700" cap="flat" cmpd="sng" algn="ctr">
+                      <a:solidFill>
+                        <a:schemeClr val="tx1"/>
+                      </a:solidFill>
+                      <a:prstDash val="solid"/>
+                      <a:round/>
+                      <a:headEnd type="none" w="med" len="med"/>
+                      <a:tailEnd type="none" w="med" len="med"/>
+                    </a:lnL>
+                    <a:lnR w="12700" cap="flat" cmpd="sng" algn="ctr">
+                      <a:solidFill>
+                        <a:schemeClr val="tx1"/>
+                      </a:solidFill>
+                      <a:prstDash val="solid"/>
+                      <a:round/>
+                      <a:headEnd type="none" w="med" len="med"/>
+                      <a:tailEnd type="none" w="med" len="med"/>
+                    </a:lnR>
+                    <a:lnT w="12700" cap="flat" cmpd="sng" algn="ctr">
+                      <a:solidFill>
+                        <a:schemeClr val="tx1"/>
+                      </a:solidFill>
+                      <a:prstDash val="solid"/>
+                      <a:round/>
+                      <a:headEnd type="none" w="med" len="med"/>
+                      <a:tailEnd type="none" w="med" len="med"/>
+                    </a:lnT>
+                    <a:lnB w="12700" cap="flat" cmpd="sng" algn="ctr">
+                      <a:solidFill>
+                        <a:schemeClr val="tx1"/>
+                      </a:solidFill>
+                      <a:prstDash val="solid"/>
+                      <a:round/>
+                      <a:headEnd type="none" w="med" len="med"/>
+                      <a:tailEnd type="none" w="med" len="med"/>
+                    </a:lnB>
+                    <a:solidFill>
+                      <a:schemeClr val="bg1"/>
+                    </a:solidFill>
+                  </a:tcPr>
+                </a:tc>
+                <a:tc>
+                  <a:txBody>
+                    <a:bodyPr/>
+                    <a:lstStyle/>
+                    <a:p>
+                      <a:pPr algn="ctr" latinLnBrk="1"/>
+                      <a:r>
+                        <a:rPr lang="en-US" altLang="ko-KR" sz="1000" dirty="0">
+                          <a:solidFill>
+                            <a:schemeClr val="tx1"/>
+                          </a:solidFill>
+                        </a:rPr>
+                        <a:t>rlqja5253</a:t>
+                      </a:r>
+                      <a:endParaRPr lang="ko-KR" altLang="en-US" sz="1000" dirty="0">
+                        <a:solidFill>
+                          <a:schemeClr val="tx1"/>
+                        </a:solidFill>
+                      </a:endParaRPr>
+                    </a:p>
+                  </a:txBody>
+                  <a:tcPr anchor="ctr">
+                    <a:lnL w="12700" cap="flat" cmpd="sng" algn="ctr">
+                      <a:solidFill>
+                        <a:schemeClr val="tx1"/>
+                      </a:solidFill>
+                      <a:prstDash val="solid"/>
+                      <a:round/>
+                      <a:headEnd type="none" w="med" len="med"/>
+                      <a:tailEnd type="none" w="med" len="med"/>
+                    </a:lnL>
+                    <a:lnR w="12700" cap="flat" cmpd="sng" algn="ctr">
+                      <a:solidFill>
+                        <a:schemeClr val="tx1"/>
+                      </a:solidFill>
+                      <a:prstDash val="solid"/>
+                      <a:round/>
+                      <a:headEnd type="none" w="med" len="med"/>
+                      <a:tailEnd type="none" w="med" len="med"/>
+                    </a:lnR>
+                    <a:lnT w="12700" cap="flat" cmpd="sng" algn="ctr">
+                      <a:solidFill>
+                        <a:schemeClr val="tx1"/>
+                      </a:solidFill>
+                      <a:prstDash val="solid"/>
+                      <a:round/>
+                      <a:headEnd type="none" w="med" len="med"/>
+                      <a:tailEnd type="none" w="med" len="med"/>
+                    </a:lnT>
+                    <a:lnB w="12700" cap="flat" cmpd="sng" algn="ctr">
+                      <a:solidFill>
+                        <a:schemeClr val="tx1"/>
+                      </a:solidFill>
+                      <a:prstDash val="solid"/>
+                      <a:round/>
+                      <a:headEnd type="none" w="med" len="med"/>
+                      <a:tailEnd type="none" w="med" len="med"/>
+                    </a:lnB>
+                    <a:solidFill>
+                      <a:schemeClr val="bg1"/>
+                    </a:solidFill>
+                  </a:tcPr>
+                </a:tc>
+                <a:tc>
+                  <a:txBody>
+                    <a:bodyPr/>
+                    <a:lstStyle/>
+                    <a:p>
+                      <a:pPr algn="ctr" latinLnBrk="1"/>
+                      <a:r>
+                        <a:rPr lang="ko-KR" altLang="en-US" sz="1000" dirty="0">
+                          <a:solidFill>
+                            <a:schemeClr val="tx1"/>
+                          </a:solidFill>
+                        </a:rPr>
+                        <a:t>제공회원이 이상한 말을 하네요</a:t>
+                      </a:r>
+                      <a:r>
+                        <a:rPr lang="en-US" altLang="ko-KR" sz="1000" dirty="0">
+                          <a:solidFill>
+                            <a:schemeClr val="tx1"/>
+                          </a:solidFill>
+                        </a:rPr>
+                        <a:t>…</a:t>
+                      </a:r>
+                      <a:endParaRPr lang="ko-KR" altLang="en-US" sz="1000" dirty="0">
+                        <a:solidFill>
+                          <a:schemeClr val="tx1"/>
+                        </a:solidFill>
+                      </a:endParaRPr>
+                    </a:p>
+                  </a:txBody>
+                  <a:tcPr anchor="ctr">
+                    <a:lnL w="12700" cap="flat" cmpd="sng" algn="ctr">
+                      <a:solidFill>
+                        <a:schemeClr val="tx1"/>
+                      </a:solidFill>
+                      <a:prstDash val="solid"/>
+                      <a:round/>
+                      <a:headEnd type="none" w="med" len="med"/>
+                      <a:tailEnd type="none" w="med" len="med"/>
+                    </a:lnL>
+                    <a:lnR w="12700" cap="flat" cmpd="sng" algn="ctr">
+                      <a:solidFill>
+                        <a:schemeClr val="tx1"/>
+                      </a:solidFill>
+                      <a:prstDash val="solid"/>
+                      <a:round/>
+                      <a:headEnd type="none" w="med" len="med"/>
+                      <a:tailEnd type="none" w="med" len="med"/>
+                    </a:lnR>
+                    <a:lnT w="12700" cap="flat" cmpd="sng" algn="ctr">
+                      <a:solidFill>
+                        <a:schemeClr val="tx1"/>
+                      </a:solidFill>
+                      <a:prstDash val="solid"/>
+                      <a:round/>
+                      <a:headEnd type="none" w="med" len="med"/>
+                      <a:tailEnd type="none" w="med" len="med"/>
+                    </a:lnT>
+                    <a:lnB w="12700" cap="flat" cmpd="sng" algn="ctr">
+                      <a:solidFill>
+                        <a:schemeClr val="tx1"/>
+                      </a:solidFill>
+                      <a:prstDash val="solid"/>
+                      <a:round/>
+                      <a:headEnd type="none" w="med" len="med"/>
+                      <a:tailEnd type="none" w="med" len="med"/>
+                    </a:lnB>
+                    <a:solidFill>
+                      <a:schemeClr val="bg1"/>
+                    </a:solidFill>
+                  </a:tcPr>
+                </a:tc>
+                <a:tc>
+                  <a:txBody>
+                    <a:bodyPr/>
+                    <a:lstStyle/>
+                    <a:p>
+                      <a:pPr algn="ctr" latinLnBrk="1"/>
+                      <a:r>
+                        <a:rPr lang="ko-KR" altLang="en-US" sz="1000" dirty="0">
+                          <a:solidFill>
+                            <a:schemeClr val="tx1"/>
+                          </a:solidFill>
+                        </a:rPr>
+                        <a:t>처리중</a:t>
+                      </a:r>
+                      <a:endParaRPr lang="en-US" altLang="ko-KR" sz="1000" dirty="0">
+                        <a:solidFill>
+                          <a:schemeClr val="tx1"/>
+                        </a:solidFill>
+                      </a:endParaRPr>
+                    </a:p>
+                    <a:p>
+                      <a:pPr marL="0" marR="0" lvl="0" indent="0" algn="ctr" defTabSz="914400" rtl="0" eaLnBrk="1" fontAlgn="auto" latinLnBrk="1" hangingPunct="1">
+                        <a:lnSpc>
+                          <a:spcPct val="100000"/>
+                        </a:lnSpc>
+                        <a:spcBef>
+                          <a:spcPts val="0"/>
+                        </a:spcBef>
+                        <a:spcAft>
+                          <a:spcPts val="0"/>
+                        </a:spcAft>
+                        <a:buClrTx/>
+                        <a:buSzTx/>
+                        <a:buFontTx/>
+                        <a:buNone/>
+                        <a:tabLst/>
+                        <a:defRPr/>
+                      </a:pPr>
+                      <a:r>
+                        <a:rPr lang="ko-KR" altLang="en-US" sz="800" dirty="0">
+                          <a:solidFill>
+                            <a:schemeClr val="tx1"/>
+                          </a:solidFill>
+                        </a:rPr>
+                        <a:t>담당자 </a:t>
+                      </a:r>
+                      <a:r>
+                        <a:rPr lang="en-US" altLang="ko-KR" sz="800" dirty="0">
+                          <a:solidFill>
+                            <a:schemeClr val="tx1"/>
+                          </a:solidFill>
+                        </a:rPr>
+                        <a:t>: </a:t>
+                      </a:r>
+                      <a:r>
+                        <a:rPr lang="ko-KR" altLang="en-US" sz="800" dirty="0">
+                          <a:solidFill>
+                            <a:schemeClr val="tx1"/>
+                          </a:solidFill>
+                        </a:rPr>
+                        <a:t>박길동</a:t>
+                      </a:r>
+                    </a:p>
+                  </a:txBody>
+                  <a:tcPr anchor="ctr">
+                    <a:lnL w="12700" cap="flat" cmpd="sng" algn="ctr">
+                      <a:solidFill>
+                        <a:schemeClr val="tx1"/>
+                      </a:solidFill>
+                      <a:prstDash val="solid"/>
+                      <a:round/>
+                      <a:headEnd type="none" w="med" len="med"/>
+                      <a:tailEnd type="none" w="med" len="med"/>
+                    </a:lnL>
+                    <a:lnR w="12700" cap="flat" cmpd="sng" algn="ctr">
+                      <a:solidFill>
+                        <a:schemeClr val="tx1"/>
+                      </a:solidFill>
+                      <a:prstDash val="solid"/>
+                      <a:round/>
+                      <a:headEnd type="none" w="med" len="med"/>
+                      <a:tailEnd type="none" w="med" len="med"/>
+                    </a:lnR>
+                    <a:lnT w="12700" cap="flat" cmpd="sng" algn="ctr">
+                      <a:solidFill>
+                        <a:schemeClr val="tx1"/>
+                      </a:solidFill>
+                      <a:prstDash val="solid"/>
+                      <a:round/>
+                      <a:headEnd type="none" w="med" len="med"/>
+                      <a:tailEnd type="none" w="med" len="med"/>
+                    </a:lnT>
+                    <a:lnB w="12700" cap="flat" cmpd="sng" algn="ctr">
+                      <a:solidFill>
+                        <a:schemeClr val="tx1"/>
+                      </a:solidFill>
+                      <a:prstDash val="solid"/>
+                      <a:round/>
+                      <a:headEnd type="none" w="med" len="med"/>
+                      <a:tailEnd type="none" w="med" len="med"/>
+                    </a:lnB>
+                    <a:solidFill>
+                      <a:schemeClr val="bg1"/>
+                    </a:solidFill>
+                  </a:tcPr>
+                </a:tc>
+                <a:tc>
+                  <a:txBody>
+                    <a:bodyPr/>
+                    <a:lstStyle/>
+                    <a:p>
+                      <a:pPr marL="0" marR="0" lvl="0" indent="0" algn="ctr" defTabSz="914400" rtl="0" eaLnBrk="1" fontAlgn="auto" latinLnBrk="1" hangingPunct="1">
+                        <a:lnSpc>
+                          <a:spcPct val="100000"/>
+                        </a:lnSpc>
+                        <a:spcBef>
+                          <a:spcPts val="0"/>
+                        </a:spcBef>
+                        <a:spcAft>
+                          <a:spcPts val="0"/>
+                        </a:spcAft>
+                        <a:buClrTx/>
+                        <a:buSzTx/>
+                        <a:buFontTx/>
+                        <a:buNone/>
+                        <a:tabLst/>
+                        <a:defRPr/>
+                      </a:pPr>
+                      <a:r>
+                        <a:rPr lang="en-US" altLang="ko-KR" sz="1000" dirty="0">
+                          <a:solidFill>
+                            <a:schemeClr val="tx1"/>
+                          </a:solidFill>
+                        </a:rPr>
+                        <a:t>2020-01-12</a:t>
+                      </a:r>
+                      <a:endParaRPr lang="ko-KR" altLang="en-US" sz="1000" dirty="0">
+                        <a:solidFill>
+                          <a:schemeClr val="tx1"/>
+                        </a:solidFill>
+                      </a:endParaRPr>
+                    </a:p>
+                  </a:txBody>
+                  <a:tcPr anchor="ctr">
+                    <a:lnL w="12700" cap="flat" cmpd="sng" algn="ctr">
+                      <a:solidFill>
+                        <a:schemeClr val="tx1"/>
+                      </a:solidFill>
+                      <a:prstDash val="solid"/>
+                      <a:round/>
+                      <a:headEnd type="none" w="med" len="med"/>
+                      <a:tailEnd type="none" w="med" len="med"/>
+                    </a:lnL>
+                    <a:lnR w="12700" cap="flat" cmpd="sng" algn="ctr">
+                      <a:solidFill>
+                        <a:schemeClr val="tx1"/>
+                      </a:solidFill>
+                      <a:prstDash val="solid"/>
+                      <a:round/>
+                      <a:headEnd type="none" w="med" len="med"/>
+                      <a:tailEnd type="none" w="med" len="med"/>
+                    </a:lnR>
+                    <a:lnT w="12700" cap="flat" cmpd="sng" algn="ctr">
+                      <a:solidFill>
+                        <a:schemeClr val="tx1"/>
+                      </a:solidFill>
+                      <a:prstDash val="solid"/>
+                      <a:round/>
+                      <a:headEnd type="none" w="med" len="med"/>
+                      <a:tailEnd type="none" w="med" len="med"/>
+                    </a:lnT>
+                    <a:lnB w="12700" cap="flat" cmpd="sng" algn="ctr">
+                      <a:solidFill>
+                        <a:schemeClr val="tx1"/>
+                      </a:solidFill>
+                      <a:prstDash val="solid"/>
+                      <a:round/>
+                      <a:headEnd type="none" w="med" len="med"/>
+                      <a:tailEnd type="none" w="med" len="med"/>
+                    </a:lnB>
+                    <a:solidFill>
+                      <a:schemeClr val="bg1"/>
+                    </a:solidFill>
+                  </a:tcPr>
+                </a:tc>
+                <a:extLst>
+                  <a:ext uri="{0D108BD9-81ED-4DB2-BD59-A6C34878D82A}">
+                    <a16:rowId xmlns="" xmlns:a16="http://schemas.microsoft.com/office/drawing/2014/main" val="1871562174"/>
+                  </a:ext>
+                </a:extLst>
+              </a:tr>
+              <a:tr h="473043">
+                <a:tc>
+                  <a:txBody>
+                    <a:bodyPr/>
+                    <a:lstStyle/>
+                    <a:p>
+                      <a:pPr algn="ctr" latinLnBrk="1"/>
+                      <a:endParaRPr lang="ko-KR" altLang="en-US" sz="1500">
+                        <a:solidFill>
+                          <a:schemeClr val="tx1"/>
+                        </a:solidFill>
+                      </a:endParaRPr>
+                    </a:p>
+                  </a:txBody>
+                  <a:tcPr anchor="ctr">
+                    <a:lnL w="12700" cap="flat" cmpd="sng" algn="ctr">
+                      <a:solidFill>
+                        <a:schemeClr val="tx1"/>
+                      </a:solidFill>
+                      <a:prstDash val="solid"/>
+                      <a:round/>
+                      <a:headEnd type="none" w="med" len="med"/>
+                      <a:tailEnd type="none" w="med" len="med"/>
+                    </a:lnL>
+                    <a:lnR w="12700" cap="flat" cmpd="sng" algn="ctr">
+                      <a:solidFill>
+                        <a:schemeClr val="tx1"/>
+                      </a:solidFill>
+                      <a:prstDash val="solid"/>
+                      <a:round/>
+                      <a:headEnd type="none" w="med" len="med"/>
+                      <a:tailEnd type="none" w="med" len="med"/>
+                    </a:lnR>
+                    <a:lnT w="12700" cap="flat" cmpd="sng" algn="ctr">
+                      <a:solidFill>
+                        <a:schemeClr val="tx1"/>
+                      </a:solidFill>
+                      <a:prstDash val="solid"/>
+                      <a:round/>
+                      <a:headEnd type="none" w="med" len="med"/>
+                      <a:tailEnd type="none" w="med" len="med"/>
+                    </a:lnT>
+                    <a:lnB w="12700" cap="flat" cmpd="sng" algn="ctr">
+                      <a:solidFill>
+                        <a:schemeClr val="tx1"/>
+                      </a:solidFill>
+                      <a:prstDash val="solid"/>
+                      <a:round/>
+                      <a:headEnd type="none" w="med" len="med"/>
+                      <a:tailEnd type="none" w="med" len="med"/>
+                    </a:lnB>
+                    <a:solidFill>
+                      <a:schemeClr val="bg1"/>
+                    </a:solidFill>
+                  </a:tcPr>
+                </a:tc>
+                <a:tc>
+                  <a:txBody>
+                    <a:bodyPr/>
+                    <a:lstStyle/>
+                    <a:p>
+                      <a:pPr algn="ctr" latinLnBrk="1"/>
+                      <a:r>
+                        <a:rPr lang="en-US" altLang="ko-KR" sz="1000" dirty="0">
+                          <a:solidFill>
+                            <a:schemeClr val="tx1"/>
+                          </a:solidFill>
+                        </a:rPr>
+                        <a:t>qkrxodyd6455</a:t>
+                      </a:r>
+                      <a:endParaRPr lang="ko-KR" altLang="en-US" sz="1000" dirty="0">
+                        <a:solidFill>
+                          <a:schemeClr val="tx1"/>
+                        </a:solidFill>
+                      </a:endParaRPr>
+                    </a:p>
+                  </a:txBody>
+                  <a:tcPr anchor="ctr">
+                    <a:lnL w="12700" cap="flat" cmpd="sng" algn="ctr">
+                      <a:solidFill>
+                        <a:schemeClr val="tx1"/>
+                      </a:solidFill>
+                      <a:prstDash val="solid"/>
+                      <a:round/>
+                      <a:headEnd type="none" w="med" len="med"/>
+                      <a:tailEnd type="none" w="med" len="med"/>
+                    </a:lnL>
+                    <a:lnR w="12700" cap="flat" cmpd="sng" algn="ctr">
+                      <a:solidFill>
+                        <a:schemeClr val="tx1"/>
+                      </a:solidFill>
+                      <a:prstDash val="solid"/>
+                      <a:round/>
+                      <a:headEnd type="none" w="med" len="med"/>
+                      <a:tailEnd type="none" w="med" len="med"/>
+                    </a:lnR>
+                    <a:lnT w="12700" cap="flat" cmpd="sng" algn="ctr">
+                      <a:solidFill>
+                        <a:schemeClr val="tx1"/>
+                      </a:solidFill>
+                      <a:prstDash val="solid"/>
+                      <a:round/>
+                      <a:headEnd type="none" w="med" len="med"/>
+                      <a:tailEnd type="none" w="med" len="med"/>
+                    </a:lnT>
+                    <a:lnB w="12700" cap="flat" cmpd="sng" algn="ctr">
+                      <a:solidFill>
+                        <a:schemeClr val="tx1"/>
+                      </a:solidFill>
+                      <a:prstDash val="solid"/>
+                      <a:round/>
+                      <a:headEnd type="none" w="med" len="med"/>
+                      <a:tailEnd type="none" w="med" len="med"/>
+                    </a:lnB>
+                    <a:solidFill>
+                      <a:schemeClr val="bg1"/>
+                    </a:solidFill>
+                  </a:tcPr>
+                </a:tc>
+                <a:tc>
+                  <a:txBody>
+                    <a:bodyPr/>
+                    <a:lstStyle/>
+                    <a:p>
+                      <a:pPr algn="ctr" latinLnBrk="1"/>
+                      <a:r>
+                        <a:rPr lang="en-US" altLang="ko-KR" sz="1000" dirty="0">
+                          <a:solidFill>
+                            <a:schemeClr val="tx1"/>
+                          </a:solidFill>
+                        </a:rPr>
+                        <a:t>qkrxodyd6455</a:t>
+                      </a:r>
+                      <a:endParaRPr lang="ko-KR" altLang="en-US" sz="1000" dirty="0">
+                        <a:solidFill>
+                          <a:schemeClr val="tx1"/>
+                        </a:solidFill>
+                      </a:endParaRPr>
+                    </a:p>
+                  </a:txBody>
+                  <a:tcPr anchor="ctr">
+                    <a:lnL w="12700" cap="flat" cmpd="sng" algn="ctr">
+                      <a:solidFill>
+                        <a:schemeClr val="tx1"/>
+                      </a:solidFill>
+                      <a:prstDash val="solid"/>
+                      <a:round/>
+                      <a:headEnd type="none" w="med" len="med"/>
+                      <a:tailEnd type="none" w="med" len="med"/>
+                    </a:lnL>
+                    <a:lnR w="12700" cap="flat" cmpd="sng" algn="ctr">
+                      <a:solidFill>
+                        <a:schemeClr val="tx1"/>
+                      </a:solidFill>
+                      <a:prstDash val="solid"/>
+                      <a:round/>
+                      <a:headEnd type="none" w="med" len="med"/>
+                      <a:tailEnd type="none" w="med" len="med"/>
+                    </a:lnR>
+                    <a:lnT w="12700" cap="flat" cmpd="sng" algn="ctr">
+                      <a:solidFill>
+                        <a:schemeClr val="tx1"/>
+                      </a:solidFill>
+                      <a:prstDash val="solid"/>
+                      <a:round/>
+                      <a:headEnd type="none" w="med" len="med"/>
+                      <a:tailEnd type="none" w="med" len="med"/>
+                    </a:lnT>
+                    <a:lnB w="12700" cap="flat" cmpd="sng" algn="ctr">
+                      <a:solidFill>
+                        <a:schemeClr val="tx1"/>
+                      </a:solidFill>
+                      <a:prstDash val="solid"/>
+                      <a:round/>
+                      <a:headEnd type="none" w="med" len="med"/>
+                      <a:tailEnd type="none" w="med" len="med"/>
+                    </a:lnB>
+                    <a:solidFill>
+                      <a:schemeClr val="bg1"/>
+                    </a:solidFill>
+                  </a:tcPr>
+                </a:tc>
+                <a:tc>
+                  <a:txBody>
+                    <a:bodyPr/>
+                    <a:lstStyle/>
+                    <a:p>
+                      <a:pPr algn="ctr" latinLnBrk="1"/>
+                      <a:r>
+                        <a:rPr lang="ko-KR" altLang="en-US" sz="1000" dirty="0">
+                          <a:solidFill>
+                            <a:schemeClr val="tx1"/>
+                          </a:solidFill>
+                        </a:rPr>
+                        <a:t>제공 회원이 자기랑 따로 거래하자고</a:t>
+                      </a:r>
+                      <a:r>
+                        <a:rPr lang="en-US" altLang="ko-KR" sz="1000" dirty="0">
+                          <a:solidFill>
+                            <a:schemeClr val="tx1"/>
+                          </a:solidFill>
+                        </a:rPr>
+                        <a:t>..</a:t>
+                      </a:r>
+                      <a:endParaRPr lang="ko-KR" altLang="en-US" sz="1000" dirty="0">
+                        <a:solidFill>
+                          <a:schemeClr val="tx1"/>
+                        </a:solidFill>
+                      </a:endParaRPr>
+                    </a:p>
+                  </a:txBody>
+                  <a:tcPr anchor="ctr">
+                    <a:lnL w="12700" cap="flat" cmpd="sng" algn="ctr">
+                      <a:solidFill>
+                        <a:schemeClr val="tx1"/>
+                      </a:solidFill>
+                      <a:prstDash val="solid"/>
+                      <a:round/>
+                      <a:headEnd type="none" w="med" len="med"/>
+                      <a:tailEnd type="none" w="med" len="med"/>
+                    </a:lnL>
+                    <a:lnR w="12700" cap="flat" cmpd="sng" algn="ctr">
+                      <a:solidFill>
+                        <a:schemeClr val="tx1"/>
+                      </a:solidFill>
+                      <a:prstDash val="solid"/>
+                      <a:round/>
+                      <a:headEnd type="none" w="med" len="med"/>
+                      <a:tailEnd type="none" w="med" len="med"/>
+                    </a:lnR>
+                    <a:lnT w="12700" cap="flat" cmpd="sng" algn="ctr">
+                      <a:solidFill>
+                        <a:schemeClr val="tx1"/>
+                      </a:solidFill>
+                      <a:prstDash val="solid"/>
+                      <a:round/>
+                      <a:headEnd type="none" w="med" len="med"/>
+                      <a:tailEnd type="none" w="med" len="med"/>
+                    </a:lnT>
+                    <a:lnB w="12700" cap="flat" cmpd="sng" algn="ctr">
+                      <a:solidFill>
+                        <a:schemeClr val="tx1"/>
+                      </a:solidFill>
+                      <a:prstDash val="solid"/>
+                      <a:round/>
+                      <a:headEnd type="none" w="med" len="med"/>
+                      <a:tailEnd type="none" w="med" len="med"/>
+                    </a:lnB>
+                    <a:solidFill>
+                      <a:schemeClr val="bg1"/>
+                    </a:solidFill>
+                  </a:tcPr>
+                </a:tc>
+                <a:tc>
+                  <a:txBody>
+                    <a:bodyPr/>
+                    <a:lstStyle/>
+                    <a:p>
+                      <a:pPr algn="ctr" latinLnBrk="1"/>
+                      <a:r>
+                        <a:rPr lang="ko-KR" altLang="en-US" sz="1000" dirty="0">
+                          <a:solidFill>
+                            <a:schemeClr val="tx1"/>
+                          </a:solidFill>
+                        </a:rPr>
+                        <a:t>처리완료</a:t>
+                      </a:r>
+                    </a:p>
+                  </a:txBody>
+                  <a:tcPr anchor="ctr">
+                    <a:lnL w="12700" cap="flat" cmpd="sng" algn="ctr">
+                      <a:solidFill>
+                        <a:schemeClr val="tx1"/>
+                      </a:solidFill>
+                      <a:prstDash val="solid"/>
+                      <a:round/>
+                      <a:headEnd type="none" w="med" len="med"/>
+                      <a:tailEnd type="none" w="med" len="med"/>
+                    </a:lnL>
+                    <a:lnR w="12700" cap="flat" cmpd="sng" algn="ctr">
+                      <a:solidFill>
+                        <a:schemeClr val="tx1"/>
+                      </a:solidFill>
+                      <a:prstDash val="solid"/>
+                      <a:round/>
+                      <a:headEnd type="none" w="med" len="med"/>
+                      <a:tailEnd type="none" w="med" len="med"/>
+                    </a:lnR>
+                    <a:lnT w="12700" cap="flat" cmpd="sng" algn="ctr">
+                      <a:solidFill>
+                        <a:schemeClr val="tx1"/>
+                      </a:solidFill>
+                      <a:prstDash val="solid"/>
+                      <a:round/>
+                      <a:headEnd type="none" w="med" len="med"/>
+                      <a:tailEnd type="none" w="med" len="med"/>
+                    </a:lnT>
+                    <a:lnB w="12700" cap="flat" cmpd="sng" algn="ctr">
+                      <a:solidFill>
+                        <a:schemeClr val="tx1"/>
+                      </a:solidFill>
+                      <a:prstDash val="solid"/>
+                      <a:round/>
+                      <a:headEnd type="none" w="med" len="med"/>
+                      <a:tailEnd type="none" w="med" len="med"/>
+                    </a:lnB>
+                    <a:solidFill>
+                      <a:schemeClr val="bg1"/>
+                    </a:solidFill>
+                  </a:tcPr>
+                </a:tc>
+                <a:tc>
+                  <a:txBody>
+                    <a:bodyPr/>
+                    <a:lstStyle/>
+                    <a:p>
+                      <a:pPr algn="ctr" latinLnBrk="1"/>
+                      <a:r>
+                        <a:rPr lang="en-US" altLang="ko-KR" sz="1000" dirty="0">
+                          <a:solidFill>
+                            <a:schemeClr val="tx1"/>
+                          </a:solidFill>
+                        </a:rPr>
+                        <a:t>2020-01-03</a:t>
+                      </a:r>
+                      <a:endParaRPr lang="ko-KR" altLang="en-US" sz="1000" dirty="0">
+                        <a:solidFill>
+                          <a:schemeClr val="tx1"/>
+                        </a:solidFill>
+                      </a:endParaRPr>
+                    </a:p>
+                  </a:txBody>
+                  <a:tcPr anchor="ctr">
+                    <a:lnL w="12700" cap="flat" cmpd="sng" algn="ctr">
+                      <a:solidFill>
+                        <a:schemeClr val="tx1"/>
+                      </a:solidFill>
+                      <a:prstDash val="solid"/>
+                      <a:round/>
+                      <a:headEnd type="none" w="med" len="med"/>
+                      <a:tailEnd type="none" w="med" len="med"/>
+                    </a:lnL>
+                    <a:lnR w="12700" cap="flat" cmpd="sng" algn="ctr">
+                      <a:solidFill>
+                        <a:schemeClr val="tx1"/>
+                      </a:solidFill>
+                      <a:prstDash val="solid"/>
+                      <a:round/>
+                      <a:headEnd type="none" w="med" len="med"/>
+                      <a:tailEnd type="none" w="med" len="med"/>
+                    </a:lnR>
+                    <a:lnT w="12700" cap="flat" cmpd="sng" algn="ctr">
+                      <a:solidFill>
+                        <a:schemeClr val="tx1"/>
+                      </a:solidFill>
+                      <a:prstDash val="solid"/>
+                      <a:round/>
+                      <a:headEnd type="none" w="med" len="med"/>
+                      <a:tailEnd type="none" w="med" len="med"/>
+                    </a:lnT>
+                    <a:lnB w="12700" cap="flat" cmpd="sng" algn="ctr">
+                      <a:solidFill>
+                        <a:schemeClr val="tx1"/>
+                      </a:solidFill>
+                      <a:prstDash val="solid"/>
+                      <a:round/>
+                      <a:headEnd type="none" w="med" len="med"/>
+                      <a:tailEnd type="none" w="med" len="med"/>
+                    </a:lnB>
+                    <a:solidFill>
+                      <a:schemeClr val="bg1"/>
+                    </a:solidFill>
+                  </a:tcPr>
+                </a:tc>
+                <a:extLst>
+                  <a:ext uri="{0D108BD9-81ED-4DB2-BD59-A6C34878D82A}">
+                    <a16:rowId xmlns="" xmlns:a16="http://schemas.microsoft.com/office/drawing/2014/main" val="3385085095"/>
+                  </a:ext>
+                </a:extLst>
+              </a:tr>
+              <a:tr h="473043">
+                <a:tc>
+                  <a:txBody>
+                    <a:bodyPr/>
+                    <a:lstStyle/>
+                    <a:p>
+                      <a:pPr algn="ctr" latinLnBrk="1"/>
+                      <a:endParaRPr lang="ko-KR" altLang="en-US" sz="1500">
+                        <a:solidFill>
+                          <a:schemeClr val="tx1"/>
+                        </a:solidFill>
+                      </a:endParaRPr>
+                    </a:p>
+                  </a:txBody>
+                  <a:tcPr anchor="ctr">
+                    <a:lnL w="12700" cap="flat" cmpd="sng" algn="ctr">
+                      <a:solidFill>
+                        <a:schemeClr val="tx1"/>
+                      </a:solidFill>
+                      <a:prstDash val="solid"/>
+                      <a:round/>
+                      <a:headEnd type="none" w="med" len="med"/>
+                      <a:tailEnd type="none" w="med" len="med"/>
+                    </a:lnL>
+                    <a:lnR w="12700" cap="flat" cmpd="sng" algn="ctr">
+                      <a:solidFill>
+                        <a:schemeClr val="tx1"/>
+                      </a:solidFill>
+                      <a:prstDash val="solid"/>
+                      <a:round/>
+                      <a:headEnd type="none" w="med" len="med"/>
+                      <a:tailEnd type="none" w="med" len="med"/>
+                    </a:lnR>
+                    <a:lnT w="12700" cap="flat" cmpd="sng" algn="ctr">
+                      <a:solidFill>
+                        <a:schemeClr val="tx1"/>
+                      </a:solidFill>
+                      <a:prstDash val="solid"/>
+                      <a:round/>
+                      <a:headEnd type="none" w="med" len="med"/>
+                      <a:tailEnd type="none" w="med" len="med"/>
+                    </a:lnT>
+                    <a:lnB w="12700" cap="flat" cmpd="sng" algn="ctr">
+                      <a:solidFill>
+                        <a:schemeClr val="tx1"/>
+                      </a:solidFill>
+                      <a:prstDash val="solid"/>
+                      <a:round/>
+                      <a:headEnd type="none" w="med" len="med"/>
+                      <a:tailEnd type="none" w="med" len="med"/>
+                    </a:lnB>
+                    <a:solidFill>
+                      <a:schemeClr val="bg1"/>
+                    </a:solidFill>
+                  </a:tcPr>
+                </a:tc>
+                <a:tc>
+                  <a:txBody>
+                    <a:bodyPr/>
+                    <a:lstStyle/>
+                    <a:p>
+                      <a:pPr algn="ctr" latinLnBrk="1"/>
+                      <a:r>
+                        <a:rPr lang="ko-KR" altLang="en-US" sz="1000" dirty="0">
+                          <a:solidFill>
+                            <a:schemeClr val="tx1"/>
+                          </a:solidFill>
+                        </a:rPr>
+                        <a:t>허위 상품</a:t>
+                      </a:r>
+                    </a:p>
+                  </a:txBody>
+                  <a:tcPr anchor="ctr">
+                    <a:lnL w="12700" cap="flat" cmpd="sng" algn="ctr">
+                      <a:solidFill>
+                        <a:schemeClr val="tx1"/>
+                      </a:solidFill>
+                      <a:prstDash val="solid"/>
+                      <a:round/>
+                      <a:headEnd type="none" w="med" len="med"/>
+                      <a:tailEnd type="none" w="med" len="med"/>
+                    </a:lnL>
+                    <a:lnR w="12700" cap="flat" cmpd="sng" algn="ctr">
+                      <a:solidFill>
+                        <a:schemeClr val="tx1"/>
+                      </a:solidFill>
+                      <a:prstDash val="solid"/>
+                      <a:round/>
+                      <a:headEnd type="none" w="med" len="med"/>
+                      <a:tailEnd type="none" w="med" len="med"/>
+                    </a:lnR>
+                    <a:lnT w="12700" cap="flat" cmpd="sng" algn="ctr">
+                      <a:solidFill>
+                        <a:schemeClr val="tx1"/>
+                      </a:solidFill>
+                      <a:prstDash val="solid"/>
+                      <a:round/>
+                      <a:headEnd type="none" w="med" len="med"/>
+                      <a:tailEnd type="none" w="med" len="med"/>
+                    </a:lnT>
+                    <a:lnB w="12700" cap="flat" cmpd="sng" algn="ctr">
+                      <a:solidFill>
+                        <a:schemeClr val="tx1"/>
+                      </a:solidFill>
+                      <a:prstDash val="solid"/>
+                      <a:round/>
+                      <a:headEnd type="none" w="med" len="med"/>
+                      <a:tailEnd type="none" w="med" len="med"/>
+                    </a:lnB>
+                    <a:solidFill>
+                      <a:schemeClr val="bg1"/>
+                    </a:solidFill>
+                  </a:tcPr>
+                </a:tc>
+                <a:tc>
+                  <a:txBody>
+                    <a:bodyPr/>
+                    <a:lstStyle/>
+                    <a:p>
+                      <a:pPr algn="ctr" latinLnBrk="1"/>
+                      <a:r>
+                        <a:rPr lang="en-US" altLang="ko-KR" sz="1000" dirty="0">
+                          <a:solidFill>
+                            <a:schemeClr val="tx1"/>
+                          </a:solidFill>
+                        </a:rPr>
+                        <a:t>wnsqja6545</a:t>
+                      </a:r>
+                      <a:endParaRPr lang="ko-KR" altLang="en-US" sz="1000" dirty="0">
+                        <a:solidFill>
+                          <a:schemeClr val="tx1"/>
+                        </a:solidFill>
+                      </a:endParaRPr>
+                    </a:p>
+                  </a:txBody>
+                  <a:tcPr anchor="ctr">
+                    <a:lnL w="12700" cap="flat" cmpd="sng" algn="ctr">
+                      <a:solidFill>
+                        <a:schemeClr val="tx1"/>
+                      </a:solidFill>
+                      <a:prstDash val="solid"/>
+                      <a:round/>
+                      <a:headEnd type="none" w="med" len="med"/>
+                      <a:tailEnd type="none" w="med" len="med"/>
+                    </a:lnL>
+                    <a:lnR w="12700" cap="flat" cmpd="sng" algn="ctr">
+                      <a:solidFill>
+                        <a:schemeClr val="tx1"/>
+                      </a:solidFill>
+                      <a:prstDash val="solid"/>
+                      <a:round/>
+                      <a:headEnd type="none" w="med" len="med"/>
+                      <a:tailEnd type="none" w="med" len="med"/>
+                    </a:lnR>
+                    <a:lnT w="12700" cap="flat" cmpd="sng" algn="ctr">
+                      <a:solidFill>
+                        <a:schemeClr val="tx1"/>
+                      </a:solidFill>
+                      <a:prstDash val="solid"/>
+                      <a:round/>
+                      <a:headEnd type="none" w="med" len="med"/>
+                      <a:tailEnd type="none" w="med" len="med"/>
+                    </a:lnT>
+                    <a:lnB w="12700" cap="flat" cmpd="sng" algn="ctr">
+                      <a:solidFill>
+                        <a:schemeClr val="tx1"/>
+                      </a:solidFill>
+                      <a:prstDash val="solid"/>
+                      <a:round/>
+                      <a:headEnd type="none" w="med" len="med"/>
+                      <a:tailEnd type="none" w="med" len="med"/>
+                    </a:lnB>
+                    <a:solidFill>
+                      <a:schemeClr val="bg1"/>
+                    </a:solidFill>
+                  </a:tcPr>
+                </a:tc>
+                <a:tc>
+                  <a:txBody>
+                    <a:bodyPr/>
+                    <a:lstStyle/>
+                    <a:p>
+                      <a:pPr algn="ctr" latinLnBrk="1"/>
+                      <a:r>
+                        <a:rPr lang="ko-KR" altLang="en-US" sz="1000" dirty="0">
+                          <a:solidFill>
+                            <a:schemeClr val="tx1"/>
+                          </a:solidFill>
+                        </a:rPr>
+                        <a:t>게임기가 아니라 게임기 박스네요</a:t>
+                      </a:r>
+                    </a:p>
+                  </a:txBody>
+                  <a:tcPr anchor="ctr">
+                    <a:lnL w="12700" cap="flat" cmpd="sng" algn="ctr">
+                      <a:solidFill>
+                        <a:schemeClr val="tx1"/>
+                      </a:solidFill>
+                      <a:prstDash val="solid"/>
+                      <a:round/>
+                      <a:headEnd type="none" w="med" len="med"/>
+                      <a:tailEnd type="none" w="med" len="med"/>
+                    </a:lnL>
+                    <a:lnR w="12700" cap="flat" cmpd="sng" algn="ctr">
+                      <a:solidFill>
+                        <a:schemeClr val="tx1"/>
+                      </a:solidFill>
+                      <a:prstDash val="solid"/>
+                      <a:round/>
+                      <a:headEnd type="none" w="med" len="med"/>
+                      <a:tailEnd type="none" w="med" len="med"/>
+                    </a:lnR>
+                    <a:lnT w="12700" cap="flat" cmpd="sng" algn="ctr">
+                      <a:solidFill>
+                        <a:schemeClr val="tx1"/>
+                      </a:solidFill>
+                      <a:prstDash val="solid"/>
+                      <a:round/>
+                      <a:headEnd type="none" w="med" len="med"/>
+                      <a:tailEnd type="none" w="med" len="med"/>
+                    </a:lnT>
+                    <a:lnB w="12700" cap="flat" cmpd="sng" algn="ctr">
+                      <a:solidFill>
+                        <a:schemeClr val="tx1"/>
+                      </a:solidFill>
+                      <a:prstDash val="solid"/>
+                      <a:round/>
+                      <a:headEnd type="none" w="med" len="med"/>
+                      <a:tailEnd type="none" w="med" len="med"/>
+                    </a:lnB>
+                    <a:solidFill>
+                      <a:schemeClr val="bg1"/>
+                    </a:solidFill>
+                  </a:tcPr>
+                </a:tc>
+                <a:tc>
+                  <a:txBody>
+                    <a:bodyPr/>
+                    <a:lstStyle/>
+                    <a:p>
+                      <a:pPr algn="ctr" latinLnBrk="1"/>
+                      <a:r>
+                        <a:rPr lang="ko-KR" altLang="en-US" sz="1000" dirty="0">
+                          <a:solidFill>
+                            <a:schemeClr val="tx1"/>
+                          </a:solidFill>
+                        </a:rPr>
+                        <a:t>처리중</a:t>
+                      </a:r>
+                      <a:endParaRPr lang="en-US" altLang="ko-KR" sz="1000" dirty="0">
+                        <a:solidFill>
+                          <a:schemeClr val="tx1"/>
+                        </a:solidFill>
+                      </a:endParaRPr>
+                    </a:p>
+                    <a:p>
+                      <a:pPr marL="0" marR="0" lvl="0" indent="0" algn="ctr" defTabSz="914400" rtl="0" eaLnBrk="1" fontAlgn="auto" latinLnBrk="1" hangingPunct="1">
+                        <a:lnSpc>
+                          <a:spcPct val="100000"/>
+                        </a:lnSpc>
+                        <a:spcBef>
+                          <a:spcPts val="0"/>
+                        </a:spcBef>
+                        <a:spcAft>
+                          <a:spcPts val="0"/>
+                        </a:spcAft>
+                        <a:buClrTx/>
+                        <a:buSzTx/>
+                        <a:buFontTx/>
+                        <a:buNone/>
+                        <a:tabLst/>
+                        <a:defRPr/>
+                      </a:pPr>
+                      <a:r>
+                        <a:rPr lang="ko-KR" altLang="en-US" sz="800" dirty="0">
+                          <a:solidFill>
+                            <a:schemeClr val="tx1"/>
+                          </a:solidFill>
+                        </a:rPr>
+                        <a:t>담당자 </a:t>
+                      </a:r>
+                      <a:r>
+                        <a:rPr lang="en-US" altLang="ko-KR" sz="800" dirty="0">
+                          <a:solidFill>
+                            <a:schemeClr val="tx1"/>
+                          </a:solidFill>
+                        </a:rPr>
+                        <a:t>: </a:t>
+                      </a:r>
+                      <a:r>
+                        <a:rPr lang="ko-KR" altLang="en-US" sz="800" dirty="0">
+                          <a:solidFill>
+                            <a:schemeClr val="tx1"/>
+                          </a:solidFill>
+                        </a:rPr>
+                        <a:t>이길동</a:t>
+                      </a:r>
+                    </a:p>
+                  </a:txBody>
+                  <a:tcPr anchor="ctr">
+                    <a:lnL w="12700" cap="flat" cmpd="sng" algn="ctr">
+                      <a:solidFill>
+                        <a:schemeClr val="tx1"/>
+                      </a:solidFill>
+                      <a:prstDash val="solid"/>
+                      <a:round/>
+                      <a:headEnd type="none" w="med" len="med"/>
+                      <a:tailEnd type="none" w="med" len="med"/>
+                    </a:lnL>
+                    <a:lnR w="12700" cap="flat" cmpd="sng" algn="ctr">
+                      <a:solidFill>
+                        <a:schemeClr val="tx1"/>
+                      </a:solidFill>
+                      <a:prstDash val="solid"/>
+                      <a:round/>
+                      <a:headEnd type="none" w="med" len="med"/>
+                      <a:tailEnd type="none" w="med" len="med"/>
+                    </a:lnR>
+                    <a:lnT w="12700" cap="flat" cmpd="sng" algn="ctr">
+                      <a:solidFill>
+                        <a:schemeClr val="tx1"/>
+                      </a:solidFill>
+                      <a:prstDash val="solid"/>
+                      <a:round/>
+                      <a:headEnd type="none" w="med" len="med"/>
+                      <a:tailEnd type="none" w="med" len="med"/>
+                    </a:lnT>
+                    <a:lnB w="12700" cap="flat" cmpd="sng" algn="ctr">
+                      <a:solidFill>
+                        <a:schemeClr val="tx1"/>
+                      </a:solidFill>
+                      <a:prstDash val="solid"/>
+                      <a:round/>
+                      <a:headEnd type="none" w="med" len="med"/>
+                      <a:tailEnd type="none" w="med" len="med"/>
+                    </a:lnB>
+                    <a:solidFill>
+                      <a:schemeClr val="bg1"/>
+                    </a:solidFill>
+                  </a:tcPr>
+                </a:tc>
+                <a:tc>
+                  <a:txBody>
+                    <a:bodyPr/>
+                    <a:lstStyle/>
+                    <a:p>
+                      <a:pPr marL="0" marR="0" lvl="0" indent="0" algn="ctr" defTabSz="914400" rtl="0" eaLnBrk="1" fontAlgn="auto" latinLnBrk="1" hangingPunct="1">
+                        <a:lnSpc>
+                          <a:spcPct val="100000"/>
+                        </a:lnSpc>
+                        <a:spcBef>
+                          <a:spcPts val="0"/>
+                        </a:spcBef>
+                        <a:spcAft>
+                          <a:spcPts val="0"/>
+                        </a:spcAft>
+                        <a:buClrTx/>
+                        <a:buSzTx/>
+                        <a:buFontTx/>
+                        <a:buNone/>
+                        <a:tabLst/>
+                        <a:defRPr/>
+                      </a:pPr>
+                      <a:r>
+                        <a:rPr lang="en-US" altLang="ko-KR" sz="1000" dirty="0">
+                          <a:solidFill>
+                            <a:schemeClr val="tx1"/>
+                          </a:solidFill>
+                        </a:rPr>
+                        <a:t>2020-01-02</a:t>
+                      </a:r>
+                      <a:endParaRPr lang="ko-KR" altLang="en-US" sz="1000" dirty="0">
+                        <a:solidFill>
+                          <a:schemeClr val="tx1"/>
+                        </a:solidFill>
+                      </a:endParaRPr>
+                    </a:p>
+                  </a:txBody>
+                  <a:tcPr anchor="ctr">
+                    <a:lnL w="12700" cap="flat" cmpd="sng" algn="ctr">
+                      <a:solidFill>
+                        <a:schemeClr val="tx1"/>
+                      </a:solidFill>
+                      <a:prstDash val="solid"/>
+                      <a:round/>
+                      <a:headEnd type="none" w="med" len="med"/>
+                      <a:tailEnd type="none" w="med" len="med"/>
+                    </a:lnL>
+                    <a:lnR w="12700" cap="flat" cmpd="sng" algn="ctr">
+                      <a:solidFill>
+                        <a:schemeClr val="tx1"/>
+                      </a:solidFill>
+                      <a:prstDash val="solid"/>
+                      <a:round/>
+                      <a:headEnd type="none" w="med" len="med"/>
+                      <a:tailEnd type="none" w="med" len="med"/>
+                    </a:lnR>
+                    <a:lnT w="12700" cap="flat" cmpd="sng" algn="ctr">
+                      <a:solidFill>
+                        <a:schemeClr val="tx1"/>
+                      </a:solidFill>
+                      <a:prstDash val="solid"/>
+                      <a:round/>
+                      <a:headEnd type="none" w="med" len="med"/>
+                      <a:tailEnd type="none" w="med" len="med"/>
+                    </a:lnT>
+                    <a:lnB w="12700" cap="flat" cmpd="sng" algn="ctr">
+                      <a:solidFill>
+                        <a:schemeClr val="tx1"/>
+                      </a:solidFill>
+                      <a:prstDash val="solid"/>
+                      <a:round/>
+                      <a:headEnd type="none" w="med" len="med"/>
+                      <a:tailEnd type="none" w="med" len="med"/>
+                    </a:lnB>
+                    <a:solidFill>
+                      <a:schemeClr val="bg1"/>
+                    </a:solidFill>
+                  </a:tcPr>
+                </a:tc>
+                <a:extLst>
+                  <a:ext uri="{0D108BD9-81ED-4DB2-BD59-A6C34878D82A}">
+                    <a16:rowId xmlns="" xmlns:a16="http://schemas.microsoft.com/office/drawing/2014/main" val="997687249"/>
+                  </a:ext>
+                </a:extLst>
+              </a:tr>
+            </a:tbl>
+          </a:graphicData>
+        </a:graphic>
+      </p:graphicFrame>
+      <p:pic>
+        <p:nvPicPr>
+          <p:cNvPr id="12" name="Picture 11">
+            <a:extLst>
+              <a:ext uri="{FF2B5EF4-FFF2-40B4-BE49-F238E27FC236}">
+                <a16:creationId xmlns="" xmlns:a16="http://schemas.microsoft.com/office/drawing/2014/main" id="{19562854-C979-4908-8B06-7B9B484F8146}"/>
+              </a:ext>
+            </a:extLst>
+          </p:cNvPr>
+          <p:cNvPicPr>
+            <a:picLocks noChangeAspect="1"/>
+          </p:cNvPicPr>
+          <p:nvPr/>
+        </p:nvPicPr>
+        <p:blipFill>
+          <a:blip r:embed="rId2"/>
+          <a:stretch>
+            <a:fillRect/>
+          </a:stretch>
+        </p:blipFill>
+        <p:spPr>
+          <a:xfrm>
+            <a:off x="675829" y="2451049"/>
+            <a:ext cx="170285" cy="170285"/>
+          </a:xfrm>
+          <a:prstGeom prst="rect">
+            <a:avLst/>
+          </a:prstGeom>
+        </p:spPr>
+      </p:pic>
+      <p:pic>
+        <p:nvPicPr>
+          <p:cNvPr id="13" name="Picture 12">
+            <a:extLst>
+              <a:ext uri="{FF2B5EF4-FFF2-40B4-BE49-F238E27FC236}">
+                <a16:creationId xmlns="" xmlns:a16="http://schemas.microsoft.com/office/drawing/2014/main" id="{E2738BB6-1413-47A9-B737-541EC50BEACD}"/>
+              </a:ext>
+            </a:extLst>
+          </p:cNvPr>
+          <p:cNvPicPr>
+            <a:picLocks noChangeAspect="1"/>
+          </p:cNvPicPr>
+          <p:nvPr/>
+        </p:nvPicPr>
+        <p:blipFill>
+          <a:blip r:embed="rId2"/>
+          <a:stretch>
+            <a:fillRect/>
+          </a:stretch>
+        </p:blipFill>
+        <p:spPr>
+          <a:xfrm>
+            <a:off x="675829" y="2954140"/>
+            <a:ext cx="170285" cy="170285"/>
+          </a:xfrm>
+          <a:prstGeom prst="rect">
+            <a:avLst/>
+          </a:prstGeom>
+        </p:spPr>
+      </p:pic>
+      <p:pic>
+        <p:nvPicPr>
+          <p:cNvPr id="22" name="Picture 21">
+            <a:extLst>
+              <a:ext uri="{FF2B5EF4-FFF2-40B4-BE49-F238E27FC236}">
+                <a16:creationId xmlns="" xmlns:a16="http://schemas.microsoft.com/office/drawing/2014/main" id="{46181AA6-1913-4E5E-8AC6-C73C4ACF49E1}"/>
+              </a:ext>
+            </a:extLst>
+          </p:cNvPr>
+          <p:cNvPicPr>
+            <a:picLocks noChangeAspect="1"/>
+          </p:cNvPicPr>
+          <p:nvPr/>
+        </p:nvPicPr>
+        <p:blipFill>
+          <a:blip r:embed="rId2"/>
+          <a:stretch>
+            <a:fillRect/>
+          </a:stretch>
+        </p:blipFill>
+        <p:spPr>
+          <a:xfrm>
+            <a:off x="675829" y="3431907"/>
+            <a:ext cx="170285" cy="170285"/>
+          </a:xfrm>
+          <a:prstGeom prst="rect">
+            <a:avLst/>
+          </a:prstGeom>
+        </p:spPr>
+      </p:pic>
+      <p:pic>
+        <p:nvPicPr>
+          <p:cNvPr id="23" name="Picture 22">
+            <a:extLst>
+              <a:ext uri="{FF2B5EF4-FFF2-40B4-BE49-F238E27FC236}">
+                <a16:creationId xmlns="" xmlns:a16="http://schemas.microsoft.com/office/drawing/2014/main" id="{98373F5D-5E44-416E-ACE8-888B6162DF0C}"/>
+              </a:ext>
+            </a:extLst>
+          </p:cNvPr>
+          <p:cNvPicPr>
+            <a:picLocks noChangeAspect="1"/>
+          </p:cNvPicPr>
+          <p:nvPr/>
+        </p:nvPicPr>
+        <p:blipFill>
+          <a:blip r:embed="rId2"/>
+          <a:stretch>
+            <a:fillRect/>
+          </a:stretch>
+        </p:blipFill>
+        <p:spPr>
+          <a:xfrm>
+            <a:off x="675829" y="3880377"/>
+            <a:ext cx="170285" cy="170285"/>
+          </a:xfrm>
+          <a:prstGeom prst="rect">
+            <a:avLst/>
+          </a:prstGeom>
+        </p:spPr>
+      </p:pic>
+      <p:pic>
+        <p:nvPicPr>
+          <p:cNvPr id="24" name="Picture 23">
+            <a:extLst>
+              <a:ext uri="{FF2B5EF4-FFF2-40B4-BE49-F238E27FC236}">
+                <a16:creationId xmlns="" xmlns:a16="http://schemas.microsoft.com/office/drawing/2014/main" id="{D94A915D-6060-4E46-9794-153AC4DAE5CC}"/>
+              </a:ext>
+            </a:extLst>
+          </p:cNvPr>
+          <p:cNvPicPr>
+            <a:picLocks noChangeAspect="1"/>
+          </p:cNvPicPr>
+          <p:nvPr/>
+        </p:nvPicPr>
+        <p:blipFill>
+          <a:blip r:embed="rId2"/>
+          <a:stretch>
+            <a:fillRect/>
+          </a:stretch>
+        </p:blipFill>
+        <p:spPr>
+          <a:xfrm>
+            <a:off x="675829" y="4396128"/>
+            <a:ext cx="170285" cy="170285"/>
+          </a:xfrm>
+          <a:prstGeom prst="rect">
+            <a:avLst/>
+          </a:prstGeom>
+        </p:spPr>
+      </p:pic>
+      <p:pic>
+        <p:nvPicPr>
+          <p:cNvPr id="25" name="Picture 24">
+            <a:extLst>
+              <a:ext uri="{FF2B5EF4-FFF2-40B4-BE49-F238E27FC236}">
+                <a16:creationId xmlns="" xmlns:a16="http://schemas.microsoft.com/office/drawing/2014/main" id="{E0BC208F-284F-425F-8185-73440BA8F67D}"/>
+              </a:ext>
+            </a:extLst>
+          </p:cNvPr>
+          <p:cNvPicPr>
+            <a:picLocks noChangeAspect="1"/>
+          </p:cNvPicPr>
+          <p:nvPr/>
+        </p:nvPicPr>
+        <p:blipFill>
+          <a:blip r:embed="rId2"/>
+          <a:stretch>
+            <a:fillRect/>
+          </a:stretch>
+        </p:blipFill>
+        <p:spPr>
+          <a:xfrm>
+            <a:off x="675829" y="4845661"/>
+            <a:ext cx="170285" cy="170285"/>
+          </a:xfrm>
+          <a:prstGeom prst="rect">
+            <a:avLst/>
+          </a:prstGeom>
+        </p:spPr>
+      </p:pic>
+      <p:pic>
+        <p:nvPicPr>
+          <p:cNvPr id="26" name="Picture 25">
+            <a:extLst>
+              <a:ext uri="{FF2B5EF4-FFF2-40B4-BE49-F238E27FC236}">
+                <a16:creationId xmlns="" xmlns:a16="http://schemas.microsoft.com/office/drawing/2014/main" id="{4F08E167-6694-4494-A05D-F17710B2B848}"/>
+              </a:ext>
+            </a:extLst>
+          </p:cNvPr>
+          <p:cNvPicPr>
+            <a:picLocks noChangeAspect="1"/>
+          </p:cNvPicPr>
+          <p:nvPr/>
+        </p:nvPicPr>
+        <p:blipFill>
+          <a:blip r:embed="rId2"/>
+          <a:stretch>
+            <a:fillRect/>
+          </a:stretch>
+        </p:blipFill>
+        <p:spPr>
+          <a:xfrm>
+            <a:off x="675829" y="5319480"/>
+            <a:ext cx="170285" cy="170285"/>
+          </a:xfrm>
+          <a:prstGeom prst="rect">
+            <a:avLst/>
+          </a:prstGeom>
+        </p:spPr>
+      </p:pic>
+      <p:pic>
+        <p:nvPicPr>
+          <p:cNvPr id="27" name="Picture 26">
+            <a:extLst>
+              <a:ext uri="{FF2B5EF4-FFF2-40B4-BE49-F238E27FC236}">
+                <a16:creationId xmlns="" xmlns:a16="http://schemas.microsoft.com/office/drawing/2014/main" id="{1A504984-C3CB-4790-8D76-EB63782D1EC2}"/>
+              </a:ext>
+            </a:extLst>
+          </p:cNvPr>
+          <p:cNvPicPr>
+            <a:picLocks noChangeAspect="1"/>
+          </p:cNvPicPr>
+          <p:nvPr/>
+        </p:nvPicPr>
+        <p:blipFill>
+          <a:blip r:embed="rId2"/>
+          <a:stretch>
+            <a:fillRect/>
+          </a:stretch>
+        </p:blipFill>
+        <p:spPr>
+          <a:xfrm>
+            <a:off x="675829" y="5812157"/>
+            <a:ext cx="170285" cy="170285"/>
+          </a:xfrm>
+          <a:prstGeom prst="rect">
+            <a:avLst/>
+          </a:prstGeom>
+        </p:spPr>
+      </p:pic>
+      <p:graphicFrame>
+        <p:nvGraphicFramePr>
+          <p:cNvPr id="19" name="Table 4">
+            <a:extLst>
+              <a:ext uri="{FF2B5EF4-FFF2-40B4-BE49-F238E27FC236}">
+                <a16:creationId xmlns="" xmlns:a16="http://schemas.microsoft.com/office/drawing/2014/main" id="{63C6EBD3-EE76-4A4E-A009-555C41B64A93}"/>
+              </a:ext>
+            </a:extLst>
+          </p:cNvPr>
+          <p:cNvGraphicFramePr>
+            <a:graphicFrameLocks noGrp="1"/>
+          </p:cNvGraphicFramePr>
+          <p:nvPr>
+            <p:extLst>
+              <p:ext uri="{D42A27DB-BD31-4B8C-83A1-F6EECF244321}">
+                <p14:modId xmlns:p14="http://schemas.microsoft.com/office/powerpoint/2010/main" val="3719661188"/>
+              </p:ext>
+            </p:extLst>
+          </p:nvPr>
+        </p:nvGraphicFramePr>
+        <p:xfrm>
+          <a:off x="5997150" y="1969829"/>
+          <a:ext cx="1757665" cy="243840"/>
+        </p:xfrm>
+        <a:graphic>
+          <a:graphicData uri="http://schemas.openxmlformats.org/drawingml/2006/table">
+            <a:tbl>
+              <a:tblPr firstRow="1" bandRow="1">
+                <a:tableStyleId>{5C22544A-7EE6-4342-B048-85BDC9FD1C3A}</a:tableStyleId>
+              </a:tblPr>
+              <a:tblGrid>
+                <a:gridCol w="1757665">
+                  <a:extLst>
+                    <a:ext uri="{9D8B030D-6E8A-4147-A177-3AD203B41FA5}">
+                      <a16:colId xmlns="" xmlns:a16="http://schemas.microsoft.com/office/drawing/2014/main" val="1123152002"/>
+                    </a:ext>
+                  </a:extLst>
+                </a:gridCol>
+              </a:tblGrid>
+              <a:tr h="0">
+                <a:tc>
+                  <a:txBody>
+                    <a:bodyPr/>
+                    <a:lstStyle/>
+                    <a:p>
+                      <a:pPr latinLnBrk="1"/>
+                      <a:r>
+                        <a:rPr lang="ko-KR" altLang="en-US" sz="1000" b="0" dirty="0">
+                          <a:solidFill>
+                            <a:schemeClr val="bg2">
+                              <a:lumMod val="25000"/>
+                            </a:schemeClr>
+                          </a:solidFill>
+                        </a:rPr>
+                        <a:t>검색어를 입력 해주세요</a:t>
+                      </a:r>
+                    </a:p>
+                  </a:txBody>
+                  <a:tcPr>
+                    <a:lnL w="12700" cap="flat" cmpd="sng" algn="ctr">
+                      <a:noFill/>
+                      <a:prstDash val="solid"/>
+                      <a:round/>
+                      <a:headEnd type="none" w="med" len="med"/>
+                      <a:tailEnd type="none" w="med" len="med"/>
+                    </a:lnL>
+                    <a:lnR w="12700" cap="flat" cmpd="sng" algn="ctr">
+                      <a:noFill/>
+                      <a:prstDash val="solid"/>
+                      <a:round/>
+                      <a:headEnd type="none" w="med" len="med"/>
+                      <a:tailEnd type="none" w="med" len="med"/>
+                    </a:lnR>
+                    <a:lnT w="12700" cap="flat" cmpd="sng" algn="ctr">
+                      <a:noFill/>
+                      <a:prstDash val="solid"/>
+                      <a:round/>
+                      <a:headEnd type="none" w="med" len="med"/>
+                      <a:tailEnd type="none" w="med" len="med"/>
+                    </a:lnT>
+                    <a:lnB w="12700" cap="flat" cmpd="sng" algn="ctr">
+                      <a:solidFill>
+                        <a:schemeClr val="tx1"/>
+                      </a:solidFill>
+                      <a:prstDash val="solid"/>
+                      <a:round/>
+                      <a:headEnd type="none" w="med" len="med"/>
+                      <a:tailEnd type="none" w="med" len="med"/>
+                    </a:lnB>
+                    <a:lnTlToBr w="12700" cmpd="sng">
+                      <a:noFill/>
+                      <a:prstDash val="solid"/>
+                    </a:lnTlToBr>
+                    <a:lnBlToTr w="12700" cmpd="sng">
+                      <a:noFill/>
+                      <a:prstDash val="solid"/>
+                    </a:lnBlToTr>
+                    <a:solidFill>
+                      <a:schemeClr val="bg1"/>
+                    </a:solidFill>
+                  </a:tcPr>
+                </a:tc>
+                <a:extLst>
+                  <a:ext uri="{0D108BD9-81ED-4DB2-BD59-A6C34878D82A}">
+                    <a16:rowId xmlns="" xmlns:a16="http://schemas.microsoft.com/office/drawing/2014/main" val="858287360"/>
+                  </a:ext>
+                </a:extLst>
+              </a:tr>
+            </a:tbl>
+          </a:graphicData>
+        </a:graphic>
+      </p:graphicFrame>
+      <p:sp>
+        <p:nvSpPr>
+          <p:cNvPr id="20" name="Google Shape;173;g7c553259d1_0_81">
+            <a:extLst>
+              <a:ext uri="{FF2B5EF4-FFF2-40B4-BE49-F238E27FC236}">
+                <a16:creationId xmlns="" xmlns:a16="http://schemas.microsoft.com/office/drawing/2014/main" id="{13413D26-6ACB-4E16-AD2C-C141BF5B38B6}"/>
+              </a:ext>
+            </a:extLst>
+          </p:cNvPr>
+          <p:cNvSpPr/>
+          <p:nvPr/>
+        </p:nvSpPr>
+        <p:spPr>
+          <a:xfrm>
+            <a:off x="2114973" y="2893537"/>
+            <a:ext cx="302700" cy="324600"/>
+          </a:xfrm>
+          <a:prstGeom prst="rect">
+            <a:avLst/>
+          </a:prstGeom>
+          <a:solidFill>
+            <a:srgbClr val="FF0000"/>
+          </a:solidFill>
+          <a:ln>
+            <a:noFill/>
+          </a:ln>
+        </p:spPr>
+        <p:txBody>
+          <a:bodyPr spcFirstLastPara="1" wrap="square" lIns="91425" tIns="45700" rIns="91425" bIns="45700" anchor="ctr" anchorCtr="0">
+            <a:noAutofit/>
+          </a:bodyPr>
+          <a:lstStyle/>
+          <a:p>
+            <a:pPr marL="0" marR="0" lvl="0" indent="0" algn="ctr" rtl="0">
+              <a:lnSpc>
+                <a:spcPct val="100000"/>
+              </a:lnSpc>
+              <a:spcBef>
+                <a:spcPts val="0"/>
+              </a:spcBef>
+              <a:spcAft>
+                <a:spcPts val="0"/>
+              </a:spcAft>
+              <a:buClr>
+                <a:srgbClr val="000000"/>
+              </a:buClr>
+              <a:buSzPts val="1800"/>
+              <a:buFont typeface="Arial"/>
+              <a:buNone/>
+            </a:pPr>
+            <a:r>
+              <a:rPr lang="ko-KR" sz="1800" b="1" i="0" u="none" strike="noStrike" cap="none" dirty="0">
+                <a:solidFill>
+                  <a:schemeClr val="dk1"/>
+                </a:solidFill>
+                <a:latin typeface="Malgun Gothic"/>
+                <a:ea typeface="Malgun Gothic"/>
+                <a:cs typeface="Malgun Gothic"/>
+                <a:sym typeface="Malgun Gothic"/>
+              </a:rPr>
+              <a:t>1</a:t>
+            </a:r>
+            <a:endParaRPr sz="1800" b="1" i="0" u="none" strike="noStrike" cap="none" dirty="0">
+              <a:solidFill>
+                <a:schemeClr val="dk1"/>
+              </a:solidFill>
+              <a:latin typeface="Malgun Gothic"/>
+              <a:ea typeface="Malgun Gothic"/>
+              <a:cs typeface="Malgun Gothic"/>
+              <a:sym typeface="Malgun Gothic"/>
+            </a:endParaRPr>
+          </a:p>
+        </p:txBody>
+      </p:sp>
+      <p:sp>
+        <p:nvSpPr>
+          <p:cNvPr id="21" name="Google Shape;173;g7c553259d1_0_81">
+            <a:extLst>
+              <a:ext uri="{FF2B5EF4-FFF2-40B4-BE49-F238E27FC236}">
+                <a16:creationId xmlns="" xmlns:a16="http://schemas.microsoft.com/office/drawing/2014/main" id="{29BFFC52-8C0C-4029-8F7C-7B280E4B71AA}"/>
+              </a:ext>
+            </a:extLst>
+          </p:cNvPr>
+          <p:cNvSpPr/>
+          <p:nvPr/>
+        </p:nvSpPr>
+        <p:spPr>
+          <a:xfrm>
+            <a:off x="3445327" y="2876982"/>
+            <a:ext cx="302700" cy="324600"/>
+          </a:xfrm>
+          <a:prstGeom prst="rect">
+            <a:avLst/>
+          </a:prstGeom>
+          <a:solidFill>
+            <a:srgbClr val="FF0000"/>
+          </a:solidFill>
+          <a:ln>
+            <a:noFill/>
+          </a:ln>
+        </p:spPr>
+        <p:txBody>
+          <a:bodyPr spcFirstLastPara="1" wrap="square" lIns="91425" tIns="45700" rIns="91425" bIns="45700" anchor="ctr" anchorCtr="0">
+            <a:noAutofit/>
+          </a:bodyPr>
+          <a:lstStyle/>
+          <a:p>
+            <a:pPr marL="0" marR="0" lvl="0" indent="0" algn="ctr" rtl="0">
+              <a:lnSpc>
+                <a:spcPct val="100000"/>
+              </a:lnSpc>
+              <a:spcBef>
+                <a:spcPts val="0"/>
+              </a:spcBef>
+              <a:spcAft>
+                <a:spcPts val="0"/>
+              </a:spcAft>
+              <a:buClr>
+                <a:srgbClr val="000000"/>
+              </a:buClr>
+              <a:buSzPts val="1800"/>
+              <a:buFont typeface="Arial"/>
+              <a:buNone/>
+            </a:pPr>
+            <a:r>
+              <a:rPr lang="en-US" altLang="ko-KR" b="1" dirty="0">
+                <a:solidFill>
+                  <a:schemeClr val="dk1"/>
+                </a:solidFill>
+                <a:latin typeface="Malgun Gothic"/>
+                <a:ea typeface="Malgun Gothic"/>
+                <a:cs typeface="Malgun Gothic"/>
+                <a:sym typeface="Malgun Gothic"/>
+              </a:rPr>
+              <a:t>2</a:t>
+            </a:r>
+            <a:endParaRPr sz="1800" b="1" i="0" u="none" strike="noStrike" cap="none" dirty="0">
+              <a:solidFill>
+                <a:schemeClr val="dk1"/>
+              </a:solidFill>
+              <a:latin typeface="Malgun Gothic"/>
+              <a:ea typeface="Malgun Gothic"/>
+              <a:cs typeface="Malgun Gothic"/>
+              <a:sym typeface="Malgun Gothic"/>
+            </a:endParaRPr>
+          </a:p>
+        </p:txBody>
+      </p:sp>
+      <p:sp>
+        <p:nvSpPr>
+          <p:cNvPr id="28" name="Google Shape;173;g7c553259d1_0_81">
+            <a:extLst>
+              <a:ext uri="{FF2B5EF4-FFF2-40B4-BE49-F238E27FC236}">
+                <a16:creationId xmlns="" xmlns:a16="http://schemas.microsoft.com/office/drawing/2014/main" id="{EA96DCAD-C8DF-4BF3-A915-5A646A22F5CE}"/>
+              </a:ext>
+            </a:extLst>
+          </p:cNvPr>
+          <p:cNvSpPr/>
+          <p:nvPr/>
+        </p:nvSpPr>
+        <p:spPr>
+          <a:xfrm>
+            <a:off x="5600071" y="2876982"/>
+            <a:ext cx="302700" cy="324600"/>
+          </a:xfrm>
+          <a:prstGeom prst="rect">
+            <a:avLst/>
+          </a:prstGeom>
+          <a:solidFill>
+            <a:srgbClr val="FF0000"/>
+          </a:solidFill>
+          <a:ln>
+            <a:noFill/>
+          </a:ln>
+        </p:spPr>
+        <p:txBody>
+          <a:bodyPr spcFirstLastPara="1" wrap="square" lIns="91425" tIns="45700" rIns="91425" bIns="45700" anchor="ctr" anchorCtr="0">
+            <a:noAutofit/>
+          </a:bodyPr>
+          <a:lstStyle/>
+          <a:p>
+            <a:pPr marL="0" marR="0" lvl="0" indent="0" algn="ctr" rtl="0">
+              <a:lnSpc>
+                <a:spcPct val="100000"/>
+              </a:lnSpc>
+              <a:spcBef>
+                <a:spcPts val="0"/>
+              </a:spcBef>
+              <a:spcAft>
+                <a:spcPts val="0"/>
+              </a:spcAft>
+              <a:buClr>
+                <a:srgbClr val="000000"/>
+              </a:buClr>
+              <a:buSzPts val="1800"/>
+              <a:buFont typeface="Arial"/>
+              <a:buNone/>
+            </a:pPr>
+            <a:r>
+              <a:rPr lang="en-US" altLang="ko-KR" b="1" dirty="0">
+                <a:solidFill>
+                  <a:schemeClr val="dk1"/>
+                </a:solidFill>
+                <a:latin typeface="Malgun Gothic"/>
+                <a:ea typeface="Malgun Gothic"/>
+                <a:cs typeface="Malgun Gothic"/>
+                <a:sym typeface="Malgun Gothic"/>
+              </a:rPr>
+              <a:t>3</a:t>
+            </a:r>
+            <a:endParaRPr sz="1800" b="1" i="0" u="none" strike="noStrike" cap="none" dirty="0">
+              <a:solidFill>
+                <a:schemeClr val="dk1"/>
+              </a:solidFill>
+              <a:latin typeface="Malgun Gothic"/>
+              <a:ea typeface="Malgun Gothic"/>
+              <a:cs typeface="Malgun Gothic"/>
+              <a:sym typeface="Malgun Gothic"/>
+            </a:endParaRPr>
+          </a:p>
+        </p:txBody>
+      </p:sp>
+    </p:spTree>
+    <p:extLst>
+      <p:ext uri="{BB962C8B-B14F-4D97-AF65-F5344CB8AC3E}">
+        <p14:creationId xmlns:p14="http://schemas.microsoft.com/office/powerpoint/2010/main" val="102094943"/>
+      </p:ext>
+    </p:extLst>
+  </p:cSld>
+  <p:clrMapOvr>
+    <a:masterClrMapping/>
+  </p:clrMapOvr>
+</p:sld>
+</file>
+
+<file path=ppt/slides/slide5.xml><?xml version="1.0" encoding="utf-8"?>
+<p:sld xmlns:a="http://schemas.openxmlformats.org/drawingml/2006/main" xmlns:r="http://schemas.openxmlformats.org/officeDocument/2006/relationships" xmlns:p="http://schemas.openxmlformats.org/presentationml/2006/main">
+  <p:cSld>
+    <p:spTree>
+      <p:nvGrpSpPr>
+        <p:cNvPr id="1" name=""/>
+        <p:cNvGrpSpPr/>
+        <p:nvPr/>
+      </p:nvGrpSpPr>
+      <p:grpSpPr>
+        <a:xfrm>
+          <a:off x="0" y="0"/>
+          <a:ext cx="0" cy="0"/>
+          <a:chOff x="0" y="0"/>
+          <a:chExt cx="0" cy="0"/>
+        </a:xfrm>
+      </p:grpSpPr>
+      <p:pic>
+        <p:nvPicPr>
+          <p:cNvPr id="2" name="그림 1"/>
+          <p:cNvPicPr>
+            <a:picLocks noChangeAspect="1"/>
+          </p:cNvPicPr>
+          <p:nvPr/>
+        </p:nvPicPr>
+        <p:blipFill>
+          <a:blip r:embed="rId2"/>
+          <a:stretch>
+            <a:fillRect/>
+          </a:stretch>
+        </p:blipFill>
+        <p:spPr>
+          <a:xfrm>
+            <a:off x="1189734" y="955587"/>
+            <a:ext cx="9577119" cy="4878345"/>
+          </a:xfrm>
+          <a:prstGeom prst="rect">
+            <a:avLst/>
+          </a:prstGeom>
+        </p:spPr>
+      </p:pic>
+    </p:spTree>
+    <p:extLst>
+      <p:ext uri="{BB962C8B-B14F-4D97-AF65-F5344CB8AC3E}">
+        <p14:creationId xmlns:p14="http://schemas.microsoft.com/office/powerpoint/2010/main" val="1769060198"/>
+      </p:ext>
+    </p:extLst>
+  </p:cSld>
+  <p:clrMapOvr>
+    <a:masterClrMapping/>
+  </p:clrMapOvr>
+</p:sld>
+</file>
+
+<file path=ppt/slides/slide6.xml><?xml version="1.0" encoding="utf-8"?>
+<p:sld xmlns:a="http://schemas.openxmlformats.org/drawingml/2006/main" xmlns:r="http://schemas.openxmlformats.org/officeDocument/2006/relationships" xmlns:p="http://schemas.openxmlformats.org/presentationml/2006/main">
+  <p:cSld>
+    <p:spTree>
+      <p:nvGrpSpPr>
+        <p:cNvPr id="1" name=""/>
+        <p:cNvGrpSpPr/>
+        <p:nvPr/>
+      </p:nvGrpSpPr>
+      <p:grpSpPr>
+        <a:xfrm>
+          <a:off x="0" y="0"/>
+          <a:ext cx="0" cy="0"/>
+          <a:chOff x="0" y="0"/>
+          <a:chExt cx="0" cy="0"/>
+        </a:xfrm>
+      </p:grpSpPr>
+      <p:pic>
+        <p:nvPicPr>
+          <p:cNvPr id="3" name="그림 2"/>
+          <p:cNvPicPr>
+            <a:picLocks noChangeAspect="1"/>
+          </p:cNvPicPr>
+          <p:nvPr/>
+        </p:nvPicPr>
+        <p:blipFill>
+          <a:blip r:embed="rId2"/>
+          <a:stretch>
+            <a:fillRect/>
+          </a:stretch>
+        </p:blipFill>
+        <p:spPr>
+          <a:xfrm>
+            <a:off x="969569" y="309644"/>
+            <a:ext cx="4117154" cy="2861924"/>
+          </a:xfrm>
+          <a:prstGeom prst="rect">
+            <a:avLst/>
+          </a:prstGeom>
+        </p:spPr>
+      </p:pic>
+      <p:pic>
+        <p:nvPicPr>
+          <p:cNvPr id="4" name="그림 3"/>
+          <p:cNvPicPr>
+            <a:picLocks noChangeAspect="1"/>
+          </p:cNvPicPr>
+          <p:nvPr/>
+        </p:nvPicPr>
+        <p:blipFill>
+          <a:blip r:embed="rId3"/>
+          <a:stretch>
+            <a:fillRect/>
+          </a:stretch>
+        </p:blipFill>
+        <p:spPr>
+          <a:xfrm>
+            <a:off x="937002" y="3539910"/>
+            <a:ext cx="4182287" cy="2747519"/>
+          </a:xfrm>
+          <a:prstGeom prst="rect">
+            <a:avLst/>
+          </a:prstGeom>
+        </p:spPr>
+      </p:pic>
+      <p:pic>
+        <p:nvPicPr>
+          <p:cNvPr id="5" name="그림 4"/>
+          <p:cNvPicPr>
+            <a:picLocks noChangeAspect="1"/>
+          </p:cNvPicPr>
+          <p:nvPr/>
+        </p:nvPicPr>
+        <p:blipFill>
+          <a:blip r:embed="rId4"/>
+          <a:stretch>
+            <a:fillRect/>
+          </a:stretch>
+        </p:blipFill>
+        <p:spPr>
+          <a:xfrm>
+            <a:off x="6435624" y="309644"/>
+            <a:ext cx="4506742" cy="5901686"/>
+          </a:xfrm>
+          <a:prstGeom prst="rect">
+            <a:avLst/>
+          </a:prstGeom>
+        </p:spPr>
+      </p:pic>
+      <p:sp>
+        <p:nvSpPr>
+          <p:cNvPr id="6" name="TextBox 5"/>
+          <p:cNvSpPr txBox="1"/>
+          <p:nvPr/>
+        </p:nvSpPr>
+        <p:spPr>
+          <a:xfrm>
+            <a:off x="7611762" y="6351372"/>
+            <a:ext cx="2818400" cy="369332"/>
+          </a:xfrm>
+          <a:prstGeom prst="rect">
+            <a:avLst/>
+          </a:prstGeom>
+          <a:noFill/>
+        </p:spPr>
+        <p:txBody>
+          <a:bodyPr wrap="none" rtlCol="0">
+            <a:spAutoFit/>
+          </a:bodyPr>
+          <a:lstStyle/>
+          <a:p>
+            <a:r>
+              <a:rPr lang="en-US" altLang="ko-KR" dirty="0" smtClean="0"/>
+              <a:t>DB</a:t>
+            </a:r>
+            <a:r>
+              <a:rPr lang="ko-KR" altLang="en-US" dirty="0" smtClean="0"/>
+              <a:t>연결 </a:t>
+            </a:r>
+            <a:r>
+              <a:rPr lang="en-US" altLang="ko-KR" dirty="0" smtClean="0"/>
+              <a:t>/ DB</a:t>
+            </a:r>
+            <a:r>
+              <a:rPr lang="ko-KR" altLang="en-US" dirty="0" smtClean="0"/>
+              <a:t>모듈 만들기</a:t>
+            </a:r>
+            <a:endParaRPr lang="ko-KR" altLang="en-US" dirty="0"/>
+          </a:p>
+        </p:txBody>
+      </p:sp>
+      <p:sp>
+        <p:nvSpPr>
+          <p:cNvPr id="7" name="TextBox 6"/>
+          <p:cNvSpPr txBox="1"/>
+          <p:nvPr/>
+        </p:nvSpPr>
+        <p:spPr>
+          <a:xfrm>
+            <a:off x="4053016" y="1029730"/>
+            <a:ext cx="529312" cy="369332"/>
+          </a:xfrm>
+          <a:prstGeom prst="rect">
+            <a:avLst/>
+          </a:prstGeom>
+          <a:noFill/>
+        </p:spPr>
+        <p:txBody>
+          <a:bodyPr wrap="none" rtlCol="0">
+            <a:spAutoFit/>
+          </a:bodyPr>
+          <a:lstStyle/>
+          <a:p>
+            <a:r>
+              <a:rPr lang="en-US" altLang="ko-KR" dirty="0" smtClean="0"/>
+              <a:t>.</a:t>
+            </a:r>
+            <a:r>
+              <a:rPr lang="en-US" altLang="ko-KR" dirty="0" err="1" smtClean="0"/>
+              <a:t>jsp</a:t>
+            </a:r>
+            <a:endParaRPr lang="ko-KR" altLang="en-US" dirty="0"/>
+          </a:p>
+        </p:txBody>
+      </p:sp>
+    </p:spTree>
+    <p:extLst>
+      <p:ext uri="{BB962C8B-B14F-4D97-AF65-F5344CB8AC3E}">
+        <p14:creationId xmlns:p14="http://schemas.microsoft.com/office/powerpoint/2010/main" val="155812999"/>
       </p:ext>
     </p:extLst>
   </p:cSld>
@@ -3685,7 +9292,7 @@
   <a:extraClrSchemeLst/>
   <a:extLst>
     <a:ext uri="{05A4C25C-085E-4340-85A3-A5531E510DB2}">
-      <thm15:themeFamily xmlns:thm15="http://schemas.microsoft.com/office/thememl/2012/main" xmlns="" name="Office Theme" id="{62F939B6-93AF-4DB8-9C6B-D6C7DFDC589F}" vid="{4A3C46E8-61CC-4603-A589-7422A47A8E4A}"/>
+      <thm15:themeFamily xmlns:thm15="http://schemas.microsoft.com/office/thememl/2012/main" name="Office Theme" id="{62F939B6-93AF-4DB8-9C6B-D6C7DFDC589F}" vid="{4A3C46E8-61CC-4603-A589-7422A47A8E4A}"/>
     </a:ext>
   </a:extLst>
 </a:theme>
@@ -3946,7 +9553,7 @@
   <a:extraClrSchemeLst/>
   <a:extLst>
     <a:ext uri="{05A4C25C-085E-4340-85A3-A5531E510DB2}">
-      <thm15:themeFamily xmlns:thm15="http://schemas.microsoft.com/office/thememl/2012/main" xmlns="" name="Office Theme" id="{62F939B6-93AF-4DB8-9C6B-D6C7DFDC589F}" vid="{4A3C46E8-61CC-4603-A589-7422A47A8E4A}"/>
+      <thm15:themeFamily xmlns:thm15="http://schemas.microsoft.com/office/thememl/2012/main" name="Office Theme" id="{62F939B6-93AF-4DB8-9C6B-D6C7DFDC589F}" vid="{4A3C46E8-61CC-4603-A589-7422A47A8E4A}"/>
     </a:ext>
   </a:extLst>
 </a:theme>

--- a/0 발표용 파워포인트/0320 3차발표/0320 project04 - 파워포인트 - 서희.pptx
+++ b/0 발표용 파워포인트/0320 3차발표/0320 project04 - 파워포인트 - 서희.pptx
@@ -114,7 +114,7 @@
   </p:defaultTextStyle>
   <p:extLst>
     <p:ext uri="{EFAFB233-063F-42B5-8137-9DF3F51BA10A}">
-      <p15:sldGuideLst xmlns:p15="http://schemas.microsoft.com/office/powerpoint/2012/main">
+      <p15:sldGuideLst xmlns:p15="http://schemas.microsoft.com/office/powerpoint/2012/main" xmlns="">
         <p15:guide id="1" orient="horz" pos="2160">
           <p15:clr>
             <a:srgbClr val="A4A3A4"/>
@@ -3732,14 +3732,14 @@
                 <a:gridCol w="1407747">
                   <a:extLst>
                     <a:ext uri="{9D8B030D-6E8A-4147-A177-3AD203B41FA5}">
-                      <a16:colId xmlns="" xmlns:a16="http://schemas.microsoft.com/office/drawing/2014/main" val="20000"/>
+                      <a16:colId xmlns:a16="http://schemas.microsoft.com/office/drawing/2014/main" xmlns="" val="20000"/>
                     </a:ext>
                   </a:extLst>
                 </a:gridCol>
                 <a:gridCol w="1407747">
                   <a:extLst>
                     <a:ext uri="{9D8B030D-6E8A-4147-A177-3AD203B41FA5}">
-                      <a16:colId xmlns="" xmlns:a16="http://schemas.microsoft.com/office/drawing/2014/main" val="20001"/>
+                      <a16:colId xmlns:a16="http://schemas.microsoft.com/office/drawing/2014/main" xmlns="" val="20001"/>
                     </a:ext>
                   </a:extLst>
                 </a:gridCol>
@@ -3829,7 +3829,7 @@
                 </a:tc>
                 <a:extLst>
                   <a:ext uri="{0D108BD9-81ED-4DB2-BD59-A6C34878D82A}">
-                    <a16:rowId xmlns="" xmlns:a16="http://schemas.microsoft.com/office/drawing/2014/main" val="10000"/>
+                    <a16:rowId xmlns:a16="http://schemas.microsoft.com/office/drawing/2014/main" xmlns="" val="10000"/>
                   </a:ext>
                 </a:extLst>
               </a:tr>
@@ -3861,14 +3861,14 @@
                 <a:gridCol w="342705">
                   <a:extLst>
                     <a:ext uri="{9D8B030D-6E8A-4147-A177-3AD203B41FA5}">
-                      <a16:colId xmlns="" xmlns:a16="http://schemas.microsoft.com/office/drawing/2014/main" val="20000"/>
+                      <a16:colId xmlns:a16="http://schemas.microsoft.com/office/drawing/2014/main" xmlns="" val="20000"/>
                     </a:ext>
                   </a:extLst>
                 </a:gridCol>
                 <a:gridCol w="3149108">
                   <a:extLst>
                     <a:ext uri="{9D8B030D-6E8A-4147-A177-3AD203B41FA5}">
-                      <a16:colId xmlns="" xmlns:a16="http://schemas.microsoft.com/office/drawing/2014/main" val="20001"/>
+                      <a16:colId xmlns:a16="http://schemas.microsoft.com/office/drawing/2014/main" xmlns="" val="20001"/>
                     </a:ext>
                   </a:extLst>
                 </a:gridCol>
@@ -3964,7 +3964,7 @@
                 </a:tc>
                 <a:extLst>
                   <a:ext uri="{0D108BD9-81ED-4DB2-BD59-A6C34878D82A}">
-                    <a16:rowId xmlns="" xmlns:a16="http://schemas.microsoft.com/office/drawing/2014/main" val="10000"/>
+                    <a16:rowId xmlns:a16="http://schemas.microsoft.com/office/drawing/2014/main" xmlns="" val="10000"/>
                   </a:ext>
                 </a:extLst>
               </a:tr>
@@ -4081,7 +4081,7 @@
                 </a:tc>
                 <a:extLst>
                   <a:ext uri="{0D108BD9-81ED-4DB2-BD59-A6C34878D82A}">
-                    <a16:rowId xmlns="" xmlns:a16="http://schemas.microsoft.com/office/drawing/2014/main" val="10001"/>
+                    <a16:rowId xmlns:a16="http://schemas.microsoft.com/office/drawing/2014/main" xmlns="" val="10001"/>
                   </a:ext>
                 </a:extLst>
               </a:tr>
@@ -4181,7 +4181,7 @@
                 </a:tc>
                 <a:extLst>
                   <a:ext uri="{0D108BD9-81ED-4DB2-BD59-A6C34878D82A}">
-                    <a16:rowId xmlns="" xmlns:a16="http://schemas.microsoft.com/office/drawing/2014/main" val="10002"/>
+                    <a16:rowId xmlns:a16="http://schemas.microsoft.com/office/drawing/2014/main" xmlns="" val="10002"/>
                   </a:ext>
                 </a:extLst>
               </a:tr>
@@ -4291,7 +4291,7 @@
                 </a:tc>
                 <a:extLst>
                   <a:ext uri="{0D108BD9-81ED-4DB2-BD59-A6C34878D82A}">
-                    <a16:rowId xmlns="" xmlns:a16="http://schemas.microsoft.com/office/drawing/2014/main" val="10003"/>
+                    <a16:rowId xmlns:a16="http://schemas.microsoft.com/office/drawing/2014/main" xmlns="" val="10003"/>
                   </a:ext>
                 </a:extLst>
               </a:tr>
@@ -4375,7 +4375,7 @@
                 </a:tc>
                 <a:extLst>
                   <a:ext uri="{0D108BD9-81ED-4DB2-BD59-A6C34878D82A}">
-                    <a16:rowId xmlns="" xmlns:a16="http://schemas.microsoft.com/office/drawing/2014/main" val="10004"/>
+                    <a16:rowId xmlns:a16="http://schemas.microsoft.com/office/drawing/2014/main" xmlns="" val="10004"/>
                   </a:ext>
                 </a:extLst>
               </a:tr>
@@ -4459,7 +4459,7 @@
                 </a:tc>
                 <a:extLst>
                   <a:ext uri="{0D108BD9-81ED-4DB2-BD59-A6C34878D82A}">
-                    <a16:rowId xmlns="" xmlns:a16="http://schemas.microsoft.com/office/drawing/2014/main" val="10005"/>
+                    <a16:rowId xmlns:a16="http://schemas.microsoft.com/office/drawing/2014/main" xmlns="" val="10005"/>
                   </a:ext>
                 </a:extLst>
               </a:tr>
@@ -4526,14 +4526,14 @@
                 <a:gridCol w="1521031">
                   <a:extLst>
                     <a:ext uri="{9D8B030D-6E8A-4147-A177-3AD203B41FA5}">
-                      <a16:colId xmlns="" xmlns:a16="http://schemas.microsoft.com/office/drawing/2014/main" val="20000"/>
+                      <a16:colId xmlns:a16="http://schemas.microsoft.com/office/drawing/2014/main" xmlns="" val="20000"/>
                     </a:ext>
                   </a:extLst>
                 </a:gridCol>
                 <a:gridCol w="1904301">
                   <a:extLst>
                     <a:ext uri="{9D8B030D-6E8A-4147-A177-3AD203B41FA5}">
-                      <a16:colId xmlns="" xmlns:a16="http://schemas.microsoft.com/office/drawing/2014/main" val="20001"/>
+                      <a16:colId xmlns:a16="http://schemas.microsoft.com/office/drawing/2014/main" xmlns="" val="20001"/>
                     </a:ext>
                   </a:extLst>
                 </a:gridCol>
@@ -4680,7 +4680,7 @@
                 </a:tc>
                 <a:extLst>
                   <a:ext uri="{0D108BD9-81ED-4DB2-BD59-A6C34878D82A}">
-                    <a16:rowId xmlns="" xmlns:a16="http://schemas.microsoft.com/office/drawing/2014/main" val="10000"/>
+                    <a16:rowId xmlns:a16="http://schemas.microsoft.com/office/drawing/2014/main" xmlns="" val="10000"/>
                   </a:ext>
                 </a:extLst>
               </a:tr>
@@ -4780,7 +4780,7 @@
                 </a:tc>
                 <a:extLst>
                   <a:ext uri="{0D108BD9-81ED-4DB2-BD59-A6C34878D82A}">
-                    <a16:rowId xmlns="" xmlns:a16="http://schemas.microsoft.com/office/drawing/2014/main" val="10001"/>
+                    <a16:rowId xmlns:a16="http://schemas.microsoft.com/office/drawing/2014/main" xmlns="" val="10001"/>
                   </a:ext>
                 </a:extLst>
               </a:tr>
@@ -4846,7 +4846,7 @@
                 </a:tc>
                 <a:extLst>
                   <a:ext uri="{0D108BD9-81ED-4DB2-BD59-A6C34878D82A}">
-                    <a16:rowId xmlns="" xmlns:a16="http://schemas.microsoft.com/office/drawing/2014/main" val="10002"/>
+                    <a16:rowId xmlns:a16="http://schemas.microsoft.com/office/drawing/2014/main" xmlns="" val="10002"/>
                   </a:ext>
                 </a:extLst>
               </a:tr>
@@ -4859,7 +4859,7 @@
           <p:cNvPr id="18" name="직사각형 39">
             <a:extLst>
               <a:ext uri="{FF2B5EF4-FFF2-40B4-BE49-F238E27FC236}">
-                <a16:creationId xmlns="" xmlns:a16="http://schemas.microsoft.com/office/drawing/2014/main" id="{BFF2CE10-3DBB-413C-B4DD-E02EF6F745FD}"/>
+                <a16:creationId xmlns:a16="http://schemas.microsoft.com/office/drawing/2014/main" xmlns="" id="{BFF2CE10-3DBB-413C-B4DD-E02EF6F745FD}"/>
               </a:ext>
             </a:extLst>
           </p:cNvPr>
@@ -4904,7 +4904,7 @@
           <p:cNvPr id="2" name="Table 2">
             <a:extLst>
               <a:ext uri="{FF2B5EF4-FFF2-40B4-BE49-F238E27FC236}">
-                <a16:creationId xmlns="" xmlns:a16="http://schemas.microsoft.com/office/drawing/2014/main" id="{F042947F-E2EA-4695-A5DB-FE7B15ACE70D}"/>
+                <a16:creationId xmlns:a16="http://schemas.microsoft.com/office/drawing/2014/main" xmlns="" id="{F042947F-E2EA-4695-A5DB-FE7B15ACE70D}"/>
               </a:ext>
             </a:extLst>
           </p:cNvPr>
@@ -4933,42 +4933,42 @@
                 <a:gridCol w="372309">
                   <a:extLst>
                     <a:ext uri="{9D8B030D-6E8A-4147-A177-3AD203B41FA5}">
-                      <a16:colId xmlns="" xmlns:a16="http://schemas.microsoft.com/office/drawing/2014/main" val="1760814799"/>
+                      <a16:colId xmlns:a16="http://schemas.microsoft.com/office/drawing/2014/main" xmlns="" val="1760814799"/>
                     </a:ext>
                   </a:extLst>
                 </a:gridCol>
                 <a:gridCol w="1285631">
                   <a:extLst>
                     <a:ext uri="{9D8B030D-6E8A-4147-A177-3AD203B41FA5}">
-                      <a16:colId xmlns="" xmlns:a16="http://schemas.microsoft.com/office/drawing/2014/main" val="3455707604"/>
+                      <a16:colId xmlns:a16="http://schemas.microsoft.com/office/drawing/2014/main" xmlns="" val="3455707604"/>
                     </a:ext>
                   </a:extLst>
                 </a:gridCol>
                 <a:gridCol w="1058333">
                   <a:extLst>
                     <a:ext uri="{9D8B030D-6E8A-4147-A177-3AD203B41FA5}">
-                      <a16:colId xmlns="" xmlns:a16="http://schemas.microsoft.com/office/drawing/2014/main" val="543956147"/>
+                      <a16:colId xmlns:a16="http://schemas.microsoft.com/office/drawing/2014/main" xmlns="" val="543956147"/>
                     </a:ext>
                   </a:extLst>
                 </a:gridCol>
                 <a:gridCol w="2413000">
                   <a:extLst>
                     <a:ext uri="{9D8B030D-6E8A-4147-A177-3AD203B41FA5}">
-                      <a16:colId xmlns="" xmlns:a16="http://schemas.microsoft.com/office/drawing/2014/main" val="2137818610"/>
+                      <a16:colId xmlns:a16="http://schemas.microsoft.com/office/drawing/2014/main" xmlns="" val="2137818610"/>
                     </a:ext>
                   </a:extLst>
                 </a:gridCol>
                 <a:gridCol w="965200">
                   <a:extLst>
                     <a:ext uri="{9D8B030D-6E8A-4147-A177-3AD203B41FA5}">
-                      <a16:colId xmlns="" xmlns:a16="http://schemas.microsoft.com/office/drawing/2014/main" val="2781862812"/>
+                      <a16:colId xmlns:a16="http://schemas.microsoft.com/office/drawing/2014/main" xmlns="" val="2781862812"/>
                     </a:ext>
                   </a:extLst>
                 </a:gridCol>
                 <a:gridCol w="1083082">
                   <a:extLst>
                     <a:ext uri="{9D8B030D-6E8A-4147-A177-3AD203B41FA5}">
-                      <a16:colId xmlns="" xmlns:a16="http://schemas.microsoft.com/office/drawing/2014/main" val="1029790223"/>
+                      <a16:colId xmlns:a16="http://schemas.microsoft.com/office/drawing/2014/main" xmlns="" val="1029790223"/>
                     </a:ext>
                   </a:extLst>
                 </a:gridCol>
@@ -5334,7 +5334,7 @@
                 </a:tc>
                 <a:extLst>
                   <a:ext uri="{0D108BD9-81ED-4DB2-BD59-A6C34878D82A}">
-                    <a16:rowId xmlns="" xmlns:a16="http://schemas.microsoft.com/office/drawing/2014/main" val="3239706259"/>
+                    <a16:rowId xmlns:a16="http://schemas.microsoft.com/office/drawing/2014/main" xmlns="" val="3239706259"/>
                   </a:ext>
                 </a:extLst>
               </a:tr>
@@ -5696,7 +5696,7 @@
                 </a:tc>
                 <a:extLst>
                   <a:ext uri="{0D108BD9-81ED-4DB2-BD59-A6C34878D82A}">
-                    <a16:rowId xmlns="" xmlns:a16="http://schemas.microsoft.com/office/drawing/2014/main" val="1173372422"/>
+                    <a16:rowId xmlns:a16="http://schemas.microsoft.com/office/drawing/2014/main" xmlns="" val="1173372422"/>
                   </a:ext>
                 </a:extLst>
               </a:tr>
@@ -6103,7 +6103,7 @@
                 </a:tc>
                 <a:extLst>
                   <a:ext uri="{0D108BD9-81ED-4DB2-BD59-A6C34878D82A}">
-                    <a16:rowId xmlns="" xmlns:a16="http://schemas.microsoft.com/office/drawing/2014/main" val="815852332"/>
+                    <a16:rowId xmlns:a16="http://schemas.microsoft.com/office/drawing/2014/main" xmlns="" val="815852332"/>
                   </a:ext>
                 </a:extLst>
               </a:tr>
@@ -6526,7 +6526,7 @@
                 </a:tc>
                 <a:extLst>
                   <a:ext uri="{0D108BD9-81ED-4DB2-BD59-A6C34878D82A}">
-                    <a16:rowId xmlns="" xmlns:a16="http://schemas.microsoft.com/office/drawing/2014/main" val="192914674"/>
+                    <a16:rowId xmlns:a16="http://schemas.microsoft.com/office/drawing/2014/main" xmlns="" val="192914674"/>
                   </a:ext>
                 </a:extLst>
               </a:tr>
@@ -6920,7 +6920,7 @@
                 </a:tc>
                 <a:extLst>
                   <a:ext uri="{0D108BD9-81ED-4DB2-BD59-A6C34878D82A}">
-                    <a16:rowId xmlns="" xmlns:a16="http://schemas.microsoft.com/office/drawing/2014/main" val="1988899687"/>
+                    <a16:rowId xmlns:a16="http://schemas.microsoft.com/office/drawing/2014/main" xmlns="" val="1988899687"/>
                   </a:ext>
                 </a:extLst>
               </a:tr>
@@ -7404,7 +7404,7 @@
                 </a:tc>
                 <a:extLst>
                   <a:ext uri="{0D108BD9-81ED-4DB2-BD59-A6C34878D82A}">
-                    <a16:rowId xmlns="" xmlns:a16="http://schemas.microsoft.com/office/drawing/2014/main" val="1871562174"/>
+                    <a16:rowId xmlns:a16="http://schemas.microsoft.com/office/drawing/2014/main" xmlns="" val="1871562174"/>
                   </a:ext>
                 </a:extLst>
               </a:tr>
@@ -7784,7 +7784,7 @@
                 </a:tc>
                 <a:extLst>
                   <a:ext uri="{0D108BD9-81ED-4DB2-BD59-A6C34878D82A}">
-                    <a16:rowId xmlns="" xmlns:a16="http://schemas.microsoft.com/office/drawing/2014/main" val="3385085095"/>
+                    <a16:rowId xmlns:a16="http://schemas.microsoft.com/office/drawing/2014/main" xmlns="" val="3385085095"/>
                   </a:ext>
                 </a:extLst>
               </a:tr>
@@ -8210,7 +8210,7 @@
                 </a:tc>
                 <a:extLst>
                   <a:ext uri="{0D108BD9-81ED-4DB2-BD59-A6C34878D82A}">
-                    <a16:rowId xmlns="" xmlns:a16="http://schemas.microsoft.com/office/drawing/2014/main" val="997687249"/>
+                    <a16:rowId xmlns:a16="http://schemas.microsoft.com/office/drawing/2014/main" xmlns="" val="997687249"/>
                   </a:ext>
                 </a:extLst>
               </a:tr>
@@ -8223,7 +8223,7 @@
           <p:cNvPr id="12" name="Picture 11">
             <a:extLst>
               <a:ext uri="{FF2B5EF4-FFF2-40B4-BE49-F238E27FC236}">
-                <a16:creationId xmlns="" xmlns:a16="http://schemas.microsoft.com/office/drawing/2014/main" id="{19562854-C979-4908-8B06-7B9B484F8146}"/>
+                <a16:creationId xmlns:a16="http://schemas.microsoft.com/office/drawing/2014/main" xmlns="" id="{19562854-C979-4908-8B06-7B9B484F8146}"/>
               </a:ext>
             </a:extLst>
           </p:cNvPr>
@@ -8253,7 +8253,7 @@
           <p:cNvPr id="13" name="Picture 12">
             <a:extLst>
               <a:ext uri="{FF2B5EF4-FFF2-40B4-BE49-F238E27FC236}">
-                <a16:creationId xmlns="" xmlns:a16="http://schemas.microsoft.com/office/drawing/2014/main" id="{E2738BB6-1413-47A9-B737-541EC50BEACD}"/>
+                <a16:creationId xmlns:a16="http://schemas.microsoft.com/office/drawing/2014/main" xmlns="" id="{E2738BB6-1413-47A9-B737-541EC50BEACD}"/>
               </a:ext>
             </a:extLst>
           </p:cNvPr>
@@ -8283,7 +8283,7 @@
           <p:cNvPr id="22" name="Picture 21">
             <a:extLst>
               <a:ext uri="{FF2B5EF4-FFF2-40B4-BE49-F238E27FC236}">
-                <a16:creationId xmlns="" xmlns:a16="http://schemas.microsoft.com/office/drawing/2014/main" id="{46181AA6-1913-4E5E-8AC6-C73C4ACF49E1}"/>
+                <a16:creationId xmlns:a16="http://schemas.microsoft.com/office/drawing/2014/main" xmlns="" id="{46181AA6-1913-4E5E-8AC6-C73C4ACF49E1}"/>
               </a:ext>
             </a:extLst>
           </p:cNvPr>
@@ -8313,7 +8313,7 @@
           <p:cNvPr id="23" name="Picture 22">
             <a:extLst>
               <a:ext uri="{FF2B5EF4-FFF2-40B4-BE49-F238E27FC236}">
-                <a16:creationId xmlns="" xmlns:a16="http://schemas.microsoft.com/office/drawing/2014/main" id="{98373F5D-5E44-416E-ACE8-888B6162DF0C}"/>
+                <a16:creationId xmlns:a16="http://schemas.microsoft.com/office/drawing/2014/main" xmlns="" id="{98373F5D-5E44-416E-ACE8-888B6162DF0C}"/>
               </a:ext>
             </a:extLst>
           </p:cNvPr>
@@ -8343,7 +8343,7 @@
           <p:cNvPr id="24" name="Picture 23">
             <a:extLst>
               <a:ext uri="{FF2B5EF4-FFF2-40B4-BE49-F238E27FC236}">
-                <a16:creationId xmlns="" xmlns:a16="http://schemas.microsoft.com/office/drawing/2014/main" id="{D94A915D-6060-4E46-9794-153AC4DAE5CC}"/>
+                <a16:creationId xmlns:a16="http://schemas.microsoft.com/office/drawing/2014/main" xmlns="" id="{D94A915D-6060-4E46-9794-153AC4DAE5CC}"/>
               </a:ext>
             </a:extLst>
           </p:cNvPr>
@@ -8373,7 +8373,7 @@
           <p:cNvPr id="25" name="Picture 24">
             <a:extLst>
               <a:ext uri="{FF2B5EF4-FFF2-40B4-BE49-F238E27FC236}">
-                <a16:creationId xmlns="" xmlns:a16="http://schemas.microsoft.com/office/drawing/2014/main" id="{E0BC208F-284F-425F-8185-73440BA8F67D}"/>
+                <a16:creationId xmlns:a16="http://schemas.microsoft.com/office/drawing/2014/main" xmlns="" id="{E0BC208F-284F-425F-8185-73440BA8F67D}"/>
               </a:ext>
             </a:extLst>
           </p:cNvPr>
@@ -8403,7 +8403,7 @@
           <p:cNvPr id="26" name="Picture 25">
             <a:extLst>
               <a:ext uri="{FF2B5EF4-FFF2-40B4-BE49-F238E27FC236}">
-                <a16:creationId xmlns="" xmlns:a16="http://schemas.microsoft.com/office/drawing/2014/main" id="{4F08E167-6694-4494-A05D-F17710B2B848}"/>
+                <a16:creationId xmlns:a16="http://schemas.microsoft.com/office/drawing/2014/main" xmlns="" id="{4F08E167-6694-4494-A05D-F17710B2B848}"/>
               </a:ext>
             </a:extLst>
           </p:cNvPr>
@@ -8433,7 +8433,7 @@
           <p:cNvPr id="27" name="Picture 26">
             <a:extLst>
               <a:ext uri="{FF2B5EF4-FFF2-40B4-BE49-F238E27FC236}">
-                <a16:creationId xmlns="" xmlns:a16="http://schemas.microsoft.com/office/drawing/2014/main" id="{1A504984-C3CB-4790-8D76-EB63782D1EC2}"/>
+                <a16:creationId xmlns:a16="http://schemas.microsoft.com/office/drawing/2014/main" xmlns="" id="{1A504984-C3CB-4790-8D76-EB63782D1EC2}"/>
               </a:ext>
             </a:extLst>
           </p:cNvPr>
@@ -8463,7 +8463,7 @@
           <p:cNvPr id="19" name="Table 4">
             <a:extLst>
               <a:ext uri="{FF2B5EF4-FFF2-40B4-BE49-F238E27FC236}">
-                <a16:creationId xmlns="" xmlns:a16="http://schemas.microsoft.com/office/drawing/2014/main" id="{63C6EBD3-EE76-4A4E-A009-555C41B64A93}"/>
+                <a16:creationId xmlns:a16="http://schemas.microsoft.com/office/drawing/2014/main" xmlns="" id="{63C6EBD3-EE76-4A4E-A009-555C41B64A93}"/>
               </a:ext>
             </a:extLst>
           </p:cNvPr>
@@ -8492,7 +8492,7 @@
                 <a:gridCol w="1757665">
                   <a:extLst>
                     <a:ext uri="{9D8B030D-6E8A-4147-A177-3AD203B41FA5}">
-                      <a16:colId xmlns="" xmlns:a16="http://schemas.microsoft.com/office/drawing/2014/main" val="1123152002"/>
+                      <a16:colId xmlns:a16="http://schemas.microsoft.com/office/drawing/2014/main" xmlns="" val="1123152002"/>
                     </a:ext>
                   </a:extLst>
                 </a:gridCol>
@@ -8562,7 +8562,7 @@
                 </a:tc>
                 <a:extLst>
                   <a:ext uri="{0D108BD9-81ED-4DB2-BD59-A6C34878D82A}">
-                    <a16:rowId xmlns="" xmlns:a16="http://schemas.microsoft.com/office/drawing/2014/main" val="858287360"/>
+                    <a16:rowId xmlns:a16="http://schemas.microsoft.com/office/drawing/2014/main" xmlns="" val="858287360"/>
                   </a:ext>
                 </a:extLst>
               </a:tr>
@@ -8575,7 +8575,7 @@
           <p:cNvPr id="20" name="Google Shape;173;g7c553259d1_0_81">
             <a:extLst>
               <a:ext uri="{FF2B5EF4-FFF2-40B4-BE49-F238E27FC236}">
-                <a16:creationId xmlns="" xmlns:a16="http://schemas.microsoft.com/office/drawing/2014/main" id="{13413D26-6ACB-4E16-AD2C-C141BF5B38B6}"/>
+                <a16:creationId xmlns:a16="http://schemas.microsoft.com/office/drawing/2014/main" xmlns="" id="{13413D26-6ACB-4E16-AD2C-C141BF5B38B6}"/>
               </a:ext>
             </a:extLst>
           </p:cNvPr>
@@ -8649,7 +8649,7 @@
           <p:cNvPr id="21" name="Google Shape;173;g7c553259d1_0_81">
             <a:extLst>
               <a:ext uri="{FF2B5EF4-FFF2-40B4-BE49-F238E27FC236}">
-                <a16:creationId xmlns="" xmlns:a16="http://schemas.microsoft.com/office/drawing/2014/main" id="{29BFFC52-8C0C-4029-8F7C-7B280E4B71AA}"/>
+                <a16:creationId xmlns:a16="http://schemas.microsoft.com/office/drawing/2014/main" xmlns="" id="{29BFFC52-8C0C-4029-8F7C-7B280E4B71AA}"/>
               </a:ext>
             </a:extLst>
           </p:cNvPr>
@@ -8723,7 +8723,7 @@
           <p:cNvPr id="28" name="Google Shape;173;g7c553259d1_0_81">
             <a:extLst>
               <a:ext uri="{FF2B5EF4-FFF2-40B4-BE49-F238E27FC236}">
-                <a16:creationId xmlns="" xmlns:a16="http://schemas.microsoft.com/office/drawing/2014/main" id="{EA96DCAD-C8DF-4BF3-A915-5A646A22F5CE}"/>
+                <a16:creationId xmlns:a16="http://schemas.microsoft.com/office/drawing/2014/main" xmlns="" id="{EA96DCAD-C8DF-4BF3-A915-5A646A22F5CE}"/>
               </a:ext>
             </a:extLst>
           </p:cNvPr>
@@ -9292,7 +9292,7 @@
   <a:extraClrSchemeLst/>
   <a:extLst>
     <a:ext uri="{05A4C25C-085E-4340-85A3-A5531E510DB2}">
-      <thm15:themeFamily xmlns:thm15="http://schemas.microsoft.com/office/thememl/2012/main" name="Office Theme" id="{62F939B6-93AF-4DB8-9C6B-D6C7DFDC589F}" vid="{4A3C46E8-61CC-4603-A589-7422A47A8E4A}"/>
+      <thm15:themeFamily xmlns:thm15="http://schemas.microsoft.com/office/thememl/2012/main" xmlns="" name="Office Theme" id="{62F939B6-93AF-4DB8-9C6B-D6C7DFDC589F}" vid="{4A3C46E8-61CC-4603-A589-7422A47A8E4A}"/>
     </a:ext>
   </a:extLst>
 </a:theme>
@@ -9553,7 +9553,7 @@
   <a:extraClrSchemeLst/>
   <a:extLst>
     <a:ext uri="{05A4C25C-085E-4340-85A3-A5531E510DB2}">
-      <thm15:themeFamily xmlns:thm15="http://schemas.microsoft.com/office/thememl/2012/main" name="Office Theme" id="{62F939B6-93AF-4DB8-9C6B-D6C7DFDC589F}" vid="{4A3C46E8-61CC-4603-A589-7422A47A8E4A}"/>
+      <thm15:themeFamily xmlns:thm15="http://schemas.microsoft.com/office/thememl/2012/main" xmlns="" name="Office Theme" id="{62F939B6-93AF-4DB8-9C6B-D6C7DFDC589F}" vid="{4A3C46E8-61CC-4603-A589-7422A47A8E4A}"/>
     </a:ext>
   </a:extLst>
 </a:theme>
